--- a/PPTs/L2-Exercises ANS.pptx
+++ b/PPTs/L2-Exercises ANS.pptx
@@ -229,14 +229,14 @@
           <a:effectLst/>
           <a:extLst>
             <a:ext uri="{909E8E84-426E-40dd-AFC4-6F175D3DCCD1}">
-              <a14:hiddenFill xmlns:a14="http://schemas.microsoft.com/office/drawing/2010/main" xmlns="">
+              <a14:hiddenFill xmlns="" xmlns:a14="http://schemas.microsoft.com/office/drawing/2010/main">
                 <a:solidFill>
                   <a:schemeClr val="bg1"/>
                 </a:solidFill>
               </a14:hiddenFill>
             </a:ext>
             <a:ext uri="{91240B29-F687-4f45-9708-019B960494DF}">
-              <a14:hiddenLine xmlns:a14="http://schemas.microsoft.com/office/drawing/2010/main" xmlns="" w="12700">
+              <a14:hiddenLine xmlns="" xmlns:a14="http://schemas.microsoft.com/office/drawing/2010/main" w="12700">
                 <a:pattFill prst="narHorz">
                   <a:fgClr>
                     <a:schemeClr val="tx1"/>
@@ -251,7 +251,7 @@
               </a14:hiddenLine>
             </a:ext>
             <a:ext uri="{AF507438-7753-43e0-B8FC-AC1667EBCBE1}">
-              <a14:hiddenEffects xmlns:a14="http://schemas.microsoft.com/office/drawing/2010/main" xmlns="">
+              <a14:hiddenEffects xmlns="" xmlns:a14="http://schemas.microsoft.com/office/drawing/2010/main">
                 <a:effectLst>
                   <a:outerShdw dist="35921" dir="2700000" algn="ctr" rotWithShape="0">
                     <a:schemeClr val="bg2"/>
@@ -357,14 +357,14 @@
           <a:effectLst/>
           <a:extLst>
             <a:ext uri="{909E8E84-426E-40dd-AFC4-6F175D3DCCD1}">
-              <a14:hiddenFill xmlns:a14="http://schemas.microsoft.com/office/drawing/2010/main" xmlns="">
+              <a14:hiddenFill xmlns="" xmlns:a14="http://schemas.microsoft.com/office/drawing/2010/main">
                 <a:solidFill>
                   <a:schemeClr val="bg1"/>
                 </a:solidFill>
               </a14:hiddenFill>
             </a:ext>
             <a:ext uri="{91240B29-F687-4f45-9708-019B960494DF}">
-              <a14:hiddenLine xmlns:a14="http://schemas.microsoft.com/office/drawing/2010/main" xmlns="" w="12700">
+              <a14:hiddenLine xmlns="" xmlns:a14="http://schemas.microsoft.com/office/drawing/2010/main" w="12700">
                 <a:pattFill prst="narHorz">
                   <a:fgClr>
                     <a:schemeClr val="tx1"/>
@@ -379,7 +379,7 @@
               </a14:hiddenLine>
             </a:ext>
             <a:ext uri="{AF507438-7753-43e0-B8FC-AC1667EBCBE1}">
-              <a14:hiddenEffects xmlns:a14="http://schemas.microsoft.com/office/drawing/2010/main" xmlns="">
+              <a14:hiddenEffects xmlns="" xmlns:a14="http://schemas.microsoft.com/office/drawing/2010/main">
                 <a:effectLst>
                   <a:outerShdw dist="35921" dir="2700000" algn="ctr" rotWithShape="0">
                     <a:schemeClr val="bg2"/>
@@ -447,17 +447,17 @@
           <a:effectLst/>
           <a:extLst>
             <a:ext uri="{FAA26D3D-D897-4be2-8F04-BA451C77F1D7}">
-              <ma14:placeholderFlag xmlns:ma14="http://schemas.microsoft.com/office/mac/drawingml/2011/main" xmlns="" val="1"/>
+              <ma14:placeholderFlag xmlns="" xmlns:ma14="http://schemas.microsoft.com/office/mac/drawingml/2011/main" val="1"/>
             </a:ext>
             <a:ext uri="{909E8E84-426E-40dd-AFC4-6F175D3DCCD1}">
-              <a14:hiddenFill xmlns:a14="http://schemas.microsoft.com/office/drawing/2010/main" xmlns="">
+              <a14:hiddenFill xmlns="" xmlns:a14="http://schemas.microsoft.com/office/drawing/2010/main">
                 <a:solidFill>
                   <a:srgbClr val="FFFFFF"/>
                 </a:solidFill>
               </a14:hiddenFill>
             </a:ext>
             <a:ext uri="{AF507438-7753-43e0-B8FC-AC1667EBCBE1}">
-              <a14:hiddenEffects xmlns:a14="http://schemas.microsoft.com/office/drawing/2010/main" xmlns="">
+              <a14:hiddenEffects xmlns="" xmlns:a14="http://schemas.microsoft.com/office/drawing/2010/main">
                 <a:effectLst>
                   <a:outerShdw blurRad="63500" dist="38099" dir="2700000" algn="ctr" rotWithShape="0">
                     <a:srgbClr val="000000">
@@ -468,7 +468,7 @@
               </a14:hiddenEffects>
             </a:ext>
             <a:ext uri="{53640926-AAD7-44d8-BBD7-CCE9431645EC}">
-              <a14:shadowObscured xmlns:a14="http://schemas.microsoft.com/office/drawing/2010/main" xmlns="" val="1"/>
+              <a14:shadowObscured xmlns="" xmlns:a14="http://schemas.microsoft.com/office/drawing/2010/main" val="1"/>
             </a:ext>
           </a:extLst>
         </p:spPr>
@@ -498,14 +498,14 @@
           <a:effectLst/>
           <a:extLst>
             <a:ext uri="{909E8E84-426E-40dd-AFC4-6F175D3DCCD1}">
-              <a14:hiddenFill xmlns:a14="http://schemas.microsoft.com/office/drawing/2010/main" xmlns="">
+              <a14:hiddenFill xmlns="" xmlns:a14="http://schemas.microsoft.com/office/drawing/2010/main">
                 <a:solidFill>
                   <a:schemeClr val="bg1"/>
                 </a:solidFill>
               </a14:hiddenFill>
             </a:ext>
             <a:ext uri="{91240B29-F687-4f45-9708-019B960494DF}">
-              <a14:hiddenLine xmlns:a14="http://schemas.microsoft.com/office/drawing/2010/main" xmlns="" w="12700">
+              <a14:hiddenLine xmlns="" xmlns:a14="http://schemas.microsoft.com/office/drawing/2010/main" w="12700">
                 <a:pattFill prst="narHorz">
                   <a:fgClr>
                     <a:schemeClr val="tx1"/>
@@ -520,7 +520,7 @@
               </a14:hiddenLine>
             </a:ext>
             <a:ext uri="{AF507438-7753-43e0-B8FC-AC1667EBCBE1}">
-              <a14:hiddenEffects xmlns:a14="http://schemas.microsoft.com/office/drawing/2010/main" xmlns="">
+              <a14:hiddenEffects xmlns="" xmlns:a14="http://schemas.microsoft.com/office/drawing/2010/main">
                 <a:effectLst>
                   <a:outerShdw dist="35921" dir="2700000" algn="ctr" rotWithShape="0">
                     <a:schemeClr val="bg2"/>
@@ -770,10 +770,10 @@
         <p:spPr>
           <a:extLst>
             <a:ext uri="{FAA26D3D-D897-4be2-8F04-BA451C77F1D7}">
-              <ma14:placeholderFlag xmlns="" xmlns:ma14="http://schemas.microsoft.com/office/mac/drawingml/2011/main" val="1"/>
+              <ma14:placeholderFlag xmlns:ma14="http://schemas.microsoft.com/office/mac/drawingml/2011/main" xmlns="" val="1"/>
             </a:ext>
             <a:ext uri="{AF507438-7753-43e0-B8FC-AC1667EBCBE1}">
-              <a14:hiddenEffects xmlns="" xmlns:a14="http://schemas.microsoft.com/office/drawing/2010/main">
+              <a14:hiddenEffects xmlns:a14="http://schemas.microsoft.com/office/drawing/2010/main" xmlns="">
                 <a:effectLst>
                   <a:outerShdw blurRad="63500" dist="38099" dir="2700000" algn="ctr" rotWithShape="0">
                     <a:schemeClr val="bg2">
@@ -3426,17 +3426,17 @@
           <a:effectLst/>
           <a:extLst>
             <a:ext uri="{FAA26D3D-D897-4be2-8F04-BA451C77F1D7}">
-              <ma14:placeholderFlag xmlns:ma14="http://schemas.microsoft.com/office/mac/drawingml/2011/main" xmlns="" val="1"/>
+              <ma14:placeholderFlag xmlns="" xmlns:ma14="http://schemas.microsoft.com/office/mac/drawingml/2011/main" val="1"/>
             </a:ext>
             <a:ext uri="{909E8E84-426E-40dd-AFC4-6F175D3DCCD1}">
-              <a14:hiddenFill xmlns:a14="http://schemas.microsoft.com/office/drawing/2010/main" xmlns="">
+              <a14:hiddenFill xmlns="" xmlns:a14="http://schemas.microsoft.com/office/drawing/2010/main">
                 <a:solidFill>
                   <a:schemeClr val="bg1"/>
                 </a:solidFill>
               </a14:hiddenFill>
             </a:ext>
             <a:ext uri="{91240B29-F687-4f45-9708-019B960494DF}">
-              <a14:hiddenLine xmlns:a14="http://schemas.microsoft.com/office/drawing/2010/main" xmlns="" w="12700">
+              <a14:hiddenLine xmlns="" xmlns:a14="http://schemas.microsoft.com/office/drawing/2010/main" w="12700">
                 <a:pattFill prst="narHorz">
                   <a:fgClr>
                     <a:schemeClr val="tx1"/>
@@ -3451,7 +3451,7 @@
               </a14:hiddenLine>
             </a:ext>
             <a:ext uri="{AF507438-7753-43e0-B8FC-AC1667EBCBE1}">
-              <a14:hiddenEffects xmlns:a14="http://schemas.microsoft.com/office/drawing/2010/main" xmlns="">
+              <a14:hiddenEffects xmlns="" xmlns:a14="http://schemas.microsoft.com/office/drawing/2010/main">
                 <a:effectLst>
                   <a:outerShdw blurRad="63500" dist="38099" dir="2700000" algn="ctr" rotWithShape="0">
                     <a:schemeClr val="bg2">
@@ -3504,17 +3504,17 @@
           <a:effectLst/>
           <a:extLst>
             <a:ext uri="{FAA26D3D-D897-4be2-8F04-BA451C77F1D7}">
-              <ma14:placeholderFlag xmlns:ma14="http://schemas.microsoft.com/office/mac/drawingml/2011/main" xmlns="" val="1"/>
+              <ma14:placeholderFlag xmlns="" xmlns:ma14="http://schemas.microsoft.com/office/mac/drawingml/2011/main" val="1"/>
             </a:ext>
             <a:ext uri="{909E8E84-426E-40dd-AFC4-6F175D3DCCD1}">
-              <a14:hiddenFill xmlns:a14="http://schemas.microsoft.com/office/drawing/2010/main" xmlns="">
+              <a14:hiddenFill xmlns="" xmlns:a14="http://schemas.microsoft.com/office/drawing/2010/main">
                 <a:solidFill>
                   <a:schemeClr val="bg1"/>
                 </a:solidFill>
               </a14:hiddenFill>
             </a:ext>
             <a:ext uri="{91240B29-F687-4f45-9708-019B960494DF}">
-              <a14:hiddenLine xmlns:a14="http://schemas.microsoft.com/office/drawing/2010/main" xmlns="" w="12700">
+              <a14:hiddenLine xmlns="" xmlns:a14="http://schemas.microsoft.com/office/drawing/2010/main" w="12700">
                 <a:pattFill prst="narHorz">
                   <a:fgClr>
                     <a:schemeClr val="tx1"/>
@@ -3529,7 +3529,7 @@
               </a14:hiddenLine>
             </a:ext>
             <a:ext uri="{AF507438-7753-43e0-B8FC-AC1667EBCBE1}">
-              <a14:hiddenEffects xmlns:a14="http://schemas.microsoft.com/office/drawing/2010/main" xmlns="">
+              <a14:hiddenEffects xmlns="" xmlns:a14="http://schemas.microsoft.com/office/drawing/2010/main">
                 <a:effectLst>
                   <a:outerShdw blurRad="63500" dist="38099" dir="2700000" algn="ctr" rotWithShape="0">
                     <a:schemeClr val="bg2">
@@ -3608,14 +3608,14 @@
           <a:effectLst/>
           <a:extLst>
             <a:ext uri="{909E8E84-426E-40dd-AFC4-6F175D3DCCD1}">
-              <a14:hiddenFill xmlns:a14="http://schemas.microsoft.com/office/drawing/2010/main" xmlns="">
+              <a14:hiddenFill xmlns="" xmlns:a14="http://schemas.microsoft.com/office/drawing/2010/main">
                 <a:solidFill>
                   <a:schemeClr val="bg1"/>
                 </a:solidFill>
               </a14:hiddenFill>
             </a:ext>
             <a:ext uri="{91240B29-F687-4f45-9708-019B960494DF}">
-              <a14:hiddenLine xmlns:a14="http://schemas.microsoft.com/office/drawing/2010/main" xmlns="" w="12700">
+              <a14:hiddenLine xmlns="" xmlns:a14="http://schemas.microsoft.com/office/drawing/2010/main" w="12700">
                 <a:pattFill prst="narHorz">
                   <a:fgClr>
                     <a:schemeClr val="tx1"/>
@@ -3630,7 +3630,7 @@
               </a14:hiddenLine>
             </a:ext>
             <a:ext uri="{AF507438-7753-43e0-B8FC-AC1667EBCBE1}">
-              <a14:hiddenEffects xmlns:a14="http://schemas.microsoft.com/office/drawing/2010/main" xmlns="">
+              <a14:hiddenEffects xmlns="" xmlns:a14="http://schemas.microsoft.com/office/drawing/2010/main">
                 <a:effectLst>
                   <a:outerShdw dist="35921" dir="2700000" algn="ctr" rotWithShape="0">
                     <a:schemeClr val="bg2"/>
@@ -3696,12 +3696,12 @@
           <a:effectLst/>
           <a:extLst>
             <a:ext uri="{909E8E84-426E-40dd-AFC4-6F175D3DCCD1}">
-              <a14:hiddenFill xmlns:a14="http://schemas.microsoft.com/office/drawing/2010/main" xmlns="">
+              <a14:hiddenFill xmlns="" xmlns:a14="http://schemas.microsoft.com/office/drawing/2010/main">
                 <a:noFill/>
               </a14:hiddenFill>
             </a:ext>
             <a:ext uri="{AF507438-7753-43e0-B8FC-AC1667EBCBE1}">
-              <a14:hiddenEffects xmlns:a14="http://schemas.microsoft.com/office/drawing/2010/main" xmlns="">
+              <a14:hiddenEffects xmlns="" xmlns:a14="http://schemas.microsoft.com/office/drawing/2010/main">
                 <a:effectLst>
                   <a:outerShdw blurRad="63500" dist="38099" dir="2700000" algn="ctr" rotWithShape="0">
                     <a:schemeClr val="bg2">
@@ -6234,7 +6234,7 @@
           </a:ln>
           <a:extLst>
             <a:ext uri="{AF507438-7753-43e0-B8FC-AC1667EBCBE1}">
-              <a14:hiddenEffects xmlns:a14="http://schemas.microsoft.com/office/drawing/2010/main" xmlns="">
+              <a14:hiddenEffects xmlns="" xmlns:a14="http://schemas.microsoft.com/office/drawing/2010/main">
                 <a:effectLst>
                   <a:outerShdw dist="35921" dir="2700000" algn="ctr" rotWithShape="0">
                     <a:schemeClr val="bg2"/>
@@ -6929,7 +6929,7 @@
           </a:ln>
           <a:extLst>
             <a:ext uri="{AF507438-7753-43e0-B8FC-AC1667EBCBE1}">
-              <a14:hiddenEffects xmlns:a14="http://schemas.microsoft.com/office/drawing/2010/main" xmlns="">
+              <a14:hiddenEffects xmlns="" xmlns:a14="http://schemas.microsoft.com/office/drawing/2010/main">
                 <a:effectLst>
                   <a:outerShdw dist="35921" dir="2700000" algn="ctr" rotWithShape="0">
                     <a:schemeClr val="bg2"/>
@@ -6971,7 +6971,7 @@
           </a:ln>
           <a:extLst>
             <a:ext uri="{AF507438-7753-43e0-B8FC-AC1667EBCBE1}">
-              <a14:hiddenEffects xmlns:a14="http://schemas.microsoft.com/office/drawing/2010/main" xmlns="">
+              <a14:hiddenEffects xmlns="" xmlns:a14="http://schemas.microsoft.com/office/drawing/2010/main">
                 <a:effectLst>
                   <a:outerShdw dist="35921" dir="2700000" algn="ctr" rotWithShape="0">
                     <a:schemeClr val="bg2"/>
@@ -7205,7 +7205,7 @@
           </a:ln>
           <a:extLst>
             <a:ext uri="{AF507438-7753-43e0-B8FC-AC1667EBCBE1}">
-              <a14:hiddenEffects xmlns:a14="http://schemas.microsoft.com/office/drawing/2010/main" xmlns="">
+              <a14:hiddenEffects xmlns="" xmlns:a14="http://schemas.microsoft.com/office/drawing/2010/main">
                 <a:effectLst>
                   <a:outerShdw dist="35921" dir="2700000" algn="ctr" rotWithShape="0">
                     <a:schemeClr val="bg2"/>
@@ -9205,7 +9205,7 @@
           </a:ln>
           <a:extLst>
             <a:ext uri="{AF507438-7753-43e0-B8FC-AC1667EBCBE1}">
-              <a14:hiddenEffects xmlns:a14="http://schemas.microsoft.com/office/drawing/2010/main" xmlns="">
+              <a14:hiddenEffects xmlns="" xmlns:a14="http://schemas.microsoft.com/office/drawing/2010/main">
                 <a:effectLst>
                   <a:outerShdw dist="35921" dir="2700000" algn="ctr" rotWithShape="0">
                     <a:schemeClr val="bg2"/>
@@ -9900,7 +9900,7 @@
           </a:ln>
           <a:extLst>
             <a:ext uri="{AF507438-7753-43e0-B8FC-AC1667EBCBE1}">
-              <a14:hiddenEffects xmlns:a14="http://schemas.microsoft.com/office/drawing/2010/main" xmlns="">
+              <a14:hiddenEffects xmlns="" xmlns:a14="http://schemas.microsoft.com/office/drawing/2010/main">
                 <a:effectLst>
                   <a:outerShdw dist="35921" dir="2700000" algn="ctr" rotWithShape="0">
                     <a:schemeClr val="bg2"/>
@@ -9942,7 +9942,7 @@
           </a:ln>
           <a:extLst>
             <a:ext uri="{AF507438-7753-43e0-B8FC-AC1667EBCBE1}">
-              <a14:hiddenEffects xmlns:a14="http://schemas.microsoft.com/office/drawing/2010/main" xmlns="">
+              <a14:hiddenEffects xmlns="" xmlns:a14="http://schemas.microsoft.com/office/drawing/2010/main">
                 <a:effectLst>
                   <a:outerShdw dist="35921" dir="2700000" algn="ctr" rotWithShape="0">
                     <a:schemeClr val="bg2"/>
@@ -10176,7 +10176,7 @@
           </a:ln>
           <a:extLst>
             <a:ext uri="{AF507438-7753-43e0-B8FC-AC1667EBCBE1}">
-              <a14:hiddenEffects xmlns:a14="http://schemas.microsoft.com/office/drawing/2010/main" xmlns="">
+              <a14:hiddenEffects xmlns="" xmlns:a14="http://schemas.microsoft.com/office/drawing/2010/main">
                 <a:effectLst>
                   <a:outerShdw dist="35921" dir="2700000" algn="ctr" rotWithShape="0">
                     <a:schemeClr val="bg2"/>
@@ -10568,7 +10568,7 @@
         <p:spPr>
           <a:xfrm>
             <a:off x="152400" y="796290"/>
-            <a:ext cx="6094206" cy="5909310"/>
+            <a:ext cx="6094206" cy="6124754"/>
           </a:xfrm>
           <a:prstGeom prst="rect">
             <a:avLst/>
@@ -10805,7 +10805,30 @@
                 <a:latin typeface="Courier New" panose="02070309020205020404" pitchFamily="49" charset="0"/>
                 <a:cs typeface="Courier New" panose="02070309020205020404" pitchFamily="49" charset="0"/>
               </a:rPr>
-              <a:t>    for (i = 0; i &lt; 2; i++) {</a:t>
+              <a:t>    if (</a:t>
+            </a:r>
+            <a:r>
+              <a:rPr lang="en-GB" sz="1400" b="0" dirty="0" err="1">
+                <a:latin typeface="Courier New" panose="02070309020205020404" pitchFamily="49" charset="0"/>
+                <a:cs typeface="Courier New" panose="02070309020205020404" pitchFamily="49" charset="0"/>
+              </a:rPr>
+              <a:t>pid</a:t>
+            </a:r>
+            <a:r>
+              <a:rPr lang="en-GB" sz="1400" b="0" dirty="0">
+                <a:latin typeface="Courier New" panose="02070309020205020404" pitchFamily="49" charset="0"/>
+                <a:cs typeface="Courier New" panose="02070309020205020404" pitchFamily="49" charset="0"/>
+              </a:rPr>
+              <a:t> &gt; 0) {</a:t>
+            </a:r>
+          </a:p>
+          <a:p>
+            <a:r>
+              <a:rPr lang="en-GB" sz="1400" b="0" dirty="0">
+                <a:latin typeface="Courier New" panose="02070309020205020404" pitchFamily="49" charset="0"/>
+                <a:cs typeface="Courier New" panose="02070309020205020404" pitchFamily="49" charset="0"/>
+              </a:rPr>
+              <a:t>      for (i = 0; i &lt; 2; i++) {</a:t>
             </a:r>
           </a:p>
           <a:p>
@@ -10823,55 +10846,62 @@
                 <a:latin typeface="Courier New" panose="02070309020205020404" pitchFamily="49" charset="0"/>
                 <a:cs typeface="Courier New" panose="02070309020205020404" pitchFamily="49" charset="0"/>
               </a:rPr>
+              <a:t>      }</a:t>
+            </a:r>
+          </a:p>
+          <a:p>
+            <a:r>
+              <a:rPr lang="en-GB" sz="1400" b="0" dirty="0">
+                <a:latin typeface="Courier New" panose="02070309020205020404" pitchFamily="49" charset="0"/>
+                <a:cs typeface="Courier New" panose="02070309020205020404" pitchFamily="49" charset="0"/>
+              </a:rPr>
               <a:t>    }</a:t>
             </a:r>
           </a:p>
           <a:p>
+            <a:r>
+              <a:rPr lang="en-GB" sz="1400" b="0" dirty="0">
+                <a:latin typeface="Courier New" panose="02070309020205020404" pitchFamily="49" charset="0"/>
+                <a:cs typeface="Courier New" panose="02070309020205020404" pitchFamily="49" charset="0"/>
+              </a:rPr>
+              <a:t>    </a:t>
+            </a:r>
+            <a:r>
+              <a:rPr lang="en-GB" sz="1400" b="0" dirty="0" err="1">
+                <a:latin typeface="Courier New" panose="02070309020205020404" pitchFamily="49" charset="0"/>
+                <a:cs typeface="Courier New" panose="02070309020205020404" pitchFamily="49" charset="0"/>
+              </a:rPr>
+              <a:t>printf</a:t>
+            </a:r>
+            <a:r>
+              <a:rPr lang="en-GB" sz="1400" b="0" dirty="0">
+                <a:latin typeface="Courier New" panose="02070309020205020404" pitchFamily="49" charset="0"/>
+                <a:cs typeface="Courier New" panose="02070309020205020404" pitchFamily="49" charset="0"/>
+              </a:rPr>
+              <a:t>("Parent exiting\n");</a:t>
+            </a:r>
+          </a:p>
+          <a:p>
+            <a:r>
+              <a:rPr lang="en-GB" sz="1400" b="0" dirty="0">
+                <a:latin typeface="Courier New" panose="02070309020205020404" pitchFamily="49" charset="0"/>
+                <a:cs typeface="Courier New" panose="02070309020205020404" pitchFamily="49" charset="0"/>
+              </a:rPr>
+              <a:t>    return 0;</a:t>
+            </a:r>
+          </a:p>
+          <a:p>
+            <a:r>
+              <a:rPr lang="en-GB" sz="1400" b="0">
+                <a:latin typeface="Courier New" panose="02070309020205020404" pitchFamily="49" charset="0"/>
+                <a:cs typeface="Courier New" panose="02070309020205020404" pitchFamily="49" charset="0"/>
+              </a:rPr>
+              <a:t>}</a:t>
+            </a:r>
             <a:endParaRPr lang="en-GB" sz="1400" b="0" dirty="0">
               <a:latin typeface="Courier New" panose="02070309020205020404" pitchFamily="49" charset="0"/>
               <a:cs typeface="Courier New" panose="02070309020205020404" pitchFamily="49" charset="0"/>
             </a:endParaRPr>
-          </a:p>
-          <a:p>
-            <a:r>
-              <a:rPr lang="en-GB" sz="1400" b="0" dirty="0">
-                <a:latin typeface="Courier New" panose="02070309020205020404" pitchFamily="49" charset="0"/>
-                <a:cs typeface="Courier New" panose="02070309020205020404" pitchFamily="49" charset="0"/>
-              </a:rPr>
-              <a:t>    </a:t>
-            </a:r>
-            <a:r>
-              <a:rPr lang="en-GB" sz="1400" b="0" dirty="0" err="1">
-                <a:latin typeface="Courier New" panose="02070309020205020404" pitchFamily="49" charset="0"/>
-                <a:cs typeface="Courier New" panose="02070309020205020404" pitchFamily="49" charset="0"/>
-              </a:rPr>
-              <a:t>printf</a:t>
-            </a:r>
-            <a:r>
-              <a:rPr lang="en-GB" sz="1400" b="0" dirty="0">
-                <a:latin typeface="Courier New" panose="02070309020205020404" pitchFamily="49" charset="0"/>
-                <a:cs typeface="Courier New" panose="02070309020205020404" pitchFamily="49" charset="0"/>
-              </a:rPr>
-              <a:t>("Parent exiting\n");</a:t>
-            </a:r>
-          </a:p>
-          <a:p>
-            <a:r>
-              <a:rPr lang="en-GB" sz="1400" b="0" dirty="0">
-                <a:latin typeface="Courier New" panose="02070309020205020404" pitchFamily="49" charset="0"/>
-                <a:cs typeface="Courier New" panose="02070309020205020404" pitchFamily="49" charset="0"/>
-              </a:rPr>
-              <a:t>    return 0;</a:t>
-            </a:r>
-          </a:p>
-          <a:p>
-            <a:r>
-              <a:rPr lang="en-GB" sz="1400" b="0" dirty="0">
-                <a:latin typeface="Courier New" panose="02070309020205020404" pitchFamily="49" charset="0"/>
-                <a:cs typeface="Courier New" panose="02070309020205020404" pitchFamily="49" charset="0"/>
-              </a:rPr>
-              <a:t>}</a:t>
-            </a:r>
           </a:p>
         </p:txBody>
       </p:sp>
@@ -10956,7 +10986,7 @@
         <p:spPr>
           <a:xfrm>
             <a:off x="152400" y="796290"/>
-            <a:ext cx="6094206" cy="5909310"/>
+            <a:ext cx="6094206" cy="6124754"/>
           </a:xfrm>
           <a:prstGeom prst="rect">
             <a:avLst/>
@@ -11193,7 +11223,30 @@
                 <a:latin typeface="Courier New" panose="02070309020205020404" pitchFamily="49" charset="0"/>
                 <a:cs typeface="Courier New" panose="02070309020205020404" pitchFamily="49" charset="0"/>
               </a:rPr>
-              <a:t>    for (i = 0; i &lt; 2; i++) {</a:t>
+              <a:t>    if (</a:t>
+            </a:r>
+            <a:r>
+              <a:rPr lang="en-GB" sz="1400" b="0" dirty="0" err="1">
+                <a:latin typeface="Courier New" panose="02070309020205020404" pitchFamily="49" charset="0"/>
+                <a:cs typeface="Courier New" panose="02070309020205020404" pitchFamily="49" charset="0"/>
+              </a:rPr>
+              <a:t>pid</a:t>
+            </a:r>
+            <a:r>
+              <a:rPr lang="en-GB" sz="1400" b="0" dirty="0">
+                <a:latin typeface="Courier New" panose="02070309020205020404" pitchFamily="49" charset="0"/>
+                <a:cs typeface="Courier New" panose="02070309020205020404" pitchFamily="49" charset="0"/>
+              </a:rPr>
+              <a:t> &gt; 0) {</a:t>
+            </a:r>
+          </a:p>
+          <a:p>
+            <a:r>
+              <a:rPr lang="en-GB" sz="1400" b="0" dirty="0">
+                <a:latin typeface="Courier New" panose="02070309020205020404" pitchFamily="49" charset="0"/>
+                <a:cs typeface="Courier New" panose="02070309020205020404" pitchFamily="49" charset="0"/>
+              </a:rPr>
+              <a:t>      for (i = 0; i &lt; 2; i++) {</a:t>
             </a:r>
           </a:p>
           <a:p>
@@ -11211,14 +11264,17 @@
                 <a:latin typeface="Courier New" panose="02070309020205020404" pitchFamily="49" charset="0"/>
                 <a:cs typeface="Courier New" panose="02070309020205020404" pitchFamily="49" charset="0"/>
               </a:rPr>
+              <a:t>      }</a:t>
+            </a:r>
+          </a:p>
+          <a:p>
+            <a:r>
+              <a:rPr lang="en-GB" sz="1400" b="0" dirty="0">
+                <a:latin typeface="Courier New" panose="02070309020205020404" pitchFamily="49" charset="0"/>
+                <a:cs typeface="Courier New" panose="02070309020205020404" pitchFamily="49" charset="0"/>
+              </a:rPr>
               <a:t>    }</a:t>
             </a:r>
-          </a:p>
-          <a:p>
-            <a:endParaRPr lang="en-GB" sz="1400" b="0" dirty="0">
-              <a:latin typeface="Courier New" panose="02070309020205020404" pitchFamily="49" charset="0"/>
-              <a:cs typeface="Courier New" panose="02070309020205020404" pitchFamily="49" charset="0"/>
-            </a:endParaRPr>
           </a:p>
           <a:p>
             <a:r>
@@ -12163,7 +12219,7 @@
           </a:ln>
           <a:extLst>
             <a:ext uri="{AF507438-7753-43e0-B8FC-AC1667EBCBE1}">
-              <a14:hiddenEffects xmlns:a14="http://schemas.microsoft.com/office/drawing/2010/main" xmlns="">
+              <a14:hiddenEffects xmlns="" xmlns:a14="http://schemas.microsoft.com/office/drawing/2010/main">
                 <a:effectLst>
                   <a:outerShdw dist="35921" dir="2700000" algn="ctr" rotWithShape="0">
                     <a:schemeClr val="bg2"/>
@@ -12816,7 +12872,7 @@
           </a:ln>
           <a:extLst>
             <a:ext uri="{AF507438-7753-43e0-B8FC-AC1667EBCBE1}">
-              <a14:hiddenEffects xmlns:a14="http://schemas.microsoft.com/office/drawing/2010/main" xmlns="">
+              <a14:hiddenEffects xmlns="" xmlns:a14="http://schemas.microsoft.com/office/drawing/2010/main">
                 <a:effectLst>
                   <a:outerShdw dist="35921" dir="2700000" algn="ctr" rotWithShape="0">
                     <a:schemeClr val="bg2"/>
@@ -12859,7 +12915,7 @@
           </a:ln>
           <a:extLst>
             <a:ext uri="{AF507438-7753-43e0-B8FC-AC1667EBCBE1}">
-              <a14:hiddenEffects xmlns:a14="http://schemas.microsoft.com/office/drawing/2010/main" xmlns="">
+              <a14:hiddenEffects xmlns="" xmlns:a14="http://schemas.microsoft.com/office/drawing/2010/main">
                 <a:effectLst>
                   <a:outerShdw dist="35921" dir="2700000" algn="ctr" rotWithShape="0">
                     <a:schemeClr val="bg2"/>
@@ -13117,7 +13173,7 @@
           </a:ln>
           <a:extLst>
             <a:ext uri="{AF507438-7753-43e0-B8FC-AC1667EBCBE1}">
-              <a14:hiddenEffects xmlns:a14="http://schemas.microsoft.com/office/drawing/2010/main" xmlns="">
+              <a14:hiddenEffects xmlns="" xmlns:a14="http://schemas.microsoft.com/office/drawing/2010/main">
                 <a:effectLst>
                   <a:outerShdw dist="35921" dir="2700000" algn="ctr" rotWithShape="0">
                     <a:schemeClr val="bg2"/>
@@ -13215,7 +13271,7 @@
           </a:ln>
           <a:extLst>
             <a:ext uri="{AF507438-7753-43e0-B8FC-AC1667EBCBE1}">
-              <a14:hiddenEffects xmlns:a14="http://schemas.microsoft.com/office/drawing/2010/main" xmlns="">
+              <a14:hiddenEffects xmlns="" xmlns:a14="http://schemas.microsoft.com/office/drawing/2010/main">
                 <a:effectLst>
                   <a:outerShdw dist="35921" dir="2700000" algn="ctr" rotWithShape="0">
                     <a:schemeClr val="bg2"/>
@@ -13278,6 +13334,59 @@
               <a:latin typeface="Arial MT"/>
               <a:cs typeface="Arial MT"/>
             </a:endParaRPr>
+          </a:p>
+        </p:txBody>
+      </p:sp>
+      <p:sp>
+        <p:nvSpPr>
+          <p:cNvPr id="3" name="Content Placeholder 2">
+            <a:extLst>
+              <a:ext uri="{FF2B5EF4-FFF2-40B4-BE49-F238E27FC236}">
+                <a16:creationId xmlns:a16="http://schemas.microsoft.com/office/drawing/2014/main" id="{C84CFF34-620F-E3AB-D7FB-04A501066D23}"/>
+              </a:ext>
+            </a:extLst>
+          </p:cNvPr>
+          <p:cNvSpPr>
+            <a:spLocks noGrp="1"/>
+          </p:cNvSpPr>
+          <p:nvPr>
+            <p:ph idx="1"/>
+          </p:nvPr>
+        </p:nvSpPr>
+        <p:spPr>
+          <a:xfrm>
+            <a:off x="6769019" y="6057133"/>
+            <a:ext cx="5268957" cy="687999"/>
+          </a:xfrm>
+        </p:spPr>
+        <p:style>
+          <a:lnRef idx="1">
+            <a:schemeClr val="dk1"/>
+          </a:lnRef>
+          <a:fillRef idx="2">
+            <a:schemeClr val="dk1"/>
+          </a:fillRef>
+          <a:effectRef idx="1">
+            <a:schemeClr val="dk1"/>
+          </a:effectRef>
+          <a:fontRef idx="minor">
+            <a:schemeClr val="dk1"/>
+          </a:fontRef>
+        </p:style>
+        <p:txBody>
+          <a:bodyPr>
+            <a:normAutofit fontScale="92500"/>
+          </a:bodyPr>
+          <a:lstStyle/>
+          <a:p>
+            <a:pPr marL="0" indent="0">
+              <a:buNone/>
+            </a:pPr>
+            <a:r>
+              <a:rPr lang="en-GB" sz="2000" dirty="0"/>
+              <a:t>Either child process may finish first, and Parent uses wait(NULL) to wait for ANY child process to finish.</a:t>
+            </a:r>
+            <a:endParaRPr lang="en-SE" sz="2000" dirty="0"/>
           </a:p>
         </p:txBody>
       </p:sp>
@@ -13605,7 +13714,7 @@
         <a:effectLst/>
         <a:extLst>
           <a:ext uri="{AF507438-7753-43e0-B8FC-AC1667EBCBE1}">
-            <a14:hiddenEffects xmlns="" xmlns:a14="http://schemas.microsoft.com/office/drawing/2010/main">
+            <a14:hiddenEffects xmlns:a14="http://schemas.microsoft.com/office/drawing/2010/main" xmlns="">
               <a:effectLst>
                 <a:outerShdw dist="35921" dir="2700000" algn="ctr" rotWithShape="0">
                   <a:schemeClr val="bg2"/>
@@ -13678,7 +13787,7 @@
         <a:effectLst/>
         <a:extLst>
           <a:ext uri="{AF507438-7753-43e0-B8FC-AC1667EBCBE1}">
-            <a14:hiddenEffects xmlns="" xmlns:a14="http://schemas.microsoft.com/office/drawing/2010/main">
+            <a14:hiddenEffects xmlns:a14="http://schemas.microsoft.com/office/drawing/2010/main" xmlns="">
               <a:effectLst>
                 <a:outerShdw dist="35921" dir="2700000" algn="ctr" rotWithShape="0">
                   <a:schemeClr val="bg2"/>

--- a/PPTs/L2-Exercises ANS.pptx
+++ b/PPTs/L2-Exercises ANS.pptx
@@ -5,10 +5,10 @@
     <p:sldMasterId id="2147483648" r:id="rId1"/>
   </p:sldMasterIdLst>
   <p:notesMasterIdLst>
-    <p:notesMasterId r:id="rId17"/>
+    <p:notesMasterId r:id="rId16"/>
   </p:notesMasterIdLst>
   <p:handoutMasterIdLst>
-    <p:handoutMasterId r:id="rId18"/>
+    <p:handoutMasterId r:id="rId17"/>
   </p:handoutMasterIdLst>
   <p:sldIdLst>
     <p:sldId id="799" r:id="rId2"/>
@@ -25,7 +25,6 @@
     <p:sldId id="819" r:id="rId13"/>
     <p:sldId id="820" r:id="rId14"/>
     <p:sldId id="822" r:id="rId15"/>
-    <p:sldId id="823" r:id="rId16"/>
   </p:sldIdLst>
   <p:sldSz cx="12192000" cy="6858000"/>
   <p:notesSz cx="9601200" cy="7315200"/>
@@ -174,7 +173,6 @@
             <p14:sldId id="819"/>
             <p14:sldId id="820"/>
             <p14:sldId id="822"/>
-            <p14:sldId id="823"/>
           </p14:sldIdLst>
         </p14:section>
       </p14:sectionLst>
@@ -195,6 +193,97 @@
     </p:ext>
   </p:extLst>
 </p:presentation>
+</file>
+
+<file path=ppt/revisionInfo.xml><?xml version="1.0" encoding="utf-8"?>
+<p1510:revInfo xmlns:a="http://schemas.openxmlformats.org/drawingml/2006/main" xmlns:r="http://schemas.openxmlformats.org/officeDocument/2006/relationships" xmlns:p1510="http://schemas.microsoft.com/office/powerpoint/2015/10/main">
+  <p1510:revLst>
+    <p1510:client id="{BA66C857-DC45-4328-AD03-B5E0E0E15AFA}" v="3" dt="2025-09-12T02:15:17.187"/>
+  </p1510:revLst>
+</p1510:revInfo>
+</file>
+
+<file path=ppt/changesInfos/changesInfo1.xml><?xml version="1.0" encoding="utf-8"?>
+<pc:chgInfo xmlns:a="http://schemas.openxmlformats.org/drawingml/2006/main" xmlns:r="http://schemas.openxmlformats.org/officeDocument/2006/relationships" xmlns:ac="http://schemas.microsoft.com/office/drawing/2013/main/command" xmlns:pc="http://schemas.microsoft.com/office/powerpoint/2013/main/command">
+  <pc:docChgLst>
+    <pc:chgData name="Zonghua Gu" userId="9a7e1853e1951ef5" providerId="LiveId" clId="{CF1FAA12-072C-4ED5-BA76-0FFFAEFDB88A}"/>
+    <pc:docChg chg="delSld modSld modSection">
+      <pc:chgData name="Zonghua Gu" userId="9a7e1853e1951ef5" providerId="LiveId" clId="{CF1FAA12-072C-4ED5-BA76-0FFFAEFDB88A}" dt="2025-09-12T02:15:46.189" v="11" actId="47"/>
+      <pc:docMkLst>
+        <pc:docMk/>
+      </pc:docMkLst>
+      <pc:sldChg chg="addSp modSp mod">
+        <pc:chgData name="Zonghua Gu" userId="9a7e1853e1951ef5" providerId="LiveId" clId="{CF1FAA12-072C-4ED5-BA76-0FFFAEFDB88A}" dt="2025-09-12T02:15:07.097" v="6" actId="1076"/>
+        <pc:sldMkLst>
+          <pc:docMk/>
+          <pc:sldMk cId="1467031795" sldId="820"/>
+        </pc:sldMkLst>
+        <pc:spChg chg="add mod">
+          <ac:chgData name="Zonghua Gu" userId="9a7e1853e1951ef5" providerId="LiveId" clId="{CF1FAA12-072C-4ED5-BA76-0FFFAEFDB88A}" dt="2025-09-12T02:14:22.642" v="0"/>
+          <ac:spMkLst>
+            <pc:docMk/>
+            <pc:sldMk cId="1467031795" sldId="820"/>
+            <ac:spMk id="2" creationId="{5A63CB61-EB79-63B7-AC78-B00EFA0A682E}"/>
+          </ac:spMkLst>
+        </pc:spChg>
+        <pc:spChg chg="mod">
+          <ac:chgData name="Zonghua Gu" userId="9a7e1853e1951ef5" providerId="LiveId" clId="{CF1FAA12-072C-4ED5-BA76-0FFFAEFDB88A}" dt="2025-09-12T02:15:07.097" v="6" actId="1076"/>
+          <ac:spMkLst>
+            <pc:docMk/>
+            <pc:sldMk cId="1467031795" sldId="820"/>
+            <ac:spMk id="118" creationId="{B6563B98-BCF0-7DAC-D658-E2FAD6C2A9AC}"/>
+          </ac:spMkLst>
+        </pc:spChg>
+      </pc:sldChg>
+      <pc:sldChg chg="addSp modSp mod">
+        <pc:chgData name="Zonghua Gu" userId="9a7e1853e1951ef5" providerId="LiveId" clId="{CF1FAA12-072C-4ED5-BA76-0FFFAEFDB88A}" dt="2025-09-12T02:14:59.332" v="5" actId="1076"/>
+        <pc:sldMkLst>
+          <pc:docMk/>
+          <pc:sldMk cId="1438700461" sldId="822"/>
+        </pc:sldMkLst>
+        <pc:spChg chg="add mod">
+          <ac:chgData name="Zonghua Gu" userId="9a7e1853e1951ef5" providerId="LiveId" clId="{CF1FAA12-072C-4ED5-BA76-0FFFAEFDB88A}" dt="2025-09-12T02:14:47.413" v="3"/>
+          <ac:spMkLst>
+            <pc:docMk/>
+            <pc:sldMk cId="1438700461" sldId="822"/>
+            <ac:spMk id="4" creationId="{0EA30BA8-1B05-71EA-29B3-BFA989CF407B}"/>
+          </ac:spMkLst>
+        </pc:spChg>
+        <pc:spChg chg="mod">
+          <ac:chgData name="Zonghua Gu" userId="9a7e1853e1951ef5" providerId="LiveId" clId="{CF1FAA12-072C-4ED5-BA76-0FFFAEFDB88A}" dt="2025-09-12T02:14:59.332" v="5" actId="1076"/>
+          <ac:spMkLst>
+            <pc:docMk/>
+            <pc:sldMk cId="1438700461" sldId="822"/>
+            <ac:spMk id="88" creationId="{632E99F7-BC27-2C03-2730-A3E9C7B2DB60}"/>
+          </ac:spMkLst>
+        </pc:spChg>
+      </pc:sldChg>
+      <pc:sldChg chg="addSp modSp del mod">
+        <pc:chgData name="Zonghua Gu" userId="9a7e1853e1951ef5" providerId="LiveId" clId="{CF1FAA12-072C-4ED5-BA76-0FFFAEFDB88A}" dt="2025-09-12T02:15:46.189" v="11" actId="47"/>
+        <pc:sldMkLst>
+          <pc:docMk/>
+          <pc:sldMk cId="49214421" sldId="823"/>
+        </pc:sldMkLst>
+        <pc:spChg chg="add mod">
+          <ac:chgData name="Zonghua Gu" userId="9a7e1853e1951ef5" providerId="LiveId" clId="{CF1FAA12-072C-4ED5-BA76-0FFFAEFDB88A}" dt="2025-09-12T02:15:17.187" v="10"/>
+          <ac:spMkLst>
+            <pc:docMk/>
+            <pc:sldMk cId="49214421" sldId="823"/>
+            <ac:spMk id="4" creationId="{31C64465-3C6A-76D2-9293-0D9B67486679}"/>
+          </ac:spMkLst>
+        </pc:spChg>
+        <pc:spChg chg="mod">
+          <ac:chgData name="Zonghua Gu" userId="9a7e1853e1951ef5" providerId="LiveId" clId="{CF1FAA12-072C-4ED5-BA76-0FFFAEFDB88A}" dt="2025-09-12T02:15:16.923" v="9" actId="1076"/>
+          <ac:spMkLst>
+            <pc:docMk/>
+            <pc:sldMk cId="49214421" sldId="823"/>
+            <ac:spMk id="88" creationId="{37BD552E-39BC-5483-7F5E-8EE8CFB42861}"/>
+          </ac:spMkLst>
+        </pc:spChg>
+      </pc:sldChg>
+    </pc:docChg>
+  </pc:docChgLst>
+</pc:chgInfo>
 </file>
 
 <file path=ppt/handoutMasters/handoutMaster1.xml><?xml version="1.0" encoding="utf-8"?>
@@ -245,14 +334,14 @@
           <a:effectLst/>
           <a:extLst>
             <a:ext uri="{909E8E84-426E-40dd-AFC4-6F175D3DCCD1}">
-              <a14:hiddenFill xmlns:a14="http://schemas.microsoft.com/office/drawing/2010/main" xmlns="">
+              <a14:hiddenFill xmlns="" xmlns:a14="http://schemas.microsoft.com/office/drawing/2010/main">
                 <a:solidFill>
                   <a:schemeClr val="bg1"/>
                 </a:solidFill>
               </a14:hiddenFill>
             </a:ext>
             <a:ext uri="{91240B29-F687-4f45-9708-019B960494DF}">
-              <a14:hiddenLine xmlns:a14="http://schemas.microsoft.com/office/drawing/2010/main" xmlns="" w="12700">
+              <a14:hiddenLine xmlns="" xmlns:a14="http://schemas.microsoft.com/office/drawing/2010/main" w="12700">
                 <a:pattFill prst="narHorz">
                   <a:fgClr>
                     <a:schemeClr val="tx1"/>
@@ -267,7 +356,7 @@
               </a14:hiddenLine>
             </a:ext>
             <a:ext uri="{AF507438-7753-43e0-B8FC-AC1667EBCBE1}">
-              <a14:hiddenEffects xmlns:a14="http://schemas.microsoft.com/office/drawing/2010/main" xmlns="">
+              <a14:hiddenEffects xmlns="" xmlns:a14="http://schemas.microsoft.com/office/drawing/2010/main">
                 <a:effectLst>
                   <a:outerShdw dist="35921" dir="2700000" algn="ctr" rotWithShape="0">
                     <a:schemeClr val="bg2"/>
@@ -503,14 +592,14 @@
           <a:effectLst/>
           <a:extLst>
             <a:ext uri="{909E8E84-426E-40dd-AFC4-6F175D3DCCD1}">
-              <a14:hiddenFill xmlns:a14="http://schemas.microsoft.com/office/drawing/2010/main" xmlns="">
+              <a14:hiddenFill xmlns="" xmlns:a14="http://schemas.microsoft.com/office/drawing/2010/main">
                 <a:solidFill>
                   <a:schemeClr val="bg1"/>
                 </a:solidFill>
               </a14:hiddenFill>
             </a:ext>
             <a:ext uri="{91240B29-F687-4f45-9708-019B960494DF}">
-              <a14:hiddenLine xmlns:a14="http://schemas.microsoft.com/office/drawing/2010/main" xmlns="" w="12700">
+              <a14:hiddenLine xmlns="" xmlns:a14="http://schemas.microsoft.com/office/drawing/2010/main" w="12700">
                 <a:pattFill prst="narHorz">
                   <a:fgClr>
                     <a:schemeClr val="tx1"/>
@@ -525,7 +614,7 @@
               </a14:hiddenLine>
             </a:ext>
             <a:ext uri="{AF507438-7753-43e0-B8FC-AC1667EBCBE1}">
-              <a14:hiddenEffects xmlns:a14="http://schemas.microsoft.com/office/drawing/2010/main" xmlns="">
+              <a14:hiddenEffects xmlns="" xmlns:a14="http://schemas.microsoft.com/office/drawing/2010/main">
                 <a:effectLst>
                   <a:outerShdw dist="35921" dir="2700000" algn="ctr" rotWithShape="0">
                     <a:schemeClr val="bg2"/>
@@ -593,17 +682,17 @@
           <a:effectLst/>
           <a:extLst>
             <a:ext uri="{FAA26D3D-D897-4be2-8F04-BA451C77F1D7}">
-              <ma14:placeholderFlag xmlns:ma14="http://schemas.microsoft.com/office/mac/drawingml/2011/main" xmlns="" val="1"/>
+              <ma14:placeholderFlag xmlns="" xmlns:ma14="http://schemas.microsoft.com/office/mac/drawingml/2011/main" val="1"/>
             </a:ext>
             <a:ext uri="{909E8E84-426E-40dd-AFC4-6F175D3DCCD1}">
-              <a14:hiddenFill xmlns:a14="http://schemas.microsoft.com/office/drawing/2010/main" xmlns="">
+              <a14:hiddenFill xmlns="" xmlns:a14="http://schemas.microsoft.com/office/drawing/2010/main">
                 <a:solidFill>
                   <a:srgbClr val="FFFFFF"/>
                 </a:solidFill>
               </a14:hiddenFill>
             </a:ext>
             <a:ext uri="{AF507438-7753-43e0-B8FC-AC1667EBCBE1}">
-              <a14:hiddenEffects xmlns:a14="http://schemas.microsoft.com/office/drawing/2010/main" xmlns="">
+              <a14:hiddenEffects xmlns="" xmlns:a14="http://schemas.microsoft.com/office/drawing/2010/main">
                 <a:effectLst>
                   <a:outerShdw blurRad="63500" dist="38099" dir="2700000" algn="ctr" rotWithShape="0">
                     <a:srgbClr val="000000">
@@ -614,7 +703,7 @@
               </a14:hiddenEffects>
             </a:ext>
             <a:ext uri="{53640926-AAD7-44d8-BBD7-CCE9431645EC}">
-              <a14:shadowObscured xmlns:a14="http://schemas.microsoft.com/office/drawing/2010/main" xmlns="" val="1"/>
+              <a14:shadowObscured xmlns="" xmlns:a14="http://schemas.microsoft.com/office/drawing/2010/main" val="1"/>
             </a:ext>
           </a:extLst>
         </p:spPr>
@@ -644,14 +733,14 @@
           <a:effectLst/>
           <a:extLst>
             <a:ext uri="{909E8E84-426E-40dd-AFC4-6F175D3DCCD1}">
-              <a14:hiddenFill xmlns:a14="http://schemas.microsoft.com/office/drawing/2010/main" xmlns="">
+              <a14:hiddenFill xmlns="" xmlns:a14="http://schemas.microsoft.com/office/drawing/2010/main">
                 <a:solidFill>
                   <a:schemeClr val="bg1"/>
                 </a:solidFill>
               </a14:hiddenFill>
             </a:ext>
             <a:ext uri="{91240B29-F687-4f45-9708-019B960494DF}">
-              <a14:hiddenLine xmlns:a14="http://schemas.microsoft.com/office/drawing/2010/main" xmlns="" w="12700">
+              <a14:hiddenLine xmlns="" xmlns:a14="http://schemas.microsoft.com/office/drawing/2010/main" w="12700">
                 <a:pattFill prst="narHorz">
                   <a:fgClr>
                     <a:schemeClr val="tx1"/>
@@ -666,7 +755,7 @@
               </a14:hiddenLine>
             </a:ext>
             <a:ext uri="{AF507438-7753-43e0-B8FC-AC1667EBCBE1}">
-              <a14:hiddenEffects xmlns:a14="http://schemas.microsoft.com/office/drawing/2010/main" xmlns="">
+              <a14:hiddenEffects xmlns="" xmlns:a14="http://schemas.microsoft.com/office/drawing/2010/main">
                 <a:effectLst>
                   <a:outerShdw dist="35921" dir="2700000" algn="ctr" rotWithShape="0">
                     <a:schemeClr val="bg2"/>
@@ -916,10 +1005,10 @@
         <p:spPr>
           <a:extLst>
             <a:ext uri="{FAA26D3D-D897-4be2-8F04-BA451C77F1D7}">
-              <ma14:placeholderFlag xmlns="" xmlns:ma14="http://schemas.microsoft.com/office/mac/drawingml/2011/main" val="1"/>
+              <ma14:placeholderFlag xmlns:ma14="http://schemas.microsoft.com/office/mac/drawingml/2011/main" xmlns="" val="1"/>
             </a:ext>
             <a:ext uri="{AF507438-7753-43e0-B8FC-AC1667EBCBE1}">
-              <a14:hiddenEffects xmlns="" xmlns:a14="http://schemas.microsoft.com/office/drawing/2010/main">
+              <a14:hiddenEffects xmlns:a14="http://schemas.microsoft.com/office/drawing/2010/main" xmlns="">
                 <a:effectLst>
                   <a:outerShdw blurRad="63500" dist="38099" dir="2700000" algn="ctr" rotWithShape="0">
                     <a:schemeClr val="bg2">
@@ -946,138 +1035,6 @@
         </p:txBody>
       </p:sp>
     </p:spTree>
-  </p:cSld>
-  <p:clrMapOvr>
-    <a:masterClrMapping/>
-  </p:clrMapOvr>
-</p:notes>
-</file>
-
-<file path=ppt/notesSlides/notesSlide10.xml><?xml version="1.0" encoding="utf-8"?>
-<p:notes xmlns:a="http://schemas.openxmlformats.org/drawingml/2006/main" xmlns:r="http://schemas.openxmlformats.org/officeDocument/2006/relationships" xmlns:p="http://schemas.openxmlformats.org/presentationml/2006/main">
-  <p:cSld>
-    <p:spTree>
-      <p:nvGrpSpPr>
-        <p:cNvPr id="1" name="">
-          <a:extLst>
-            <a:ext uri="{FF2B5EF4-FFF2-40B4-BE49-F238E27FC236}">
-              <a16:creationId xmlns:a16="http://schemas.microsoft.com/office/drawing/2014/main" id="{B96445B7-A207-AEB9-360A-95BC227163E8}"/>
-            </a:ext>
-          </a:extLst>
-        </p:cNvPr>
-        <p:cNvGrpSpPr/>
-        <p:nvPr/>
-      </p:nvGrpSpPr>
-      <p:grpSpPr>
-        <a:xfrm>
-          <a:off x="0" y="0"/>
-          <a:ext cx="0" cy="0"/>
-          <a:chOff x="0" y="0"/>
-          <a:chExt cx="0" cy="0"/>
-        </a:xfrm>
-      </p:grpSpPr>
-      <p:sp>
-        <p:nvSpPr>
-          <p:cNvPr id="2" name="Slide Image Placeholder 1">
-            <a:extLst>
-              <a:ext uri="{FF2B5EF4-FFF2-40B4-BE49-F238E27FC236}">
-                <a16:creationId xmlns:a16="http://schemas.microsoft.com/office/drawing/2014/main" id="{1F7F20A4-BCEF-923F-D954-ACAD0F60DDA2}"/>
-              </a:ext>
-            </a:extLst>
-          </p:cNvPr>
-          <p:cNvSpPr>
-            <a:spLocks noGrp="1" noRot="1" noChangeAspect="1"/>
-          </p:cNvSpPr>
-          <p:nvPr>
-            <p:ph type="sldImg"/>
-          </p:nvPr>
-        </p:nvSpPr>
-        <p:spPr/>
-      </p:sp>
-      <p:sp>
-        <p:nvSpPr>
-          <p:cNvPr id="3" name="Notes Placeholder 2">
-            <a:extLst>
-              <a:ext uri="{FF2B5EF4-FFF2-40B4-BE49-F238E27FC236}">
-                <a16:creationId xmlns:a16="http://schemas.microsoft.com/office/drawing/2014/main" id="{5A553B0F-A6DE-D73A-F7AC-37BF1505EA85}"/>
-              </a:ext>
-            </a:extLst>
-          </p:cNvPr>
-          <p:cNvSpPr>
-            <a:spLocks noGrp="1"/>
-          </p:cNvSpPr>
-          <p:nvPr>
-            <p:ph type="body" idx="1"/>
-          </p:nvPr>
-        </p:nvSpPr>
-        <p:spPr/>
-        <p:txBody>
-          <a:bodyPr/>
-          <a:lstStyle/>
-          <a:p>
-            <a:r>
-              <a:rPr lang="en-GB" sz="1200" b="0" kern="0" dirty="0"/>
-              <a:t>Line 3: Parent P0 calls pid1=fork() to create child process P1. </a:t>
-            </a:r>
-            <a:r>
-              <a:rPr lang="en-GB" sz="1200" kern="0" dirty="0"/>
-              <a:t>In P0, </a:t>
-            </a:r>
-            <a:r>
-              <a:rPr lang="en-GB" sz="1200" b="0" kern="0" dirty="0"/>
-              <a:t>the if condition</a:t>
-            </a:r>
-            <a:r>
-              <a:rPr lang="en-GB" sz="1200" kern="0" dirty="0"/>
-              <a:t> </a:t>
-            </a:r>
-            <a:r>
-              <a:rPr lang="en-GB" sz="1200" b="0" kern="0" dirty="0"/>
-              <a:t>(pid1&gt;0||?) = (true&amp;&amp;?)=true, so it stops here and does not call any more fork(). (? stands for either true or false).</a:t>
-            </a:r>
-            <a:endParaRPr lang="en-GB" sz="1200" kern="0" dirty="0"/>
-          </a:p>
-          <a:p>
-            <a:endParaRPr lang="en-GB" sz="1200" b="0" kern="0" dirty="0"/>
-          </a:p>
-          <a:p>
-            <a:endParaRPr lang="en-GB" sz="1200" b="0" kern="0" dirty="0"/>
-          </a:p>
-          <a:p>
-            <a:r>
-              <a:rPr lang="en-GB" sz="1200" b="0" kern="0" dirty="0"/>
-              <a:t>Line 4: In P0, since pid1 &gt; 0 in P0, the condition (pid1=fork()||pid2=fork())=(true||?)=true, so P0 goes into Line 4 and calls pid3=fork() to create child process P2. </a:t>
-            </a:r>
-          </a:p>
-          <a:p>
-            <a:r>
-              <a:rPr lang="en-GB" sz="1200" b="0" kern="0" dirty="0"/>
-              <a:t>Line 3: Child P1 has pid1==0, so it calls pid2=fork() and creates child process P3. In P3, (pid1=fork()||pid2=fork())=(false||false)=false, so it does not go into Line 4.</a:t>
-            </a:r>
-          </a:p>
-          <a:p>
-            <a:r>
-              <a:rPr lang="en-GB" sz="1200" b="0" kern="0" dirty="0"/>
-              <a:t>Line 4: In P1, since pid2&gt;0, the condition (pid1=fork()||pid2=fork())=(false||true)=true, so P1 goes into Line 4 and calls pid3=fork() to create child process P4.</a:t>
-            </a:r>
-          </a:p>
-          <a:p>
-            <a:r>
-              <a:rPr lang="en-GB" sz="1200" b="0" kern="0" dirty="0"/>
-              <a:t>Each of the 5 processes P0 to P4 prints a ”Hello”.</a:t>
-            </a:r>
-          </a:p>
-          <a:p>
-            <a:endParaRPr lang="en-SE" dirty="0"/>
-          </a:p>
-        </p:txBody>
-      </p:sp>
-    </p:spTree>
-    <p:extLst>
-      <p:ext uri="{BB962C8B-B14F-4D97-AF65-F5344CB8AC3E}">
-        <p14:creationId xmlns:p14="http://schemas.microsoft.com/office/powerpoint/2010/main" val="3949080096"/>
-      </p:ext>
-    </p:extLst>
   </p:cSld>
   <p:clrMapOvr>
     <a:masterClrMapping/>
@@ -4897,17 +4854,17 @@
           <a:effectLst/>
           <a:extLst>
             <a:ext uri="{FAA26D3D-D897-4be2-8F04-BA451C77F1D7}">
-              <ma14:placeholderFlag xmlns:ma14="http://schemas.microsoft.com/office/mac/drawingml/2011/main" xmlns="" val="1"/>
+              <ma14:placeholderFlag xmlns="" xmlns:ma14="http://schemas.microsoft.com/office/mac/drawingml/2011/main" val="1"/>
             </a:ext>
             <a:ext uri="{909E8E84-426E-40dd-AFC4-6F175D3DCCD1}">
-              <a14:hiddenFill xmlns:a14="http://schemas.microsoft.com/office/drawing/2010/main" xmlns="">
+              <a14:hiddenFill xmlns="" xmlns:a14="http://schemas.microsoft.com/office/drawing/2010/main">
                 <a:solidFill>
                   <a:schemeClr val="bg1"/>
                 </a:solidFill>
               </a14:hiddenFill>
             </a:ext>
             <a:ext uri="{91240B29-F687-4f45-9708-019B960494DF}">
-              <a14:hiddenLine xmlns:a14="http://schemas.microsoft.com/office/drawing/2010/main" xmlns="" w="12700">
+              <a14:hiddenLine xmlns="" xmlns:a14="http://schemas.microsoft.com/office/drawing/2010/main" w="12700">
                 <a:pattFill prst="narHorz">
                   <a:fgClr>
                     <a:schemeClr val="tx1"/>
@@ -4922,7 +4879,7 @@
               </a14:hiddenLine>
             </a:ext>
             <a:ext uri="{AF507438-7753-43e0-B8FC-AC1667EBCBE1}">
-              <a14:hiddenEffects xmlns:a14="http://schemas.microsoft.com/office/drawing/2010/main" xmlns="">
+              <a14:hiddenEffects xmlns="" xmlns:a14="http://schemas.microsoft.com/office/drawing/2010/main">
                 <a:effectLst>
                   <a:outerShdw blurRad="63500" dist="38099" dir="2700000" algn="ctr" rotWithShape="0">
                     <a:schemeClr val="bg2">
@@ -4975,17 +4932,17 @@
           <a:effectLst/>
           <a:extLst>
             <a:ext uri="{FAA26D3D-D897-4be2-8F04-BA451C77F1D7}">
-              <ma14:placeholderFlag xmlns:ma14="http://schemas.microsoft.com/office/mac/drawingml/2011/main" xmlns="" val="1"/>
+              <ma14:placeholderFlag xmlns="" xmlns:ma14="http://schemas.microsoft.com/office/mac/drawingml/2011/main" val="1"/>
             </a:ext>
             <a:ext uri="{909E8E84-426E-40dd-AFC4-6F175D3DCCD1}">
-              <a14:hiddenFill xmlns:a14="http://schemas.microsoft.com/office/drawing/2010/main" xmlns="">
+              <a14:hiddenFill xmlns="" xmlns:a14="http://schemas.microsoft.com/office/drawing/2010/main">
                 <a:solidFill>
                   <a:schemeClr val="bg1"/>
                 </a:solidFill>
               </a14:hiddenFill>
             </a:ext>
             <a:ext uri="{91240B29-F687-4f45-9708-019B960494DF}">
-              <a14:hiddenLine xmlns:a14="http://schemas.microsoft.com/office/drawing/2010/main" xmlns="" w="12700">
+              <a14:hiddenLine xmlns="" xmlns:a14="http://schemas.microsoft.com/office/drawing/2010/main" w="12700">
                 <a:pattFill prst="narHorz">
                   <a:fgClr>
                     <a:schemeClr val="tx1"/>
@@ -5000,7 +4957,7 @@
               </a14:hiddenLine>
             </a:ext>
             <a:ext uri="{AF507438-7753-43e0-B8FC-AC1667EBCBE1}">
-              <a14:hiddenEffects xmlns:a14="http://schemas.microsoft.com/office/drawing/2010/main" xmlns="">
+              <a14:hiddenEffects xmlns="" xmlns:a14="http://schemas.microsoft.com/office/drawing/2010/main">
                 <a:effectLst>
                   <a:outerShdw blurRad="63500" dist="38099" dir="2700000" algn="ctr" rotWithShape="0">
                     <a:schemeClr val="bg2">
@@ -5079,14 +5036,14 @@
           <a:effectLst/>
           <a:extLst>
             <a:ext uri="{909E8E84-426E-40dd-AFC4-6F175D3DCCD1}">
-              <a14:hiddenFill xmlns:a14="http://schemas.microsoft.com/office/drawing/2010/main" xmlns="">
+              <a14:hiddenFill xmlns="" xmlns:a14="http://schemas.microsoft.com/office/drawing/2010/main">
                 <a:solidFill>
                   <a:schemeClr val="bg1"/>
                 </a:solidFill>
               </a14:hiddenFill>
             </a:ext>
             <a:ext uri="{91240B29-F687-4f45-9708-019B960494DF}">
-              <a14:hiddenLine xmlns:a14="http://schemas.microsoft.com/office/drawing/2010/main" xmlns="" w="12700">
+              <a14:hiddenLine xmlns="" xmlns:a14="http://schemas.microsoft.com/office/drawing/2010/main" w="12700">
                 <a:pattFill prst="narHorz">
                   <a:fgClr>
                     <a:schemeClr val="tx1"/>
@@ -5101,7 +5058,7 @@
               </a14:hiddenLine>
             </a:ext>
             <a:ext uri="{AF507438-7753-43e0-B8FC-AC1667EBCBE1}">
-              <a14:hiddenEffects xmlns:a14="http://schemas.microsoft.com/office/drawing/2010/main" xmlns="">
+              <a14:hiddenEffects xmlns="" xmlns:a14="http://schemas.microsoft.com/office/drawing/2010/main">
                 <a:effectLst>
                   <a:outerShdw dist="35921" dir="2700000" algn="ctr" rotWithShape="0">
                     <a:schemeClr val="bg2"/>
@@ -5167,12 +5124,12 @@
           <a:effectLst/>
           <a:extLst>
             <a:ext uri="{909E8E84-426E-40dd-AFC4-6F175D3DCCD1}">
-              <a14:hiddenFill xmlns:a14="http://schemas.microsoft.com/office/drawing/2010/main" xmlns="">
+              <a14:hiddenFill xmlns="" xmlns:a14="http://schemas.microsoft.com/office/drawing/2010/main">
                 <a:noFill/>
               </a14:hiddenFill>
             </a:ext>
             <a:ext uri="{AF507438-7753-43e0-B8FC-AC1667EBCBE1}">
-              <a14:hiddenEffects xmlns:a14="http://schemas.microsoft.com/office/drawing/2010/main" xmlns="">
+              <a14:hiddenEffects xmlns="" xmlns:a14="http://schemas.microsoft.com/office/drawing/2010/main">
                 <a:effectLst>
                   <a:outerShdw blurRad="63500" dist="38099" dir="2700000" algn="ctr" rotWithShape="0">
                     <a:schemeClr val="bg2">
@@ -6501,17 +6458,17 @@
           <a:effectLst/>
           <a:extLst>
             <a:ext uri="{FAA26D3D-D897-4be2-8F04-BA451C77F1D7}">
-              <ma14:placeholderFlag xmlns="" xmlns:ma14="http://schemas.microsoft.com/office/mac/drawingml/2011/main" val="1"/>
+              <ma14:placeholderFlag xmlns:ma14="http://schemas.microsoft.com/office/mac/drawingml/2011/main" xmlns="" val="1"/>
             </a:ext>
             <a:ext uri="{909E8E84-426E-40dd-AFC4-6F175D3DCCD1}">
-              <a14:hiddenFill xmlns="" xmlns:a14="http://schemas.microsoft.com/office/drawing/2010/main">
+              <a14:hiddenFill xmlns:a14="http://schemas.microsoft.com/office/drawing/2010/main" xmlns="">
                 <a:solidFill>
                   <a:schemeClr val="bg1"/>
                 </a:solidFill>
               </a14:hiddenFill>
             </a:ext>
             <a:ext uri="{91240B29-F687-4f45-9708-019B960494DF}">
-              <a14:hiddenLine xmlns="" xmlns:a14="http://schemas.microsoft.com/office/drawing/2010/main" w="12700">
+              <a14:hiddenLine xmlns:a14="http://schemas.microsoft.com/office/drawing/2010/main" xmlns="" w="12700">
                 <a:pattFill prst="narHorz">
                   <a:fgClr>
                     <a:schemeClr val="tx1"/>
@@ -6526,7 +6483,7 @@
               </a14:hiddenLine>
             </a:ext>
             <a:ext uri="{AF507438-7753-43e0-B8FC-AC1667EBCBE1}">
-              <a14:hiddenEffects xmlns="" xmlns:a14="http://schemas.microsoft.com/office/drawing/2010/main">
+              <a14:hiddenEffects xmlns:a14="http://schemas.microsoft.com/office/drawing/2010/main" xmlns="">
                 <a:effectLst>
                   <a:outerShdw blurRad="63500" dist="38099" dir="2700000" algn="ctr" rotWithShape="0">
                     <a:schemeClr val="bg2">
@@ -15758,17 +15715,17 @@
           <a:effectLst/>
           <a:extLst>
             <a:ext uri="{FAA26D3D-D897-4be2-8F04-BA451C77F1D7}">
-              <ma14:placeholderFlag xmlns="" xmlns:ma14="http://schemas.microsoft.com/office/mac/drawingml/2011/main" val="1"/>
+              <ma14:placeholderFlag xmlns:ma14="http://schemas.microsoft.com/office/mac/drawingml/2011/main" xmlns="" val="1"/>
             </a:ext>
             <a:ext uri="{909E8E84-426E-40dd-AFC4-6F175D3DCCD1}">
-              <a14:hiddenFill xmlns="" xmlns:a14="http://schemas.microsoft.com/office/drawing/2010/main">
+              <a14:hiddenFill xmlns:a14="http://schemas.microsoft.com/office/drawing/2010/main" xmlns="">
                 <a:solidFill>
                   <a:schemeClr val="bg1"/>
                 </a:solidFill>
               </a14:hiddenFill>
             </a:ext>
             <a:ext uri="{91240B29-F687-4f45-9708-019B960494DF}">
-              <a14:hiddenLine xmlns="" xmlns:a14="http://schemas.microsoft.com/office/drawing/2010/main" w="12700">
+              <a14:hiddenLine xmlns:a14="http://schemas.microsoft.com/office/drawing/2010/main" xmlns="" w="12700">
                 <a:pattFill prst="narHorz">
                   <a:fgClr>
                     <a:schemeClr val="tx1"/>
@@ -15783,7 +15740,7 @@
               </a14:hiddenLine>
             </a:ext>
             <a:ext uri="{AF507438-7753-43e0-B8FC-AC1667EBCBE1}">
-              <a14:hiddenEffects xmlns="" xmlns:a14="http://schemas.microsoft.com/office/drawing/2010/main">
+              <a14:hiddenEffects xmlns:a14="http://schemas.microsoft.com/office/drawing/2010/main" xmlns="">
                 <a:effectLst>
                   <a:outerShdw blurRad="63500" dist="38099" dir="2700000" algn="ctr" rotWithShape="0">
                     <a:schemeClr val="bg2">
@@ -24984,17 +24941,17 @@
           <a:effectLst/>
           <a:extLst>
             <a:ext uri="{FAA26D3D-D897-4be2-8F04-BA451C77F1D7}">
-              <ma14:placeholderFlag xmlns="" xmlns:ma14="http://schemas.microsoft.com/office/mac/drawingml/2011/main" val="1"/>
+              <ma14:placeholderFlag xmlns:ma14="http://schemas.microsoft.com/office/mac/drawingml/2011/main" xmlns="" val="1"/>
             </a:ext>
             <a:ext uri="{909E8E84-426E-40dd-AFC4-6F175D3DCCD1}">
-              <a14:hiddenFill xmlns="" xmlns:a14="http://schemas.microsoft.com/office/drawing/2010/main">
+              <a14:hiddenFill xmlns:a14="http://schemas.microsoft.com/office/drawing/2010/main" xmlns="">
                 <a:solidFill>
                   <a:schemeClr val="bg1"/>
                 </a:solidFill>
               </a14:hiddenFill>
             </a:ext>
             <a:ext uri="{91240B29-F687-4f45-9708-019B960494DF}">
-              <a14:hiddenLine xmlns="" xmlns:a14="http://schemas.microsoft.com/office/drawing/2010/main" w="12700">
+              <a14:hiddenLine xmlns:a14="http://schemas.microsoft.com/office/drawing/2010/main" xmlns="" w="12700">
                 <a:pattFill prst="narHorz">
                   <a:fgClr>
                     <a:schemeClr val="tx1"/>
@@ -25009,7 +24966,7 @@
               </a14:hiddenLine>
             </a:ext>
             <a:ext uri="{AF507438-7753-43e0-B8FC-AC1667EBCBE1}">
-              <a14:hiddenEffects xmlns="" xmlns:a14="http://schemas.microsoft.com/office/drawing/2010/main">
+              <a14:hiddenEffects xmlns:a14="http://schemas.microsoft.com/office/drawing/2010/main" xmlns="">
                 <a:effectLst>
                   <a:outerShdw blurRad="63500" dist="38099" dir="2700000" algn="ctr" rotWithShape="0">
                     <a:schemeClr val="bg2">
@@ -25731,7 +25688,7 @@
         </p:nvSpPr>
         <p:spPr bwMode="auto">
           <a:xfrm>
-            <a:off x="7440361" y="28737"/>
+            <a:off x="7470905" y="772703"/>
             <a:ext cx="4703927" cy="4859166"/>
           </a:xfrm>
           <a:prstGeom prst="rect">
@@ -25746,17 +25703,17 @@
           <a:effectLst/>
           <a:extLst>
             <a:ext uri="{FAA26D3D-D897-4be2-8F04-BA451C77F1D7}">
-              <ma14:placeholderFlag xmlns="" xmlns:ma14="http://schemas.microsoft.com/office/mac/drawingml/2011/main" val="1"/>
+              <ma14:placeholderFlag xmlns:ma14="http://schemas.microsoft.com/office/mac/drawingml/2011/main" xmlns="" val="1"/>
             </a:ext>
             <a:ext uri="{909E8E84-426E-40dd-AFC4-6F175D3DCCD1}">
-              <a14:hiddenFill xmlns="" xmlns:a14="http://schemas.microsoft.com/office/drawing/2010/main">
+              <a14:hiddenFill xmlns:a14="http://schemas.microsoft.com/office/drawing/2010/main" xmlns="">
                 <a:solidFill>
                   <a:schemeClr val="bg1"/>
                 </a:solidFill>
               </a14:hiddenFill>
             </a:ext>
             <a:ext uri="{91240B29-F687-4f45-9708-019B960494DF}">
-              <a14:hiddenLine xmlns="" xmlns:a14="http://schemas.microsoft.com/office/drawing/2010/main" w="12700">
+              <a14:hiddenLine xmlns:a14="http://schemas.microsoft.com/office/drawing/2010/main" xmlns="" w="12700">
                 <a:pattFill prst="narHorz">
                   <a:fgClr>
                     <a:schemeClr val="tx1"/>
@@ -25771,7 +25728,7 @@
               </a14:hiddenLine>
             </a:ext>
             <a:ext uri="{AF507438-7753-43e0-B8FC-AC1667EBCBE1}">
-              <a14:hiddenEffects xmlns="" xmlns:a14="http://schemas.microsoft.com/office/drawing/2010/main">
+              <a14:hiddenEffects xmlns:a14="http://schemas.microsoft.com/office/drawing/2010/main" xmlns="">
                 <a:effectLst>
                   <a:outerShdw blurRad="63500" dist="38099" dir="2700000" algn="ctr" rotWithShape="0">
                     <a:schemeClr val="bg2">
@@ -31544,6 +31501,97 @@
           </a:p>
         </p:txBody>
       </p:sp>
+      <p:sp>
+        <p:nvSpPr>
+          <p:cNvPr id="2" name="TextBox 1">
+            <a:extLst>
+              <a:ext uri="{FF2B5EF4-FFF2-40B4-BE49-F238E27FC236}">
+                <a16:creationId xmlns:a16="http://schemas.microsoft.com/office/drawing/2014/main" id="{5A63CB61-EB79-63B7-AC78-B00EFA0A682E}"/>
+              </a:ext>
+            </a:extLst>
+          </p:cNvPr>
+          <p:cNvSpPr txBox="1"/>
+          <p:nvPr/>
+        </p:nvSpPr>
+        <p:spPr>
+          <a:xfrm>
+            <a:off x="10347342" y="76200"/>
+            <a:ext cx="1701107" cy="523220"/>
+          </a:xfrm>
+          <a:prstGeom prst="rect">
+            <a:avLst/>
+          </a:prstGeom>
+          <a:solidFill>
+            <a:srgbClr val="ED7D31"/>
+          </a:solidFill>
+          <a:ln w="38100" cap="flat" cmpd="sng" algn="ctr">
+            <a:solidFill>
+              <a:srgbClr val="ED7D31">
+                <a:shade val="15000"/>
+              </a:srgbClr>
+            </a:solidFill>
+            <a:prstDash val="solid"/>
+            <a:miter lim="800000"/>
+          </a:ln>
+          <a:effectLst/>
+        </p:spPr>
+        <p:txBody>
+          <a:bodyPr wrap="none" rtlCol="0">
+            <a:spAutoFit/>
+          </a:bodyPr>
+          <a:lstStyle/>
+          <a:p>
+            <a:pPr marL="0" marR="0" lvl="0" indent="0" defTabSz="914400" eaLnBrk="1" fontAlgn="auto" latinLnBrk="0" hangingPunct="1">
+              <a:lnSpc>
+                <a:spcPct val="100000"/>
+              </a:lnSpc>
+              <a:spcBef>
+                <a:spcPts val="0"/>
+              </a:spcBef>
+              <a:spcAft>
+                <a:spcPts val="0"/>
+              </a:spcAft>
+              <a:buClrTx/>
+              <a:buSzTx/>
+              <a:buFontTx/>
+              <a:buNone/>
+              <a:tabLst/>
+              <a:defRPr/>
+            </a:pPr>
+            <a:r>
+              <a:rPr kumimoji="0" lang="en-US" altLang="zh-CN" sz="2800" b="0" i="0" u="none" strike="noStrike" kern="0" cap="none" spc="0" normalizeH="0" baseline="0" noProof="0" dirty="0">
+                <a:ln>
+                  <a:noFill/>
+                </a:ln>
+                <a:solidFill>
+                  <a:prstClr val="white"/>
+                </a:solidFill>
+                <a:effectLst/>
+                <a:uLnTx/>
+                <a:uFillTx/>
+                <a:latin typeface="Calibri" panose="020F0502020204030204"/>
+                <a:ea typeface="+mn-ea"/>
+                <a:cs typeface="+mn-cs"/>
+              </a:rPr>
+              <a:t>OPTIONAL</a:t>
+            </a:r>
+            <a:endParaRPr kumimoji="0" lang="en-SE" sz="2800" b="0" i="0" u="none" strike="noStrike" kern="0" cap="none" spc="0" normalizeH="0" baseline="0" noProof="0" dirty="0">
+              <a:ln>
+                <a:noFill/>
+              </a:ln>
+              <a:solidFill>
+                <a:prstClr val="white"/>
+              </a:solidFill>
+              <a:effectLst/>
+              <a:uLnTx/>
+              <a:uFillTx/>
+              <a:latin typeface="Calibri" panose="020F0502020204030204"/>
+              <a:ea typeface="+mn-ea"/>
+              <a:cs typeface="+mn-cs"/>
+            </a:endParaRPr>
+          </a:p>
+        </p:txBody>
+      </p:sp>
     </p:spTree>
     <p:extLst>
       <p:ext uri="{BB962C8B-B14F-4D97-AF65-F5344CB8AC3E}">
@@ -31849,8 +31897,8 @@
         </p:nvSpPr>
         <p:spPr bwMode="auto">
           <a:xfrm>
-            <a:off x="7451156" y="106625"/>
-            <a:ext cx="4647291" cy="6557260"/>
+            <a:off x="7496096" y="729983"/>
+            <a:ext cx="4647291" cy="5610264"/>
           </a:xfrm>
           <a:prstGeom prst="rect">
             <a:avLst/>
@@ -31864,17 +31912,17 @@
           <a:effectLst/>
           <a:extLst>
             <a:ext uri="{FAA26D3D-D897-4be2-8F04-BA451C77F1D7}">
-              <ma14:placeholderFlag xmlns="" xmlns:ma14="http://schemas.microsoft.com/office/mac/drawingml/2011/main" val="1"/>
+              <ma14:placeholderFlag xmlns:ma14="http://schemas.microsoft.com/office/mac/drawingml/2011/main" xmlns="" val="1"/>
             </a:ext>
             <a:ext uri="{909E8E84-426E-40dd-AFC4-6F175D3DCCD1}">
-              <a14:hiddenFill xmlns="" xmlns:a14="http://schemas.microsoft.com/office/drawing/2010/main">
+              <a14:hiddenFill xmlns:a14="http://schemas.microsoft.com/office/drawing/2010/main" xmlns="">
                 <a:solidFill>
                   <a:schemeClr val="bg1"/>
                 </a:solidFill>
               </a14:hiddenFill>
             </a:ext>
             <a:ext uri="{91240B29-F687-4f45-9708-019B960494DF}">
-              <a14:hiddenLine xmlns="" xmlns:a14="http://schemas.microsoft.com/office/drawing/2010/main" w="12700">
+              <a14:hiddenLine xmlns:a14="http://schemas.microsoft.com/office/drawing/2010/main" xmlns="" w="12700">
                 <a:pattFill prst="narHorz">
                   <a:fgClr>
                     <a:schemeClr val="tx1"/>
@@ -31889,7 +31937,7 @@
               </a14:hiddenLine>
             </a:ext>
             <a:ext uri="{AF507438-7753-43e0-B8FC-AC1667EBCBE1}">
-              <a14:hiddenEffects xmlns="" xmlns:a14="http://schemas.microsoft.com/office/drawing/2010/main">
+              <a14:hiddenEffects xmlns:a14="http://schemas.microsoft.com/office/drawing/2010/main" xmlns="">
                 <a:effectLst>
                   <a:outerShdw blurRad="63500" dist="38099" dir="2700000" algn="ctr" rotWithShape="0">
                     <a:schemeClr val="bg2">
@@ -36269,77 +36317,12 @@
           </a:p>
         </p:txBody>
       </p:sp>
-    </p:spTree>
-    <p:extLst>
-      <p:ext uri="{BB962C8B-B14F-4D97-AF65-F5344CB8AC3E}">
-        <p14:creationId xmlns:p14="http://schemas.microsoft.com/office/powerpoint/2010/main" val="1438700461"/>
-      </p:ext>
-    </p:extLst>
-  </p:cSld>
-  <p:clrMapOvr>
-    <a:masterClrMapping/>
-  </p:clrMapOvr>
-</p:sld>
-</file>
-
-<file path=ppt/slides/slide15.xml><?xml version="1.0" encoding="utf-8"?>
-<p:sld xmlns:a="http://schemas.openxmlformats.org/drawingml/2006/main" xmlns:r="http://schemas.openxmlformats.org/officeDocument/2006/relationships" xmlns:p="http://schemas.openxmlformats.org/presentationml/2006/main">
-  <p:cSld>
-    <p:spTree>
-      <p:nvGrpSpPr>
-        <p:cNvPr id="1" name="">
-          <a:extLst>
-            <a:ext uri="{FF2B5EF4-FFF2-40B4-BE49-F238E27FC236}">
-              <a16:creationId xmlns:a16="http://schemas.microsoft.com/office/drawing/2014/main" id="{49C34DD5-5848-92D0-2730-2B69B3ADC446}"/>
-            </a:ext>
-          </a:extLst>
-        </p:cNvPr>
-        <p:cNvGrpSpPr/>
-        <p:nvPr/>
-      </p:nvGrpSpPr>
-      <p:grpSpPr>
-        <a:xfrm>
-          <a:off x="0" y="0"/>
-          <a:ext cx="0" cy="0"/>
-          <a:chOff x="0" y="0"/>
-          <a:chExt cx="0" cy="0"/>
-        </a:xfrm>
-      </p:grpSpPr>
       <p:sp>
         <p:nvSpPr>
-          <p:cNvPr id="2" name="Title 1">
+          <p:cNvPr id="4" name="TextBox 3">
             <a:extLst>
               <a:ext uri="{FF2B5EF4-FFF2-40B4-BE49-F238E27FC236}">
-                <a16:creationId xmlns:a16="http://schemas.microsoft.com/office/drawing/2014/main" id="{27C0E9B5-A7BC-3FEF-73D5-E3C881D4DCF6}"/>
-              </a:ext>
-            </a:extLst>
-          </p:cNvPr>
-          <p:cNvSpPr>
-            <a:spLocks noGrp="1"/>
-          </p:cNvSpPr>
-          <p:nvPr>
-            <p:ph type="title"/>
-          </p:nvPr>
-        </p:nvSpPr>
-        <p:spPr/>
-        <p:txBody>
-          <a:bodyPr/>
-          <a:lstStyle/>
-          <a:p>
-            <a:r>
-              <a:rPr lang="en-GB" dirty="0"/>
-              <a:t>TODO Quiz: Fork</a:t>
-            </a:r>
-            <a:endParaRPr lang="en-SE" dirty="0"/>
-          </a:p>
-        </p:txBody>
-      </p:sp>
-      <p:sp>
-        <p:nvSpPr>
-          <p:cNvPr id="78" name="object 3">
-            <a:extLst>
-              <a:ext uri="{FF2B5EF4-FFF2-40B4-BE49-F238E27FC236}">
-                <a16:creationId xmlns:a16="http://schemas.microsoft.com/office/drawing/2014/main" id="{30BFCDF6-E73B-1AD9-ACAF-6C9A71EC1E18}"/>
+                <a16:creationId xmlns:a16="http://schemas.microsoft.com/office/drawing/2014/main" id="{0EA30BA8-1B05-71EA-29B3-BFA989CF407B}"/>
               </a:ext>
             </a:extLst>
           </p:cNvPr>
@@ -36348,2138 +36331,30 @@
         </p:nvSpPr>
         <p:spPr>
           <a:xfrm>
-            <a:off x="135336" y="795800"/>
-            <a:ext cx="5690198" cy="1174039"/>
+            <a:off x="10347342" y="76200"/>
+            <a:ext cx="1701107" cy="523220"/>
           </a:xfrm>
           <a:prstGeom prst="rect">
             <a:avLst/>
           </a:prstGeom>
           <a:solidFill>
-            <a:schemeClr val="bg1"/>
+            <a:srgbClr val="ED7D31"/>
           </a:solidFill>
-          <a:ln w="12700">
+          <a:ln w="38100" cap="flat" cmpd="sng" algn="ctr">
             <a:solidFill>
-              <a:srgbClr val="000000"/>
+              <a:srgbClr val="ED7D31">
+                <a:shade val="15000"/>
+              </a:srgbClr>
             </a:solidFill>
+            <a:prstDash val="solid"/>
+            <a:miter lim="800000"/>
           </a:ln>
+          <a:effectLst/>
         </p:spPr>
         <p:txBody>
-          <a:bodyPr vert="horz" wrap="square" lIns="0" tIns="53975" rIns="0" bIns="0" rtlCol="0">
+          <a:bodyPr wrap="none" rtlCol="0">
             <a:spAutoFit/>
           </a:bodyPr>
-          <a:lstStyle/>
-          <a:p>
-            <a:pPr marL="52069" marR="1337310" eaLnBrk="1" fontAlgn="auto" hangingPunct="1">
-              <a:lnSpc>
-                <a:spcPts val="1400"/>
-              </a:lnSpc>
-              <a:spcBef>
-                <a:spcPts val="425"/>
-              </a:spcBef>
-              <a:spcAft>
-                <a:spcPts val="0"/>
-              </a:spcAft>
-            </a:pPr>
-            <a:r>
-              <a:rPr lang="en-GB" sz="1600" b="0" kern="0" dirty="0">
-                <a:solidFill>
-                  <a:sysClr val="windowText" lastClr="000000"/>
-                </a:solidFill>
-                <a:latin typeface="Courier New"/>
-                <a:cs typeface="Courier New"/>
-              </a:rPr>
-              <a:t>1 #include &lt;</a:t>
-            </a:r>
-            <a:r>
-              <a:rPr lang="en-GB" sz="1600" b="0" kern="0" dirty="0" err="1">
-                <a:solidFill>
-                  <a:sysClr val="windowText" lastClr="000000"/>
-                </a:solidFill>
-                <a:latin typeface="Courier New"/>
-                <a:cs typeface="Courier New"/>
-              </a:rPr>
-              <a:t>unistd.h</a:t>
-            </a:r>
-            <a:r>
-              <a:rPr lang="en-GB" sz="1600" b="0" kern="0" dirty="0">
-                <a:solidFill>
-                  <a:sysClr val="windowText" lastClr="000000"/>
-                </a:solidFill>
-                <a:latin typeface="Courier New"/>
-                <a:cs typeface="Courier New"/>
-              </a:rPr>
-              <a:t>&gt;</a:t>
-            </a:r>
-          </a:p>
-          <a:p>
-            <a:pPr marL="52069" marR="1337310" eaLnBrk="1" fontAlgn="auto" hangingPunct="1">
-              <a:lnSpc>
-                <a:spcPts val="1400"/>
-              </a:lnSpc>
-              <a:spcBef>
-                <a:spcPts val="425"/>
-              </a:spcBef>
-              <a:spcAft>
-                <a:spcPts val="0"/>
-              </a:spcAft>
-            </a:pPr>
-            <a:r>
-              <a:rPr lang="en-GB" sz="1600" b="0" kern="0" dirty="0">
-                <a:solidFill>
-                  <a:sysClr val="windowText" lastClr="000000"/>
-                </a:solidFill>
-                <a:latin typeface="Courier New"/>
-                <a:cs typeface="Courier New"/>
-              </a:rPr>
-              <a:t>2 int main (void) {</a:t>
-            </a:r>
-          </a:p>
-          <a:p>
-            <a:pPr marL="52069" marR="1337310" eaLnBrk="1" fontAlgn="auto" hangingPunct="1">
-              <a:lnSpc>
-                <a:spcPts val="1400"/>
-              </a:lnSpc>
-              <a:spcBef>
-                <a:spcPts val="425"/>
-              </a:spcBef>
-              <a:spcAft>
-                <a:spcPts val="0"/>
-              </a:spcAft>
-            </a:pPr>
-            <a:r>
-              <a:rPr lang="en-GB" sz="1600" b="0" kern="0" dirty="0">
-                <a:solidFill>
-                  <a:sysClr val="windowText" lastClr="000000"/>
-                </a:solidFill>
-                <a:latin typeface="Courier New"/>
-                <a:cs typeface="Courier New"/>
-              </a:rPr>
-              <a:t>3 if(pid1=fork()&gt;0||pid2=fork()&gt;0)</a:t>
-            </a:r>
-          </a:p>
-          <a:p>
-            <a:pPr marL="52069" marR="1337310" eaLnBrk="1" fontAlgn="auto" hangingPunct="1">
-              <a:lnSpc>
-                <a:spcPts val="1400"/>
-              </a:lnSpc>
-              <a:spcBef>
-                <a:spcPts val="425"/>
-              </a:spcBef>
-              <a:spcAft>
-                <a:spcPts val="0"/>
-              </a:spcAft>
-            </a:pPr>
-            <a:r>
-              <a:rPr lang="en-GB" sz="1600" b="0" kern="0" dirty="0">
-                <a:solidFill>
-                  <a:sysClr val="windowText" lastClr="000000"/>
-                </a:solidFill>
-                <a:latin typeface="Courier New"/>
-                <a:cs typeface="Courier New"/>
-              </a:rPr>
-              <a:t>4    {pid3=fork();}</a:t>
-            </a:r>
-          </a:p>
-          <a:p>
-            <a:pPr marL="52069" marR="1337310" eaLnBrk="1" fontAlgn="auto" hangingPunct="1">
-              <a:lnSpc>
-                <a:spcPts val="1400"/>
-              </a:lnSpc>
-              <a:spcBef>
-                <a:spcPts val="425"/>
-              </a:spcBef>
-              <a:spcAft>
-                <a:spcPts val="0"/>
-              </a:spcAft>
-            </a:pPr>
-            <a:r>
-              <a:rPr lang="en-GB" sz="1600" b="0" kern="0" spc="-15" dirty="0">
-                <a:solidFill>
-                  <a:sysClr val="windowText" lastClr="000000"/>
-                </a:solidFill>
-                <a:latin typeface="Courier New"/>
-                <a:cs typeface="Courier New"/>
-              </a:rPr>
-              <a:t>5 }</a:t>
-            </a:r>
-            <a:endParaRPr sz="1600" b="0" kern="0" dirty="0">
-              <a:solidFill>
-                <a:sysClr val="windowText" lastClr="000000"/>
-              </a:solidFill>
-              <a:latin typeface="Courier New"/>
-              <a:cs typeface="Courier New"/>
-            </a:endParaRPr>
-          </a:p>
-        </p:txBody>
-      </p:sp>
-      <p:sp>
-        <p:nvSpPr>
-          <p:cNvPr id="88" name="内容占位符 2">
-            <a:extLst>
-              <a:ext uri="{FF2B5EF4-FFF2-40B4-BE49-F238E27FC236}">
-                <a16:creationId xmlns:a16="http://schemas.microsoft.com/office/drawing/2014/main" id="{37BD552E-39BC-5483-7F5E-8EE8CFB42861}"/>
-              </a:ext>
-            </a:extLst>
-          </p:cNvPr>
-          <p:cNvSpPr txBox="1">
-            <a:spLocks/>
-          </p:cNvSpPr>
-          <p:nvPr/>
-        </p:nvSpPr>
-        <p:spPr bwMode="auto">
-          <a:xfrm>
-            <a:off x="7451156" y="106625"/>
-            <a:ext cx="4647291" cy="6557260"/>
-          </a:xfrm>
-          <a:prstGeom prst="rect">
-            <a:avLst/>
-          </a:prstGeom>
-          <a:solidFill>
-            <a:schemeClr val="bg1"/>
-          </a:solidFill>
-          <a:ln>
-            <a:noFill/>
-          </a:ln>
-          <a:effectLst/>
-          <a:extLst>
-            <a:ext uri="{FAA26D3D-D897-4be2-8F04-BA451C77F1D7}">
-              <ma14:placeholderFlag xmlns="" xmlns:ma14="http://schemas.microsoft.com/office/mac/drawingml/2011/main" val="1"/>
-            </a:ext>
-            <a:ext uri="{909E8E84-426E-40dd-AFC4-6F175D3DCCD1}">
-              <a14:hiddenFill xmlns="" xmlns:a14="http://schemas.microsoft.com/office/drawing/2010/main">
-                <a:solidFill>
-                  <a:schemeClr val="bg1"/>
-                </a:solidFill>
-              </a14:hiddenFill>
-            </a:ext>
-            <a:ext uri="{91240B29-F687-4f45-9708-019B960494DF}">
-              <a14:hiddenLine xmlns="" xmlns:a14="http://schemas.microsoft.com/office/drawing/2010/main" w="12700">
-                <a:pattFill prst="narHorz">
-                  <a:fgClr>
-                    <a:schemeClr val="tx1"/>
-                  </a:fgClr>
-                  <a:bgClr>
-                    <a:schemeClr val="bg1"/>
-                  </a:bgClr>
-                </a:pattFill>
-                <a:miter lim="800000"/>
-                <a:headEnd/>
-                <a:tailEnd/>
-              </a14:hiddenLine>
-            </a:ext>
-            <a:ext uri="{AF507438-7753-43e0-B8FC-AC1667EBCBE1}">
-              <a14:hiddenEffects xmlns="" xmlns:a14="http://schemas.microsoft.com/office/drawing/2010/main">
-                <a:effectLst>
-                  <a:outerShdw blurRad="63500" dist="38099" dir="2700000" algn="ctr" rotWithShape="0">
-                    <a:schemeClr val="bg2">
-                      <a:alpha val="74998"/>
-                    </a:schemeClr>
-                  </a:outerShdw>
-                </a:effectLst>
-              </a14:hiddenEffects>
-            </a:ext>
-          </a:extLst>
-        </p:spPr>
-        <p:txBody>
-          <a:bodyPr vert="horz" wrap="square" lIns="90478" tIns="44445" rIns="90478" bIns="44445" numCol="1" anchor="t" anchorCtr="0" compatLnSpc="1">
-            <a:prstTxWarp prst="textNoShape">
-              <a:avLst/>
-            </a:prstTxWarp>
-          </a:bodyPr>
-          <a:lstStyle>
-            <a:lvl1pPr marL="285750" indent="-285750" algn="l" rtl="0" eaLnBrk="0" fontAlgn="base" hangingPunct="0">
-              <a:lnSpc>
-                <a:spcPct val="90000"/>
-              </a:lnSpc>
-              <a:spcBef>
-                <a:spcPct val="30000"/>
-              </a:spcBef>
-              <a:spcAft>
-                <a:spcPct val="0"/>
-              </a:spcAft>
-              <a:buSzPct val="100000"/>
-              <a:buChar char="•"/>
-              <a:defRPr sz="2400">
-                <a:solidFill>
-                  <a:schemeClr val="tx1"/>
-                </a:solidFill>
-                <a:latin typeface="Gill Sans" charset="0"/>
-                <a:ea typeface="ＭＳ Ｐゴシック" charset="0"/>
-                <a:cs typeface="Gill Sans" charset="0"/>
-              </a:defRPr>
-            </a:lvl1pPr>
-            <a:lvl2pPr marL="685800" indent="-228600" algn="l" rtl="0" eaLnBrk="0" fontAlgn="base" hangingPunct="0">
-              <a:lnSpc>
-                <a:spcPct val="90000"/>
-              </a:lnSpc>
-              <a:spcBef>
-                <a:spcPct val="30000"/>
-              </a:spcBef>
-              <a:spcAft>
-                <a:spcPct val="0"/>
-              </a:spcAft>
-              <a:buSzPct val="100000"/>
-              <a:buChar char="–"/>
-              <a:defRPr sz="2200">
-                <a:solidFill>
-                  <a:schemeClr val="tx1"/>
-                </a:solidFill>
-                <a:latin typeface="Gill Sans" charset="0"/>
-                <a:ea typeface="Gill Sans" charset="0"/>
-                <a:cs typeface="Gill Sans" charset="0"/>
-              </a:defRPr>
-            </a:lvl2pPr>
-            <a:lvl3pPr marL="1143000" indent="-228600" algn="l" rtl="0" eaLnBrk="0" fontAlgn="base" hangingPunct="0">
-              <a:lnSpc>
-                <a:spcPct val="90000"/>
-              </a:lnSpc>
-              <a:spcBef>
-                <a:spcPct val="30000"/>
-              </a:spcBef>
-              <a:spcAft>
-                <a:spcPct val="0"/>
-              </a:spcAft>
-              <a:buSzPct val="100000"/>
-              <a:buChar char="»"/>
-              <a:defRPr sz="2000">
-                <a:solidFill>
-                  <a:schemeClr val="tx1"/>
-                </a:solidFill>
-                <a:latin typeface="Gill Sans" charset="0"/>
-                <a:ea typeface="Gill Sans" charset="0"/>
-                <a:cs typeface="Gill Sans" charset="0"/>
-              </a:defRPr>
-            </a:lvl3pPr>
-            <a:lvl4pPr marL="1543050" indent="-171450" algn="l" rtl="0" eaLnBrk="0" fontAlgn="base" hangingPunct="0">
-              <a:lnSpc>
-                <a:spcPct val="90000"/>
-              </a:lnSpc>
-              <a:spcBef>
-                <a:spcPct val="30000"/>
-              </a:spcBef>
-              <a:spcAft>
-                <a:spcPct val="0"/>
-              </a:spcAft>
-              <a:buSzPct val="100000"/>
-              <a:buChar char="•"/>
-              <a:defRPr sz="2000">
-                <a:solidFill>
-                  <a:schemeClr val="tx1"/>
-                </a:solidFill>
-                <a:latin typeface="Gill Sans" charset="0"/>
-                <a:ea typeface="Gill Sans" charset="0"/>
-                <a:cs typeface="Gill Sans" charset="0"/>
-              </a:defRPr>
-            </a:lvl4pPr>
-            <a:lvl5pPr marL="2000250" indent="-171450" algn="l" rtl="0" eaLnBrk="0" fontAlgn="base" hangingPunct="0">
-              <a:lnSpc>
-                <a:spcPct val="90000"/>
-              </a:lnSpc>
-              <a:spcBef>
-                <a:spcPct val="30000"/>
-              </a:spcBef>
-              <a:spcAft>
-                <a:spcPct val="0"/>
-              </a:spcAft>
-              <a:buSzPct val="100000"/>
-              <a:buChar char="–"/>
-              <a:defRPr sz="2000">
-                <a:solidFill>
-                  <a:schemeClr val="tx1"/>
-                </a:solidFill>
-                <a:latin typeface="Gill Sans" charset="0"/>
-                <a:ea typeface="Gill Sans" charset="0"/>
-                <a:cs typeface="Gill Sans" charset="0"/>
-              </a:defRPr>
-            </a:lvl5pPr>
-            <a:lvl6pPr marL="2457450" indent="-171450" algn="l" rtl="0" eaLnBrk="0" fontAlgn="base" hangingPunct="0">
-              <a:lnSpc>
-                <a:spcPct val="90000"/>
-              </a:lnSpc>
-              <a:spcBef>
-                <a:spcPct val="30000"/>
-              </a:spcBef>
-              <a:spcAft>
-                <a:spcPct val="0"/>
-              </a:spcAft>
-              <a:buSzPct val="100000"/>
-              <a:buChar char="–"/>
-              <a:defRPr sz="2000" b="1">
-                <a:solidFill>
-                  <a:schemeClr val="tx1"/>
-                </a:solidFill>
-                <a:latin typeface="+mn-lt"/>
-              </a:defRPr>
-            </a:lvl6pPr>
-            <a:lvl7pPr marL="2914650" indent="-171450" algn="l" rtl="0" eaLnBrk="0" fontAlgn="base" hangingPunct="0">
-              <a:lnSpc>
-                <a:spcPct val="90000"/>
-              </a:lnSpc>
-              <a:spcBef>
-                <a:spcPct val="30000"/>
-              </a:spcBef>
-              <a:spcAft>
-                <a:spcPct val="0"/>
-              </a:spcAft>
-              <a:buSzPct val="100000"/>
-              <a:buChar char="–"/>
-              <a:defRPr sz="2000" b="1">
-                <a:solidFill>
-                  <a:schemeClr val="tx1"/>
-                </a:solidFill>
-                <a:latin typeface="+mn-lt"/>
-              </a:defRPr>
-            </a:lvl7pPr>
-            <a:lvl8pPr marL="3371850" indent="-171450" algn="l" rtl="0" eaLnBrk="0" fontAlgn="base" hangingPunct="0">
-              <a:lnSpc>
-                <a:spcPct val="90000"/>
-              </a:lnSpc>
-              <a:spcBef>
-                <a:spcPct val="30000"/>
-              </a:spcBef>
-              <a:spcAft>
-                <a:spcPct val="0"/>
-              </a:spcAft>
-              <a:buSzPct val="100000"/>
-              <a:buChar char="–"/>
-              <a:defRPr sz="2000" b="1">
-                <a:solidFill>
-                  <a:schemeClr val="tx1"/>
-                </a:solidFill>
-                <a:latin typeface="+mn-lt"/>
-              </a:defRPr>
-            </a:lvl8pPr>
-            <a:lvl9pPr marL="3829050" indent="-171450" algn="l" rtl="0" eaLnBrk="0" fontAlgn="base" hangingPunct="0">
-              <a:lnSpc>
-                <a:spcPct val="90000"/>
-              </a:lnSpc>
-              <a:spcBef>
-                <a:spcPct val="30000"/>
-              </a:spcBef>
-              <a:spcAft>
-                <a:spcPct val="0"/>
-              </a:spcAft>
-              <a:buSzPct val="100000"/>
-              <a:buChar char="–"/>
-              <a:defRPr sz="2000" b="1">
-                <a:solidFill>
-                  <a:schemeClr val="tx1"/>
-                </a:solidFill>
-                <a:latin typeface="+mn-lt"/>
-              </a:defRPr>
-            </a:lvl9pPr>
-          </a:lstStyle>
-          <a:p>
-            <a:r>
-              <a:rPr lang="en-GB" sz="1600" b="0" kern="0" dirty="0"/>
-              <a:t>Q: How many processes are generated in total? In C, the logical OR operator (||) employs short-circuit evaluation, meaning it evaluates expressions from left to right and stops as soon as the result of the entire expression is determined. Specifically for (cond1||cond2): If cond1 evaluates to true (non-zero), the overall result of the || operation is already known to be true, so cond2 is not evaluated. If cond1 evaluates to false (zero), the evaluation proceeds to the next operand cond2.</a:t>
-            </a:r>
-          </a:p>
-          <a:p>
-            <a:r>
-              <a:rPr lang="en-GB" sz="1600" b="0" kern="0" dirty="0"/>
-              <a:t>A: There are 5 processes in total.</a:t>
-            </a:r>
-          </a:p>
-          <a:p>
-            <a:r>
-              <a:rPr lang="en-GB" sz="1600" b="0" kern="0" dirty="0"/>
-              <a:t>The initial process P0 calls pid1=fork() to create child process P1. In P0, the if condition (pid1&gt;0||?) = (true&amp;&amp;?)=true, so P0 skips the call pid2=fork() and calls pid3=fork() to create child process P2. </a:t>
-            </a:r>
-          </a:p>
-          <a:p>
-            <a:r>
-              <a:rPr lang="en-GB" sz="1600" b="0" kern="0" dirty="0"/>
-              <a:t>P1 has pid1==0, so it calls pid2=fork() and creates child process P3. The if condition (pid1&gt;0|| pid2&gt;0) is checked in both P1 and P3. In P1, it is (false||true)=true, so P1 calls pid3=fork() to create child process P4. In P3, it is (false||false)=false, so it stops here and does not call any more fork().</a:t>
-            </a:r>
-          </a:p>
-        </p:txBody>
-      </p:sp>
-      <p:grpSp>
-        <p:nvGrpSpPr>
-          <p:cNvPr id="6" name="object 4">
-            <a:extLst>
-              <a:ext uri="{FF2B5EF4-FFF2-40B4-BE49-F238E27FC236}">
-                <a16:creationId xmlns:a16="http://schemas.microsoft.com/office/drawing/2014/main" id="{BB63E2F0-9AE4-7D57-26F2-6357B5386A5C}"/>
-              </a:ext>
-            </a:extLst>
-          </p:cNvPr>
-          <p:cNvGrpSpPr/>
-          <p:nvPr/>
-        </p:nvGrpSpPr>
-        <p:grpSpPr>
-          <a:xfrm>
-            <a:off x="92530" y="2418471"/>
-            <a:ext cx="5285740" cy="1358900"/>
-            <a:chOff x="562970" y="1379302"/>
-            <a:chExt cx="5285740" cy="1358900"/>
-          </a:xfrm>
-        </p:grpSpPr>
-        <p:sp>
-          <p:nvSpPr>
-            <p:cNvPr id="7" name="object 5">
-              <a:extLst>
-                <a:ext uri="{FF2B5EF4-FFF2-40B4-BE49-F238E27FC236}">
-                  <a16:creationId xmlns:a16="http://schemas.microsoft.com/office/drawing/2014/main" id="{15820BC9-3034-F2D9-E040-E0322C29A725}"/>
-                </a:ext>
-              </a:extLst>
-            </p:cNvPr>
-            <p:cNvSpPr/>
-            <p:nvPr/>
-          </p:nvSpPr>
-          <p:spPr>
-            <a:xfrm>
-              <a:off x="575670" y="1392002"/>
-              <a:ext cx="926465" cy="424815"/>
-            </a:xfrm>
-            <a:custGeom>
-              <a:avLst/>
-              <a:gdLst/>
-              <a:ahLst/>
-              <a:cxnLst/>
-              <a:rect l="l" t="t" r="r" b="b"/>
-              <a:pathLst>
-                <a:path w="926465" h="424814">
-                  <a:moveTo>
-                    <a:pt x="212419" y="0"/>
-                  </a:moveTo>
-                  <a:lnTo>
-                    <a:pt x="713963" y="0"/>
-                  </a:lnTo>
-                  <a:lnTo>
-                    <a:pt x="756232" y="162"/>
-                  </a:lnTo>
-                  <a:lnTo>
-                    <a:pt x="817395" y="4390"/>
-                  </a:lnTo>
-                  <a:lnTo>
-                    <a:pt x="864038" y="22957"/>
-                  </a:lnTo>
-                  <a:lnTo>
-                    <a:pt x="903425" y="62344"/>
-                  </a:lnTo>
-                  <a:lnTo>
-                    <a:pt x="921989" y="108975"/>
-                  </a:lnTo>
-                  <a:lnTo>
-                    <a:pt x="926219" y="170115"/>
-                  </a:lnTo>
-                  <a:lnTo>
-                    <a:pt x="926382" y="212336"/>
-                  </a:lnTo>
-                  <a:lnTo>
-                    <a:pt x="926219" y="254556"/>
-                  </a:lnTo>
-                  <a:lnTo>
-                    <a:pt x="921989" y="315697"/>
-                  </a:lnTo>
-                  <a:lnTo>
-                    <a:pt x="903425" y="362328"/>
-                  </a:lnTo>
-                  <a:lnTo>
-                    <a:pt x="864038" y="401715"/>
-                  </a:lnTo>
-                  <a:lnTo>
-                    <a:pt x="817395" y="420281"/>
-                  </a:lnTo>
-                  <a:lnTo>
-                    <a:pt x="756232" y="424509"/>
-                  </a:lnTo>
-                  <a:lnTo>
-                    <a:pt x="713963" y="424672"/>
-                  </a:lnTo>
-                  <a:lnTo>
-                    <a:pt x="212419" y="424672"/>
-                  </a:lnTo>
-                  <a:lnTo>
-                    <a:pt x="170150" y="424509"/>
-                  </a:lnTo>
-                  <a:lnTo>
-                    <a:pt x="108986" y="420281"/>
-                  </a:lnTo>
-                  <a:lnTo>
-                    <a:pt x="62344" y="401715"/>
-                  </a:lnTo>
-                  <a:lnTo>
-                    <a:pt x="22957" y="362328"/>
-                  </a:lnTo>
-                  <a:lnTo>
-                    <a:pt x="4392" y="315697"/>
-                  </a:lnTo>
-                  <a:lnTo>
-                    <a:pt x="163" y="254556"/>
-                  </a:lnTo>
-                  <a:lnTo>
-                    <a:pt x="0" y="212336"/>
-                  </a:lnTo>
-                  <a:lnTo>
-                    <a:pt x="163" y="170115"/>
-                  </a:lnTo>
-                  <a:lnTo>
-                    <a:pt x="4392" y="108975"/>
-                  </a:lnTo>
-                  <a:lnTo>
-                    <a:pt x="22957" y="62344"/>
-                  </a:lnTo>
-                  <a:lnTo>
-                    <a:pt x="62344" y="22957"/>
-                  </a:lnTo>
-                  <a:lnTo>
-                    <a:pt x="108986" y="4390"/>
-                  </a:lnTo>
-                  <a:lnTo>
-                    <a:pt x="170150" y="162"/>
-                  </a:lnTo>
-                  <a:lnTo>
-                    <a:pt x="212419" y="0"/>
-                  </a:lnTo>
-                  <a:close/>
-                </a:path>
-              </a:pathLst>
-            </a:custGeom>
-            <a:ln w="25400">
-              <a:solidFill>
-                <a:srgbClr val="0365C0"/>
-              </a:solidFill>
-            </a:ln>
-          </p:spPr>
-          <p:txBody>
-            <a:bodyPr wrap="square" lIns="0" tIns="0" rIns="0" bIns="0" rtlCol="0"/>
-            <a:lstStyle/>
-            <a:p>
-              <a:pPr marL="0" marR="0" lvl="0" indent="0" defTabSz="914400" eaLnBrk="1" fontAlgn="auto" latinLnBrk="0" hangingPunct="1">
-                <a:lnSpc>
-                  <a:spcPct val="100000"/>
-                </a:lnSpc>
-                <a:spcBef>
-                  <a:spcPts val="0"/>
-                </a:spcBef>
-                <a:spcAft>
-                  <a:spcPts val="0"/>
-                </a:spcAft>
-                <a:buClrTx/>
-                <a:buSzTx/>
-                <a:buFontTx/>
-                <a:buNone/>
-                <a:tabLst/>
-                <a:defRPr/>
-              </a:pPr>
-              <a:endParaRPr kumimoji="0" sz="1800" b="0" i="0" u="none" strike="noStrike" kern="0" cap="none" spc="0" normalizeH="0" baseline="0" noProof="0">
-                <a:ln>
-                  <a:noFill/>
-                </a:ln>
-                <a:solidFill>
-                  <a:sysClr val="windowText" lastClr="000000"/>
-                </a:solidFill>
-                <a:effectLst/>
-                <a:uLnTx/>
-                <a:uFillTx/>
-              </a:endParaRPr>
-            </a:p>
-          </p:txBody>
-        </p:sp>
-        <p:sp>
-          <p:nvSpPr>
-            <p:cNvPr id="8" name="object 6">
-              <a:extLst>
-                <a:ext uri="{FF2B5EF4-FFF2-40B4-BE49-F238E27FC236}">
-                  <a16:creationId xmlns:a16="http://schemas.microsoft.com/office/drawing/2014/main" id="{4EED1A18-DE25-8BAF-FF26-ED58CD3F3AE2}"/>
-                </a:ext>
-              </a:extLst>
-            </p:cNvPr>
-            <p:cNvSpPr/>
-            <p:nvPr/>
-          </p:nvSpPr>
-          <p:spPr>
-            <a:xfrm>
-              <a:off x="575670" y="2300409"/>
-              <a:ext cx="926465" cy="424815"/>
-            </a:xfrm>
-            <a:custGeom>
-              <a:avLst/>
-              <a:gdLst/>
-              <a:ahLst/>
-              <a:cxnLst/>
-              <a:rect l="l" t="t" r="r" b="b"/>
-              <a:pathLst>
-                <a:path w="926465" h="424814">
-                  <a:moveTo>
-                    <a:pt x="212419" y="0"/>
-                  </a:moveTo>
-                  <a:lnTo>
-                    <a:pt x="713963" y="0"/>
-                  </a:lnTo>
-                  <a:lnTo>
-                    <a:pt x="756232" y="162"/>
-                  </a:lnTo>
-                  <a:lnTo>
-                    <a:pt x="817395" y="4390"/>
-                  </a:lnTo>
-                  <a:lnTo>
-                    <a:pt x="864038" y="22957"/>
-                  </a:lnTo>
-                  <a:lnTo>
-                    <a:pt x="903425" y="62344"/>
-                  </a:lnTo>
-                  <a:lnTo>
-                    <a:pt x="921989" y="108975"/>
-                  </a:lnTo>
-                  <a:lnTo>
-                    <a:pt x="926219" y="170115"/>
-                  </a:lnTo>
-                  <a:lnTo>
-                    <a:pt x="926382" y="212336"/>
-                  </a:lnTo>
-                  <a:lnTo>
-                    <a:pt x="926219" y="254556"/>
-                  </a:lnTo>
-                  <a:lnTo>
-                    <a:pt x="921989" y="315697"/>
-                  </a:lnTo>
-                  <a:lnTo>
-                    <a:pt x="903425" y="362328"/>
-                  </a:lnTo>
-                  <a:lnTo>
-                    <a:pt x="864038" y="401715"/>
-                  </a:lnTo>
-                  <a:lnTo>
-                    <a:pt x="817395" y="420281"/>
-                  </a:lnTo>
-                  <a:lnTo>
-                    <a:pt x="756232" y="424509"/>
-                  </a:lnTo>
-                  <a:lnTo>
-                    <a:pt x="713963" y="424672"/>
-                  </a:lnTo>
-                  <a:lnTo>
-                    <a:pt x="212419" y="424672"/>
-                  </a:lnTo>
-                  <a:lnTo>
-                    <a:pt x="170150" y="424509"/>
-                  </a:lnTo>
-                  <a:lnTo>
-                    <a:pt x="108986" y="420281"/>
-                  </a:lnTo>
-                  <a:lnTo>
-                    <a:pt x="62344" y="401715"/>
-                  </a:lnTo>
-                  <a:lnTo>
-                    <a:pt x="22957" y="362328"/>
-                  </a:lnTo>
-                  <a:lnTo>
-                    <a:pt x="4392" y="315697"/>
-                  </a:lnTo>
-                  <a:lnTo>
-                    <a:pt x="163" y="254556"/>
-                  </a:lnTo>
-                  <a:lnTo>
-                    <a:pt x="0" y="212336"/>
-                  </a:lnTo>
-                  <a:lnTo>
-                    <a:pt x="163" y="170115"/>
-                  </a:lnTo>
-                  <a:lnTo>
-                    <a:pt x="4392" y="108975"/>
-                  </a:lnTo>
-                  <a:lnTo>
-                    <a:pt x="22957" y="62344"/>
-                  </a:lnTo>
-                  <a:lnTo>
-                    <a:pt x="62344" y="22957"/>
-                  </a:lnTo>
-                  <a:lnTo>
-                    <a:pt x="108986" y="4390"/>
-                  </a:lnTo>
-                  <a:lnTo>
-                    <a:pt x="170150" y="162"/>
-                  </a:lnTo>
-                  <a:lnTo>
-                    <a:pt x="212419" y="0"/>
-                  </a:lnTo>
-                  <a:close/>
-                </a:path>
-              </a:pathLst>
-            </a:custGeom>
-            <a:ln w="25400">
-              <a:solidFill>
-                <a:srgbClr val="0365C0"/>
-              </a:solidFill>
-            </a:ln>
-          </p:spPr>
-          <p:txBody>
-            <a:bodyPr wrap="square" lIns="0" tIns="0" rIns="0" bIns="0" rtlCol="0"/>
-            <a:lstStyle/>
-            <a:p>
-              <a:pPr marL="0" marR="0" lvl="0" indent="0" defTabSz="914400" eaLnBrk="1" fontAlgn="auto" latinLnBrk="0" hangingPunct="1">
-                <a:lnSpc>
-                  <a:spcPct val="100000"/>
-                </a:lnSpc>
-                <a:spcBef>
-                  <a:spcPts val="0"/>
-                </a:spcBef>
-                <a:spcAft>
-                  <a:spcPts val="0"/>
-                </a:spcAft>
-                <a:buClrTx/>
-                <a:buSzTx/>
-                <a:buFontTx/>
-                <a:buNone/>
-                <a:tabLst/>
-                <a:defRPr/>
-              </a:pPr>
-              <a:endParaRPr kumimoji="0" sz="1800" b="0" i="0" u="none" strike="noStrike" kern="0" cap="none" spc="0" normalizeH="0" baseline="0" noProof="0">
-                <a:ln>
-                  <a:noFill/>
-                </a:ln>
-                <a:solidFill>
-                  <a:sysClr val="windowText" lastClr="000000"/>
-                </a:solidFill>
-                <a:effectLst/>
-                <a:uLnTx/>
-                <a:uFillTx/>
-              </a:endParaRPr>
-            </a:p>
-          </p:txBody>
-        </p:sp>
-        <p:sp>
-          <p:nvSpPr>
-            <p:cNvPr id="9" name="object 7">
-              <a:extLst>
-                <a:ext uri="{FF2B5EF4-FFF2-40B4-BE49-F238E27FC236}">
-                  <a16:creationId xmlns:a16="http://schemas.microsoft.com/office/drawing/2014/main" id="{31038E5D-CBD6-821B-2C5A-02B6C5067F7B}"/>
-                </a:ext>
-              </a:extLst>
-            </p:cNvPr>
-            <p:cNvSpPr/>
-            <p:nvPr/>
-          </p:nvSpPr>
-          <p:spPr>
-            <a:xfrm>
-              <a:off x="4909463" y="2300409"/>
-              <a:ext cx="926465" cy="424815"/>
-            </a:xfrm>
-            <a:custGeom>
-              <a:avLst/>
-              <a:gdLst/>
-              <a:ahLst/>
-              <a:cxnLst/>
-              <a:rect l="l" t="t" r="r" b="b"/>
-              <a:pathLst>
-                <a:path w="926464" h="424814">
-                  <a:moveTo>
-                    <a:pt x="212419" y="0"/>
-                  </a:moveTo>
-                  <a:lnTo>
-                    <a:pt x="713963" y="0"/>
-                  </a:lnTo>
-                  <a:lnTo>
-                    <a:pt x="756232" y="162"/>
-                  </a:lnTo>
-                  <a:lnTo>
-                    <a:pt x="817395" y="4390"/>
-                  </a:lnTo>
-                  <a:lnTo>
-                    <a:pt x="864038" y="22957"/>
-                  </a:lnTo>
-                  <a:lnTo>
-                    <a:pt x="903425" y="62344"/>
-                  </a:lnTo>
-                  <a:lnTo>
-                    <a:pt x="921989" y="108975"/>
-                  </a:lnTo>
-                  <a:lnTo>
-                    <a:pt x="926219" y="170115"/>
-                  </a:lnTo>
-                  <a:lnTo>
-                    <a:pt x="926382" y="212336"/>
-                  </a:lnTo>
-                  <a:lnTo>
-                    <a:pt x="926219" y="254556"/>
-                  </a:lnTo>
-                  <a:lnTo>
-                    <a:pt x="921989" y="315697"/>
-                  </a:lnTo>
-                  <a:lnTo>
-                    <a:pt x="903425" y="362328"/>
-                  </a:lnTo>
-                  <a:lnTo>
-                    <a:pt x="864038" y="401715"/>
-                  </a:lnTo>
-                  <a:lnTo>
-                    <a:pt x="817395" y="420281"/>
-                  </a:lnTo>
-                  <a:lnTo>
-                    <a:pt x="756232" y="424509"/>
-                  </a:lnTo>
-                  <a:lnTo>
-                    <a:pt x="713963" y="424672"/>
-                  </a:lnTo>
-                  <a:lnTo>
-                    <a:pt x="212419" y="424672"/>
-                  </a:lnTo>
-                  <a:lnTo>
-                    <a:pt x="170150" y="424509"/>
-                  </a:lnTo>
-                  <a:lnTo>
-                    <a:pt x="108986" y="420281"/>
-                  </a:lnTo>
-                  <a:lnTo>
-                    <a:pt x="62344" y="401715"/>
-                  </a:lnTo>
-                  <a:lnTo>
-                    <a:pt x="22957" y="362328"/>
-                  </a:lnTo>
-                  <a:lnTo>
-                    <a:pt x="4392" y="315697"/>
-                  </a:lnTo>
-                  <a:lnTo>
-                    <a:pt x="163" y="254556"/>
-                  </a:lnTo>
-                  <a:lnTo>
-                    <a:pt x="0" y="212336"/>
-                  </a:lnTo>
-                  <a:lnTo>
-                    <a:pt x="163" y="170115"/>
-                  </a:lnTo>
-                  <a:lnTo>
-                    <a:pt x="4392" y="108975"/>
-                  </a:lnTo>
-                  <a:lnTo>
-                    <a:pt x="22957" y="62344"/>
-                  </a:lnTo>
-                  <a:lnTo>
-                    <a:pt x="62344" y="22957"/>
-                  </a:lnTo>
-                  <a:lnTo>
-                    <a:pt x="108986" y="4390"/>
-                  </a:lnTo>
-                  <a:lnTo>
-                    <a:pt x="170150" y="162"/>
-                  </a:lnTo>
-                  <a:lnTo>
-                    <a:pt x="212419" y="0"/>
-                  </a:lnTo>
-                  <a:close/>
-                </a:path>
-              </a:pathLst>
-            </a:custGeom>
-            <a:ln w="25400">
-              <a:solidFill>
-                <a:srgbClr val="0365C0"/>
-              </a:solidFill>
-            </a:ln>
-          </p:spPr>
-          <p:txBody>
-            <a:bodyPr wrap="square" lIns="0" tIns="0" rIns="0" bIns="0" rtlCol="0"/>
-            <a:lstStyle/>
-            <a:p>
-              <a:pPr marL="0" marR="0" lvl="0" indent="0" defTabSz="914400" eaLnBrk="1" fontAlgn="auto" latinLnBrk="0" hangingPunct="1">
-                <a:lnSpc>
-                  <a:spcPct val="100000"/>
-                </a:lnSpc>
-                <a:spcBef>
-                  <a:spcPts val="0"/>
-                </a:spcBef>
-                <a:spcAft>
-                  <a:spcPts val="0"/>
-                </a:spcAft>
-                <a:buClrTx/>
-                <a:buSzTx/>
-                <a:buFontTx/>
-                <a:buNone/>
-                <a:tabLst/>
-                <a:defRPr/>
-              </a:pPr>
-              <a:endParaRPr kumimoji="0" sz="1800" b="0" i="0" u="none" strike="noStrike" kern="0" cap="none" spc="0" normalizeH="0" baseline="0" noProof="0">
-                <a:ln>
-                  <a:noFill/>
-                </a:ln>
-                <a:solidFill>
-                  <a:sysClr val="windowText" lastClr="000000"/>
-                </a:solidFill>
-                <a:effectLst/>
-                <a:uLnTx/>
-                <a:uFillTx/>
-              </a:endParaRPr>
-            </a:p>
-          </p:txBody>
-        </p:sp>
-      </p:grpSp>
-      <p:sp>
-        <p:nvSpPr>
-          <p:cNvPr id="10" name="object 8">
-            <a:extLst>
-              <a:ext uri="{FF2B5EF4-FFF2-40B4-BE49-F238E27FC236}">
-                <a16:creationId xmlns:a16="http://schemas.microsoft.com/office/drawing/2014/main" id="{B9EF3F3C-0527-982F-4CD2-651F2696A106}"/>
-              </a:ext>
-            </a:extLst>
-          </p:cNvPr>
-          <p:cNvSpPr txBox="1"/>
-          <p:nvPr/>
-        </p:nvSpPr>
-        <p:spPr>
-          <a:xfrm>
-            <a:off x="4569802" y="3385255"/>
-            <a:ext cx="661670" cy="299720"/>
-          </a:xfrm>
-          <a:prstGeom prst="rect">
-            <a:avLst/>
-          </a:prstGeom>
-        </p:spPr>
-        <p:txBody>
-          <a:bodyPr vert="horz" wrap="square" lIns="0" tIns="12700" rIns="0" bIns="0" rtlCol="0">
-            <a:spAutoFit/>
-          </a:bodyPr>
-          <a:lstStyle/>
-          <a:p>
-            <a:pPr marL="12700" eaLnBrk="1" fontAlgn="auto" hangingPunct="1">
-              <a:spcBef>
-                <a:spcPts val="100"/>
-              </a:spcBef>
-              <a:spcAft>
-                <a:spcPts val="0"/>
-              </a:spcAft>
-            </a:pPr>
-            <a:r>
-              <a:rPr b="0" kern="0" spc="-10" dirty="0">
-                <a:solidFill>
-                  <a:sysClr val="windowText" lastClr="000000"/>
-                </a:solidFill>
-                <a:latin typeface="Arial MT"/>
-                <a:cs typeface="Arial MT"/>
-              </a:rPr>
-              <a:t>59102</a:t>
-            </a:r>
-            <a:endParaRPr b="0" kern="0" dirty="0">
-              <a:solidFill>
-                <a:sysClr val="windowText" lastClr="000000"/>
-              </a:solidFill>
-              <a:latin typeface="Arial MT"/>
-              <a:cs typeface="Arial MT"/>
-            </a:endParaRPr>
-          </a:p>
-        </p:txBody>
-      </p:sp>
-      <p:grpSp>
-        <p:nvGrpSpPr>
-          <p:cNvPr id="12" name="object 11">
-            <a:extLst>
-              <a:ext uri="{FF2B5EF4-FFF2-40B4-BE49-F238E27FC236}">
-                <a16:creationId xmlns:a16="http://schemas.microsoft.com/office/drawing/2014/main" id="{5C79A911-AAC4-E7BD-E5A4-68C1C21A14F0}"/>
-              </a:ext>
-            </a:extLst>
-          </p:cNvPr>
-          <p:cNvGrpSpPr/>
-          <p:nvPr/>
-        </p:nvGrpSpPr>
-        <p:grpSpPr>
-          <a:xfrm>
-            <a:off x="507461" y="2922380"/>
-            <a:ext cx="121920" cy="351155"/>
-            <a:chOff x="977901" y="1883211"/>
-            <a:chExt cx="121920" cy="351155"/>
-          </a:xfrm>
-        </p:grpSpPr>
-        <p:sp>
-          <p:nvSpPr>
-            <p:cNvPr id="13" name="object 12">
-              <a:extLst>
-                <a:ext uri="{FF2B5EF4-FFF2-40B4-BE49-F238E27FC236}">
-                  <a16:creationId xmlns:a16="http://schemas.microsoft.com/office/drawing/2014/main" id="{AD3D50EB-4FB4-6FDA-A733-860A13359BD5}"/>
-                </a:ext>
-              </a:extLst>
-            </p:cNvPr>
-            <p:cNvSpPr/>
-            <p:nvPr/>
-          </p:nvSpPr>
-          <p:spPr>
-            <a:xfrm>
-              <a:off x="1038861" y="1883211"/>
-              <a:ext cx="0" cy="241935"/>
-            </a:xfrm>
-            <a:custGeom>
-              <a:avLst/>
-              <a:gdLst/>
-              <a:ahLst/>
-              <a:cxnLst/>
-              <a:rect l="l" t="t" r="r" b="b"/>
-              <a:pathLst>
-                <a:path h="241935">
-                  <a:moveTo>
-                    <a:pt x="0" y="0"/>
-                  </a:moveTo>
-                  <a:lnTo>
-                    <a:pt x="0" y="228741"/>
-                  </a:lnTo>
-                  <a:lnTo>
-                    <a:pt x="0" y="241441"/>
-                  </a:lnTo>
-                </a:path>
-              </a:pathLst>
-            </a:custGeom>
-            <a:ln w="25400">
-              <a:solidFill>
-                <a:srgbClr val="0365C0"/>
-              </a:solidFill>
-            </a:ln>
-          </p:spPr>
-          <p:txBody>
-            <a:bodyPr wrap="square" lIns="0" tIns="0" rIns="0" bIns="0" rtlCol="0"/>
-            <a:lstStyle/>
-            <a:p>
-              <a:pPr marL="0" marR="0" lvl="0" indent="0" defTabSz="914400" eaLnBrk="1" fontAlgn="auto" latinLnBrk="0" hangingPunct="1">
-                <a:lnSpc>
-                  <a:spcPct val="100000"/>
-                </a:lnSpc>
-                <a:spcBef>
-                  <a:spcPts val="0"/>
-                </a:spcBef>
-                <a:spcAft>
-                  <a:spcPts val="0"/>
-                </a:spcAft>
-                <a:buClrTx/>
-                <a:buSzTx/>
-                <a:buFontTx/>
-                <a:buNone/>
-                <a:tabLst/>
-                <a:defRPr/>
-              </a:pPr>
-              <a:endParaRPr kumimoji="0" sz="1800" b="0" i="0" u="none" strike="noStrike" kern="0" cap="none" spc="0" normalizeH="0" baseline="0" noProof="0">
-                <a:ln>
-                  <a:noFill/>
-                </a:ln>
-                <a:solidFill>
-                  <a:sysClr val="windowText" lastClr="000000"/>
-                </a:solidFill>
-                <a:effectLst/>
-                <a:uLnTx/>
-                <a:uFillTx/>
-              </a:endParaRPr>
-            </a:p>
-          </p:txBody>
-        </p:sp>
-        <p:sp>
-          <p:nvSpPr>
-            <p:cNvPr id="14" name="object 13">
-              <a:extLst>
-                <a:ext uri="{FF2B5EF4-FFF2-40B4-BE49-F238E27FC236}">
-                  <a16:creationId xmlns:a16="http://schemas.microsoft.com/office/drawing/2014/main" id="{5615AF6E-B608-773D-A348-C7527AE7F8E4}"/>
-                </a:ext>
-              </a:extLst>
-            </p:cNvPr>
-            <p:cNvSpPr/>
-            <p:nvPr/>
-          </p:nvSpPr>
-          <p:spPr>
-            <a:xfrm>
-              <a:off x="977901" y="2111952"/>
-              <a:ext cx="121920" cy="121920"/>
-            </a:xfrm>
-            <a:custGeom>
-              <a:avLst/>
-              <a:gdLst/>
-              <a:ahLst/>
-              <a:cxnLst/>
-              <a:rect l="l" t="t" r="r" b="b"/>
-              <a:pathLst>
-                <a:path w="121919" h="121919">
-                  <a:moveTo>
-                    <a:pt x="121920" y="0"/>
-                  </a:moveTo>
-                  <a:lnTo>
-                    <a:pt x="0" y="0"/>
-                  </a:lnTo>
-                  <a:lnTo>
-                    <a:pt x="60960" y="121920"/>
-                  </a:lnTo>
-                  <a:lnTo>
-                    <a:pt x="121920" y="0"/>
-                  </a:lnTo>
-                  <a:close/>
-                </a:path>
-              </a:pathLst>
-            </a:custGeom>
-            <a:solidFill>
-              <a:srgbClr val="0365C0"/>
-            </a:solidFill>
-          </p:spPr>
-          <p:txBody>
-            <a:bodyPr wrap="square" lIns="0" tIns="0" rIns="0" bIns="0" rtlCol="0"/>
-            <a:lstStyle/>
-            <a:p>
-              <a:pPr marL="0" marR="0" lvl="0" indent="0" defTabSz="914400" eaLnBrk="1" fontAlgn="auto" latinLnBrk="0" hangingPunct="1">
-                <a:lnSpc>
-                  <a:spcPct val="100000"/>
-                </a:lnSpc>
-                <a:spcBef>
-                  <a:spcPts val="0"/>
-                </a:spcBef>
-                <a:spcAft>
-                  <a:spcPts val="0"/>
-                </a:spcAft>
-                <a:buClrTx/>
-                <a:buSzTx/>
-                <a:buFontTx/>
-                <a:buNone/>
-                <a:tabLst/>
-                <a:defRPr/>
-              </a:pPr>
-              <a:endParaRPr kumimoji="0" sz="1800" b="0" i="0" u="none" strike="noStrike" kern="0" cap="none" spc="0" normalizeH="0" baseline="0" noProof="0">
-                <a:ln>
-                  <a:noFill/>
-                </a:ln>
-                <a:solidFill>
-                  <a:sysClr val="windowText" lastClr="000000"/>
-                </a:solidFill>
-                <a:effectLst/>
-                <a:uLnTx/>
-                <a:uFillTx/>
-              </a:endParaRPr>
-            </a:p>
-          </p:txBody>
-        </p:sp>
-      </p:grpSp>
-      <p:grpSp>
-        <p:nvGrpSpPr>
-          <p:cNvPr id="15" name="object 14">
-            <a:extLst>
-              <a:ext uri="{FF2B5EF4-FFF2-40B4-BE49-F238E27FC236}">
-                <a16:creationId xmlns:a16="http://schemas.microsoft.com/office/drawing/2014/main" id="{D5205364-089B-6755-59C5-3A0C5DC6CF3F}"/>
-              </a:ext>
-            </a:extLst>
-          </p:cNvPr>
-          <p:cNvGrpSpPr/>
-          <p:nvPr/>
-        </p:nvGrpSpPr>
-        <p:grpSpPr>
-          <a:xfrm>
-            <a:off x="507461" y="2655598"/>
-            <a:ext cx="6112841" cy="1576742"/>
-            <a:chOff x="977901" y="1616429"/>
-            <a:chExt cx="6112841" cy="1576742"/>
-          </a:xfrm>
-        </p:grpSpPr>
-        <p:sp>
-          <p:nvSpPr>
-            <p:cNvPr id="16" name="object 15">
-              <a:extLst>
-                <a:ext uri="{FF2B5EF4-FFF2-40B4-BE49-F238E27FC236}">
-                  <a16:creationId xmlns:a16="http://schemas.microsoft.com/office/drawing/2014/main" id="{73B17AB8-CE89-1435-1B59-8CE3E79D6A89}"/>
-                </a:ext>
-              </a:extLst>
-            </p:cNvPr>
-            <p:cNvSpPr/>
-            <p:nvPr/>
-          </p:nvSpPr>
-          <p:spPr>
-            <a:xfrm>
-              <a:off x="1497537" y="2513097"/>
-              <a:ext cx="1249680" cy="588645"/>
-            </a:xfrm>
-            <a:custGeom>
-              <a:avLst/>
-              <a:gdLst/>
-              <a:ahLst/>
-              <a:cxnLst/>
-              <a:rect l="l" t="t" r="r" b="b"/>
-              <a:pathLst>
-                <a:path w="1249680" h="588644">
-                  <a:moveTo>
-                    <a:pt x="0" y="0"/>
-                  </a:moveTo>
-                  <a:lnTo>
-                    <a:pt x="1237996" y="583160"/>
-                  </a:lnTo>
-                  <a:lnTo>
-                    <a:pt x="1249485" y="588572"/>
-                  </a:lnTo>
-                </a:path>
-              </a:pathLst>
-            </a:custGeom>
-            <a:ln w="25399">
-              <a:solidFill>
-                <a:srgbClr val="0365C0"/>
-              </a:solidFill>
-            </a:ln>
-          </p:spPr>
-          <p:txBody>
-            <a:bodyPr wrap="square" lIns="0" tIns="0" rIns="0" bIns="0" rtlCol="0"/>
-            <a:lstStyle/>
-            <a:p>
-              <a:pPr marL="0" marR="0" lvl="0" indent="0" defTabSz="914400" eaLnBrk="1" fontAlgn="auto" latinLnBrk="0" hangingPunct="1">
-                <a:lnSpc>
-                  <a:spcPct val="100000"/>
-                </a:lnSpc>
-                <a:spcBef>
-                  <a:spcPts val="0"/>
-                </a:spcBef>
-                <a:spcAft>
-                  <a:spcPts val="0"/>
-                </a:spcAft>
-                <a:buClrTx/>
-                <a:buSzTx/>
-                <a:buFontTx/>
-                <a:buNone/>
-                <a:tabLst/>
-                <a:defRPr/>
-              </a:pPr>
-              <a:endParaRPr kumimoji="0" sz="1800" b="0" i="0" u="none" strike="noStrike" kern="0" cap="none" spc="0" normalizeH="0" baseline="0" noProof="0">
-                <a:ln>
-                  <a:noFill/>
-                </a:ln>
-                <a:solidFill>
-                  <a:sysClr val="windowText" lastClr="000000"/>
-                </a:solidFill>
-                <a:effectLst/>
-                <a:uLnTx/>
-                <a:uFillTx/>
-              </a:endParaRPr>
-            </a:p>
-          </p:txBody>
-        </p:sp>
-        <p:sp>
-          <p:nvSpPr>
-            <p:cNvPr id="17" name="object 16">
-              <a:extLst>
-                <a:ext uri="{FF2B5EF4-FFF2-40B4-BE49-F238E27FC236}">
-                  <a16:creationId xmlns:a16="http://schemas.microsoft.com/office/drawing/2014/main" id="{E8BE023E-5495-3EBA-36FF-421C28035DF3}"/>
-                </a:ext>
-              </a:extLst>
-            </p:cNvPr>
-            <p:cNvSpPr/>
-            <p:nvPr/>
-          </p:nvSpPr>
-          <p:spPr>
-            <a:xfrm>
-              <a:off x="2709556" y="3041110"/>
-              <a:ext cx="136525" cy="110489"/>
-            </a:xfrm>
-            <a:custGeom>
-              <a:avLst/>
-              <a:gdLst/>
-              <a:ahLst/>
-              <a:cxnLst/>
-              <a:rect l="l" t="t" r="r" b="b"/>
-              <a:pathLst>
-                <a:path w="136525" h="110489">
-                  <a:moveTo>
-                    <a:pt x="51954" y="0"/>
-                  </a:moveTo>
-                  <a:lnTo>
-                    <a:pt x="0" y="110295"/>
-                  </a:lnTo>
-                  <a:lnTo>
-                    <a:pt x="136273" y="107102"/>
-                  </a:lnTo>
-                  <a:lnTo>
-                    <a:pt x="51954" y="0"/>
-                  </a:lnTo>
-                  <a:close/>
-                </a:path>
-              </a:pathLst>
-            </a:custGeom>
-            <a:solidFill>
-              <a:srgbClr val="0365C0"/>
-            </a:solidFill>
-          </p:spPr>
-          <p:txBody>
-            <a:bodyPr wrap="square" lIns="0" tIns="0" rIns="0" bIns="0" rtlCol="0"/>
-            <a:lstStyle/>
-            <a:p>
-              <a:pPr marL="0" marR="0" lvl="0" indent="0" defTabSz="914400" eaLnBrk="1" fontAlgn="auto" latinLnBrk="0" hangingPunct="1">
-                <a:lnSpc>
-                  <a:spcPct val="100000"/>
-                </a:lnSpc>
-                <a:spcBef>
-                  <a:spcPts val="0"/>
-                </a:spcBef>
-                <a:spcAft>
-                  <a:spcPts val="0"/>
-                </a:spcAft>
-                <a:buClrTx/>
-                <a:buSzTx/>
-                <a:buFontTx/>
-                <a:buNone/>
-                <a:tabLst/>
-                <a:defRPr/>
-              </a:pPr>
-              <a:endParaRPr kumimoji="0" sz="1800" b="0" i="0" u="none" strike="noStrike" kern="0" cap="none" spc="0" normalizeH="0" baseline="0" noProof="0">
-                <a:ln>
-                  <a:noFill/>
-                </a:ln>
-                <a:solidFill>
-                  <a:sysClr val="windowText" lastClr="000000"/>
-                </a:solidFill>
-                <a:effectLst/>
-                <a:uLnTx/>
-                <a:uFillTx/>
-              </a:endParaRPr>
-            </a:p>
-          </p:txBody>
-        </p:sp>
-        <p:sp>
-          <p:nvSpPr>
-            <p:cNvPr id="18" name="object 17">
-              <a:extLst>
-                <a:ext uri="{FF2B5EF4-FFF2-40B4-BE49-F238E27FC236}">
-                  <a16:creationId xmlns:a16="http://schemas.microsoft.com/office/drawing/2014/main" id="{A6F5D1F2-71D0-DEB9-A4BA-A1AE39AF4E6B}"/>
-                </a:ext>
-              </a:extLst>
-            </p:cNvPr>
-            <p:cNvSpPr/>
-            <p:nvPr/>
-          </p:nvSpPr>
-          <p:spPr>
-            <a:xfrm>
-              <a:off x="1038861" y="2791617"/>
-              <a:ext cx="0" cy="241935"/>
-            </a:xfrm>
-            <a:custGeom>
-              <a:avLst/>
-              <a:gdLst/>
-              <a:ahLst/>
-              <a:cxnLst/>
-              <a:rect l="l" t="t" r="r" b="b"/>
-              <a:pathLst>
-                <a:path h="241935">
-                  <a:moveTo>
-                    <a:pt x="0" y="0"/>
-                  </a:moveTo>
-                  <a:lnTo>
-                    <a:pt x="0" y="228741"/>
-                  </a:lnTo>
-                  <a:lnTo>
-                    <a:pt x="0" y="241441"/>
-                  </a:lnTo>
-                </a:path>
-              </a:pathLst>
-            </a:custGeom>
-            <a:ln w="25400">
-              <a:solidFill>
-                <a:srgbClr val="0365C0"/>
-              </a:solidFill>
-            </a:ln>
-          </p:spPr>
-          <p:txBody>
-            <a:bodyPr wrap="square" lIns="0" tIns="0" rIns="0" bIns="0" rtlCol="0"/>
-            <a:lstStyle/>
-            <a:p>
-              <a:pPr marL="0" marR="0" lvl="0" indent="0" defTabSz="914400" eaLnBrk="1" fontAlgn="auto" latinLnBrk="0" hangingPunct="1">
-                <a:lnSpc>
-                  <a:spcPct val="100000"/>
-                </a:lnSpc>
-                <a:spcBef>
-                  <a:spcPts val="0"/>
-                </a:spcBef>
-                <a:spcAft>
-                  <a:spcPts val="0"/>
-                </a:spcAft>
-                <a:buClrTx/>
-                <a:buSzTx/>
-                <a:buFontTx/>
-                <a:buNone/>
-                <a:tabLst/>
-                <a:defRPr/>
-              </a:pPr>
-              <a:endParaRPr kumimoji="0" sz="1800" b="0" i="0" u="none" strike="noStrike" kern="0" cap="none" spc="0" normalizeH="0" baseline="0" noProof="0">
-                <a:ln>
-                  <a:noFill/>
-                </a:ln>
-                <a:solidFill>
-                  <a:sysClr val="windowText" lastClr="000000"/>
-                </a:solidFill>
-                <a:effectLst/>
-                <a:uLnTx/>
-                <a:uFillTx/>
-              </a:endParaRPr>
-            </a:p>
-          </p:txBody>
-        </p:sp>
-        <p:sp>
-          <p:nvSpPr>
-            <p:cNvPr id="19" name="object 18">
-              <a:extLst>
-                <a:ext uri="{FF2B5EF4-FFF2-40B4-BE49-F238E27FC236}">
-                  <a16:creationId xmlns:a16="http://schemas.microsoft.com/office/drawing/2014/main" id="{23707B9F-658D-FC2C-C63B-0A8E42829CC0}"/>
-                </a:ext>
-              </a:extLst>
-            </p:cNvPr>
-            <p:cNvSpPr/>
-            <p:nvPr/>
-          </p:nvSpPr>
-          <p:spPr>
-            <a:xfrm>
-              <a:off x="977901" y="3020358"/>
-              <a:ext cx="121920" cy="121920"/>
-            </a:xfrm>
-            <a:custGeom>
-              <a:avLst/>
-              <a:gdLst/>
-              <a:ahLst/>
-              <a:cxnLst/>
-              <a:rect l="l" t="t" r="r" b="b"/>
-              <a:pathLst>
-                <a:path w="121919" h="121919">
-                  <a:moveTo>
-                    <a:pt x="121920" y="0"/>
-                  </a:moveTo>
-                  <a:lnTo>
-                    <a:pt x="0" y="0"/>
-                  </a:lnTo>
-                  <a:lnTo>
-                    <a:pt x="60960" y="121919"/>
-                  </a:lnTo>
-                  <a:lnTo>
-                    <a:pt x="121920" y="0"/>
-                  </a:lnTo>
-                  <a:close/>
-                </a:path>
-              </a:pathLst>
-            </a:custGeom>
-            <a:solidFill>
-              <a:srgbClr val="0365C0"/>
-            </a:solidFill>
-          </p:spPr>
-          <p:txBody>
-            <a:bodyPr wrap="square" lIns="0" tIns="0" rIns="0" bIns="0" rtlCol="0"/>
-            <a:lstStyle/>
-            <a:p>
-              <a:pPr marL="0" marR="0" lvl="0" indent="0" defTabSz="914400" eaLnBrk="1" fontAlgn="auto" latinLnBrk="0" hangingPunct="1">
-                <a:lnSpc>
-                  <a:spcPct val="100000"/>
-                </a:lnSpc>
-                <a:spcBef>
-                  <a:spcPts val="0"/>
-                </a:spcBef>
-                <a:spcAft>
-                  <a:spcPts val="0"/>
-                </a:spcAft>
-                <a:buClrTx/>
-                <a:buSzTx/>
-                <a:buFontTx/>
-                <a:buNone/>
-                <a:tabLst/>
-                <a:defRPr/>
-              </a:pPr>
-              <a:endParaRPr kumimoji="0" sz="1800" b="0" i="0" u="none" strike="noStrike" kern="0" cap="none" spc="0" normalizeH="0" baseline="0" noProof="0">
-                <a:ln>
-                  <a:noFill/>
-                </a:ln>
-                <a:solidFill>
-                  <a:sysClr val="windowText" lastClr="000000"/>
-                </a:solidFill>
-                <a:effectLst/>
-                <a:uLnTx/>
-                <a:uFillTx/>
-              </a:endParaRPr>
-            </a:p>
-          </p:txBody>
-        </p:sp>
-        <p:sp>
-          <p:nvSpPr>
-            <p:cNvPr id="20" name="object 19">
-              <a:extLst>
-                <a:ext uri="{FF2B5EF4-FFF2-40B4-BE49-F238E27FC236}">
-                  <a16:creationId xmlns:a16="http://schemas.microsoft.com/office/drawing/2014/main" id="{6F31E1D1-E70A-0F4B-F0B4-80A40DF382A3}"/>
-                </a:ext>
-              </a:extLst>
-            </p:cNvPr>
-            <p:cNvSpPr/>
-            <p:nvPr/>
-          </p:nvSpPr>
-          <p:spPr>
-            <a:xfrm>
-              <a:off x="1519717" y="1616429"/>
-              <a:ext cx="3268345" cy="734060"/>
-            </a:xfrm>
-            <a:custGeom>
-              <a:avLst/>
-              <a:gdLst/>
-              <a:ahLst/>
-              <a:cxnLst/>
-              <a:rect l="l" t="t" r="r" b="b"/>
-              <a:pathLst>
-                <a:path w="3268345" h="734060">
-                  <a:moveTo>
-                    <a:pt x="0" y="0"/>
-                  </a:moveTo>
-                  <a:lnTo>
-                    <a:pt x="3255691" y="730800"/>
-                  </a:lnTo>
-                  <a:lnTo>
-                    <a:pt x="3268082" y="733581"/>
-                  </a:lnTo>
-                </a:path>
-              </a:pathLst>
-            </a:custGeom>
-            <a:ln w="25400">
-              <a:solidFill>
-                <a:srgbClr val="0365C0"/>
-              </a:solidFill>
-            </a:ln>
-          </p:spPr>
-          <p:txBody>
-            <a:bodyPr wrap="square" lIns="0" tIns="0" rIns="0" bIns="0" rtlCol="0"/>
-            <a:lstStyle/>
-            <a:p>
-              <a:pPr marL="0" marR="0" lvl="0" indent="0" defTabSz="914400" eaLnBrk="1" fontAlgn="auto" latinLnBrk="0" hangingPunct="1">
-                <a:lnSpc>
-                  <a:spcPct val="100000"/>
-                </a:lnSpc>
-                <a:spcBef>
-                  <a:spcPts val="0"/>
-                </a:spcBef>
-                <a:spcAft>
-                  <a:spcPts val="0"/>
-                </a:spcAft>
-                <a:buClrTx/>
-                <a:buSzTx/>
-                <a:buFontTx/>
-                <a:buNone/>
-                <a:tabLst/>
-                <a:defRPr/>
-              </a:pPr>
-              <a:endParaRPr kumimoji="0" sz="1800" b="0" i="0" u="none" strike="noStrike" kern="0" cap="none" spc="0" normalizeH="0" baseline="0" noProof="0">
-                <a:ln>
-                  <a:noFill/>
-                </a:ln>
-                <a:solidFill>
-                  <a:sysClr val="windowText" lastClr="000000"/>
-                </a:solidFill>
-                <a:effectLst/>
-                <a:uLnTx/>
-                <a:uFillTx/>
-              </a:endParaRPr>
-            </a:p>
-          </p:txBody>
-        </p:sp>
-        <p:sp>
-          <p:nvSpPr>
-            <p:cNvPr id="21" name="object 20">
-              <a:extLst>
-                <a:ext uri="{FF2B5EF4-FFF2-40B4-BE49-F238E27FC236}">
-                  <a16:creationId xmlns:a16="http://schemas.microsoft.com/office/drawing/2014/main" id="{43AF6413-073E-1784-3E72-1049DC4E3F42}"/>
-                </a:ext>
-              </a:extLst>
-            </p:cNvPr>
-            <p:cNvSpPr/>
-            <p:nvPr/>
-          </p:nvSpPr>
-          <p:spPr>
-            <a:xfrm>
-              <a:off x="4762056" y="2287750"/>
-              <a:ext cx="132715" cy="119380"/>
-            </a:xfrm>
-            <a:custGeom>
-              <a:avLst/>
-              <a:gdLst/>
-              <a:ahLst/>
-              <a:cxnLst/>
-              <a:rect l="l" t="t" r="r" b="b"/>
-              <a:pathLst>
-                <a:path w="132714" h="119380">
-                  <a:moveTo>
-                    <a:pt x="26703" y="0"/>
-                  </a:moveTo>
-                  <a:lnTo>
-                    <a:pt x="0" y="118959"/>
-                  </a:lnTo>
-                  <a:lnTo>
-                    <a:pt x="132311" y="86182"/>
-                  </a:lnTo>
-                  <a:lnTo>
-                    <a:pt x="26703" y="0"/>
-                  </a:lnTo>
-                  <a:close/>
-                </a:path>
-              </a:pathLst>
-            </a:custGeom>
-            <a:solidFill>
-              <a:srgbClr val="0365C0"/>
-            </a:solidFill>
-          </p:spPr>
-          <p:txBody>
-            <a:bodyPr wrap="square" lIns="0" tIns="0" rIns="0" bIns="0" rtlCol="0"/>
-            <a:lstStyle/>
-            <a:p>
-              <a:pPr marL="0" marR="0" lvl="0" indent="0" defTabSz="914400" eaLnBrk="1" fontAlgn="auto" latinLnBrk="0" hangingPunct="1">
-                <a:lnSpc>
-                  <a:spcPct val="100000"/>
-                </a:lnSpc>
-                <a:spcBef>
-                  <a:spcPts val="0"/>
-                </a:spcBef>
-                <a:spcAft>
-                  <a:spcPts val="0"/>
-                </a:spcAft>
-                <a:buClrTx/>
-                <a:buSzTx/>
-                <a:buFontTx/>
-                <a:buNone/>
-                <a:tabLst/>
-                <a:defRPr/>
-              </a:pPr>
-              <a:endParaRPr kumimoji="0" sz="1800" b="0" i="0" u="none" strike="noStrike" kern="0" cap="none" spc="0" normalizeH="0" baseline="0" noProof="0">
-                <a:ln>
-                  <a:noFill/>
-                </a:ln>
-                <a:solidFill>
-                  <a:sysClr val="windowText" lastClr="000000"/>
-                </a:solidFill>
-                <a:effectLst/>
-                <a:uLnTx/>
-                <a:uFillTx/>
-              </a:endParaRPr>
-            </a:p>
-          </p:txBody>
-        </p:sp>
-        <p:sp>
-          <p:nvSpPr>
-            <p:cNvPr id="22" name="object 21">
-              <a:extLst>
-                <a:ext uri="{FF2B5EF4-FFF2-40B4-BE49-F238E27FC236}">
-                  <a16:creationId xmlns:a16="http://schemas.microsoft.com/office/drawing/2014/main" id="{F599492D-9841-BFEC-0F5F-25D937E48444}"/>
-                </a:ext>
-              </a:extLst>
-            </p:cNvPr>
-            <p:cNvSpPr/>
-            <p:nvPr/>
-          </p:nvSpPr>
-          <p:spPr>
-            <a:xfrm>
-              <a:off x="5889635" y="2653489"/>
-              <a:ext cx="1101090" cy="488950"/>
-            </a:xfrm>
-            <a:custGeom>
-              <a:avLst/>
-              <a:gdLst/>
-              <a:ahLst/>
-              <a:cxnLst/>
-              <a:rect l="l" t="t" r="r" b="b"/>
-              <a:pathLst>
-                <a:path w="1101090" h="488950">
-                  <a:moveTo>
-                    <a:pt x="0" y="0"/>
-                  </a:moveTo>
-                  <a:lnTo>
-                    <a:pt x="1089318" y="483636"/>
-                  </a:lnTo>
-                  <a:lnTo>
-                    <a:pt x="1100926" y="488790"/>
-                  </a:lnTo>
-                </a:path>
-              </a:pathLst>
-            </a:custGeom>
-            <a:ln w="25399">
-              <a:solidFill>
-                <a:srgbClr val="0365C0"/>
-              </a:solidFill>
-            </a:ln>
-          </p:spPr>
-          <p:txBody>
-            <a:bodyPr wrap="square" lIns="0" tIns="0" rIns="0" bIns="0" rtlCol="0"/>
-            <a:lstStyle/>
-            <a:p>
-              <a:pPr marL="0" marR="0" lvl="0" indent="0" defTabSz="914400" eaLnBrk="1" fontAlgn="auto" latinLnBrk="0" hangingPunct="1">
-                <a:lnSpc>
-                  <a:spcPct val="100000"/>
-                </a:lnSpc>
-                <a:spcBef>
-                  <a:spcPts val="0"/>
-                </a:spcBef>
-                <a:spcAft>
-                  <a:spcPts val="0"/>
-                </a:spcAft>
-                <a:buClrTx/>
-                <a:buSzTx/>
-                <a:buFontTx/>
-                <a:buNone/>
-                <a:tabLst/>
-                <a:defRPr/>
-              </a:pPr>
-              <a:endParaRPr kumimoji="0" sz="1800" b="0" i="0" u="none" strike="noStrike" kern="0" cap="none" spc="0" normalizeH="0" baseline="0" noProof="0">
-                <a:ln>
-                  <a:noFill/>
-                </a:ln>
-                <a:solidFill>
-                  <a:sysClr val="windowText" lastClr="000000"/>
-                </a:solidFill>
-                <a:effectLst/>
-                <a:uLnTx/>
-                <a:uFillTx/>
-              </a:endParaRPr>
-            </a:p>
-          </p:txBody>
-        </p:sp>
-        <p:sp>
-          <p:nvSpPr>
-            <p:cNvPr id="23" name="object 22">
-              <a:extLst>
-                <a:ext uri="{FF2B5EF4-FFF2-40B4-BE49-F238E27FC236}">
-                  <a16:creationId xmlns:a16="http://schemas.microsoft.com/office/drawing/2014/main" id="{E9EE017F-23CB-2CC5-B7FF-881E21D56DB1}"/>
-                </a:ext>
-              </a:extLst>
-            </p:cNvPr>
-            <p:cNvSpPr/>
-            <p:nvPr/>
-          </p:nvSpPr>
-          <p:spPr>
-            <a:xfrm>
-              <a:off x="6954217" y="3081411"/>
-              <a:ext cx="136525" cy="111760"/>
-            </a:xfrm>
-            <a:custGeom>
-              <a:avLst/>
-              <a:gdLst/>
-              <a:ahLst/>
-              <a:cxnLst/>
-              <a:rect l="l" t="t" r="r" b="b"/>
-              <a:pathLst>
-                <a:path w="136525" h="111760">
-                  <a:moveTo>
-                    <a:pt x="49472" y="0"/>
-                  </a:moveTo>
-                  <a:lnTo>
-                    <a:pt x="0" y="111431"/>
-                  </a:lnTo>
-                  <a:lnTo>
-                    <a:pt x="136166" y="105189"/>
-                  </a:lnTo>
-                  <a:lnTo>
-                    <a:pt x="49472" y="0"/>
-                  </a:lnTo>
-                  <a:close/>
-                </a:path>
-              </a:pathLst>
-            </a:custGeom>
-            <a:solidFill>
-              <a:srgbClr val="0365C0"/>
-            </a:solidFill>
-          </p:spPr>
-          <p:txBody>
-            <a:bodyPr wrap="square" lIns="0" tIns="0" rIns="0" bIns="0" rtlCol="0"/>
-            <a:lstStyle/>
-            <a:p>
-              <a:pPr marL="0" marR="0" lvl="0" indent="0" defTabSz="914400" eaLnBrk="1" fontAlgn="auto" latinLnBrk="0" hangingPunct="1">
-                <a:lnSpc>
-                  <a:spcPct val="100000"/>
-                </a:lnSpc>
-                <a:spcBef>
-                  <a:spcPts val="0"/>
-                </a:spcBef>
-                <a:spcAft>
-                  <a:spcPts val="0"/>
-                </a:spcAft>
-                <a:buClrTx/>
-                <a:buSzTx/>
-                <a:buFontTx/>
-                <a:buNone/>
-                <a:tabLst/>
-                <a:defRPr/>
-              </a:pPr>
-              <a:endParaRPr kumimoji="0" sz="1800" b="0" i="0" u="none" strike="noStrike" kern="0" cap="none" spc="0" normalizeH="0" baseline="0" noProof="0">
-                <a:ln>
-                  <a:noFill/>
-                </a:ln>
-                <a:solidFill>
-                  <a:sysClr val="windowText" lastClr="000000"/>
-                </a:solidFill>
-                <a:effectLst/>
-                <a:uLnTx/>
-                <a:uFillTx/>
-              </a:endParaRPr>
-            </a:p>
-          </p:txBody>
-        </p:sp>
-        <p:sp>
-          <p:nvSpPr>
-            <p:cNvPr id="24" name="object 23">
-              <a:extLst>
-                <a:ext uri="{FF2B5EF4-FFF2-40B4-BE49-F238E27FC236}">
-                  <a16:creationId xmlns:a16="http://schemas.microsoft.com/office/drawing/2014/main" id="{6A48C8E6-5CD6-8975-FD5E-BAE519200EE8}"/>
-                </a:ext>
-              </a:extLst>
-            </p:cNvPr>
-            <p:cNvSpPr/>
-            <p:nvPr/>
-          </p:nvSpPr>
-          <p:spPr>
-            <a:xfrm>
-              <a:off x="5372655" y="2791617"/>
-              <a:ext cx="0" cy="241935"/>
-            </a:xfrm>
-            <a:custGeom>
-              <a:avLst/>
-              <a:gdLst/>
-              <a:ahLst/>
-              <a:cxnLst/>
-              <a:rect l="l" t="t" r="r" b="b"/>
-              <a:pathLst>
-                <a:path h="241935">
-                  <a:moveTo>
-                    <a:pt x="0" y="0"/>
-                  </a:moveTo>
-                  <a:lnTo>
-                    <a:pt x="0" y="228741"/>
-                  </a:lnTo>
-                  <a:lnTo>
-                    <a:pt x="0" y="241441"/>
-                  </a:lnTo>
-                </a:path>
-              </a:pathLst>
-            </a:custGeom>
-            <a:ln w="25400">
-              <a:solidFill>
-                <a:srgbClr val="0365C0"/>
-              </a:solidFill>
-            </a:ln>
-          </p:spPr>
-          <p:txBody>
-            <a:bodyPr wrap="square" lIns="0" tIns="0" rIns="0" bIns="0" rtlCol="0"/>
-            <a:lstStyle/>
-            <a:p>
-              <a:pPr marL="0" marR="0" lvl="0" indent="0" defTabSz="914400" eaLnBrk="1" fontAlgn="auto" latinLnBrk="0" hangingPunct="1">
-                <a:lnSpc>
-                  <a:spcPct val="100000"/>
-                </a:lnSpc>
-                <a:spcBef>
-                  <a:spcPts val="0"/>
-                </a:spcBef>
-                <a:spcAft>
-                  <a:spcPts val="0"/>
-                </a:spcAft>
-                <a:buClrTx/>
-                <a:buSzTx/>
-                <a:buFontTx/>
-                <a:buNone/>
-                <a:tabLst/>
-                <a:defRPr/>
-              </a:pPr>
-              <a:endParaRPr kumimoji="0" sz="1800" b="0" i="0" u="none" strike="noStrike" kern="0" cap="none" spc="0" normalizeH="0" baseline="0" noProof="0">
-                <a:ln>
-                  <a:noFill/>
-                </a:ln>
-                <a:solidFill>
-                  <a:sysClr val="windowText" lastClr="000000"/>
-                </a:solidFill>
-                <a:effectLst/>
-                <a:uLnTx/>
-                <a:uFillTx/>
-              </a:endParaRPr>
-            </a:p>
-          </p:txBody>
-        </p:sp>
-        <p:sp>
-          <p:nvSpPr>
-            <p:cNvPr id="25" name="object 24">
-              <a:extLst>
-                <a:ext uri="{FF2B5EF4-FFF2-40B4-BE49-F238E27FC236}">
-                  <a16:creationId xmlns:a16="http://schemas.microsoft.com/office/drawing/2014/main" id="{651292AF-FC44-7366-0D8C-162DEDA31AD8}"/>
-                </a:ext>
-              </a:extLst>
-            </p:cNvPr>
-            <p:cNvSpPr/>
-            <p:nvPr/>
-          </p:nvSpPr>
-          <p:spPr>
-            <a:xfrm>
-              <a:off x="5311695" y="3020358"/>
-              <a:ext cx="121920" cy="121920"/>
-            </a:xfrm>
-            <a:custGeom>
-              <a:avLst/>
-              <a:gdLst/>
-              <a:ahLst/>
-              <a:cxnLst/>
-              <a:rect l="l" t="t" r="r" b="b"/>
-              <a:pathLst>
-                <a:path w="121920" h="121919">
-                  <a:moveTo>
-                    <a:pt x="121920" y="0"/>
-                  </a:moveTo>
-                  <a:lnTo>
-                    <a:pt x="0" y="0"/>
-                  </a:lnTo>
-                  <a:lnTo>
-                    <a:pt x="60960" y="121919"/>
-                  </a:lnTo>
-                  <a:lnTo>
-                    <a:pt x="121920" y="0"/>
-                  </a:lnTo>
-                  <a:close/>
-                </a:path>
-              </a:pathLst>
-            </a:custGeom>
-            <a:solidFill>
-              <a:srgbClr val="0365C0"/>
-            </a:solidFill>
-          </p:spPr>
-          <p:txBody>
-            <a:bodyPr wrap="square" lIns="0" tIns="0" rIns="0" bIns="0" rtlCol="0"/>
-            <a:lstStyle/>
-            <a:p>
-              <a:pPr marL="0" marR="0" lvl="0" indent="0" defTabSz="914400" eaLnBrk="1" fontAlgn="auto" latinLnBrk="0" hangingPunct="1">
-                <a:lnSpc>
-                  <a:spcPct val="100000"/>
-                </a:lnSpc>
-                <a:spcBef>
-                  <a:spcPts val="0"/>
-                </a:spcBef>
-                <a:spcAft>
-                  <a:spcPts val="0"/>
-                </a:spcAft>
-                <a:buClrTx/>
-                <a:buSzTx/>
-                <a:buFontTx/>
-                <a:buNone/>
-                <a:tabLst/>
-                <a:defRPr/>
-              </a:pPr>
-              <a:endParaRPr kumimoji="0" sz="1800" b="0" i="0" u="none" strike="noStrike" kern="0" cap="none" spc="0" normalizeH="0" baseline="0" noProof="0">
-                <a:ln>
-                  <a:noFill/>
-                </a:ln>
-                <a:solidFill>
-                  <a:sysClr val="windowText" lastClr="000000"/>
-                </a:solidFill>
-                <a:effectLst/>
-                <a:uLnTx/>
-                <a:uFillTx/>
-              </a:endParaRPr>
-            </a:p>
-          </p:txBody>
-        </p:sp>
-      </p:grpSp>
-      <p:sp>
-        <p:nvSpPr>
-          <p:cNvPr id="26" name="object 25">
-            <a:extLst>
-              <a:ext uri="{FF2B5EF4-FFF2-40B4-BE49-F238E27FC236}">
-                <a16:creationId xmlns:a16="http://schemas.microsoft.com/office/drawing/2014/main" id="{5B564B91-2EF9-49C6-F58D-750E2C667716}"/>
-              </a:ext>
-            </a:extLst>
-          </p:cNvPr>
-          <p:cNvSpPr/>
-          <p:nvPr/>
-        </p:nvSpPr>
-        <p:spPr>
-          <a:xfrm>
-            <a:off x="105230" y="4247983"/>
-            <a:ext cx="926465" cy="424815"/>
-          </a:xfrm>
-          <a:custGeom>
-            <a:avLst/>
-            <a:gdLst/>
-            <a:ahLst/>
-            <a:cxnLst/>
-            <a:rect l="l" t="t" r="r" b="b"/>
-            <a:pathLst>
-              <a:path w="926465" h="424814">
-                <a:moveTo>
-                  <a:pt x="212419" y="0"/>
-                </a:moveTo>
-                <a:lnTo>
-                  <a:pt x="713963" y="0"/>
-                </a:lnTo>
-                <a:lnTo>
-                  <a:pt x="756232" y="162"/>
-                </a:lnTo>
-                <a:lnTo>
-                  <a:pt x="817395" y="4390"/>
-                </a:lnTo>
-                <a:lnTo>
-                  <a:pt x="864038" y="22957"/>
-                </a:lnTo>
-                <a:lnTo>
-                  <a:pt x="903425" y="62344"/>
-                </a:lnTo>
-                <a:lnTo>
-                  <a:pt x="921989" y="108975"/>
-                </a:lnTo>
-                <a:lnTo>
-                  <a:pt x="926219" y="170115"/>
-                </a:lnTo>
-                <a:lnTo>
-                  <a:pt x="926382" y="212336"/>
-                </a:lnTo>
-                <a:lnTo>
-                  <a:pt x="926219" y="254556"/>
-                </a:lnTo>
-                <a:lnTo>
-                  <a:pt x="921989" y="315697"/>
-                </a:lnTo>
-                <a:lnTo>
-                  <a:pt x="903425" y="362328"/>
-                </a:lnTo>
-                <a:lnTo>
-                  <a:pt x="864038" y="401715"/>
-                </a:lnTo>
-                <a:lnTo>
-                  <a:pt x="817395" y="420281"/>
-                </a:lnTo>
-                <a:lnTo>
-                  <a:pt x="756232" y="424509"/>
-                </a:lnTo>
-                <a:lnTo>
-                  <a:pt x="713963" y="424672"/>
-                </a:lnTo>
-                <a:lnTo>
-                  <a:pt x="212419" y="424672"/>
-                </a:lnTo>
-                <a:lnTo>
-                  <a:pt x="170150" y="424509"/>
-                </a:lnTo>
-                <a:lnTo>
-                  <a:pt x="108986" y="420281"/>
-                </a:lnTo>
-                <a:lnTo>
-                  <a:pt x="62344" y="401715"/>
-                </a:lnTo>
-                <a:lnTo>
-                  <a:pt x="22957" y="362328"/>
-                </a:lnTo>
-                <a:lnTo>
-                  <a:pt x="4392" y="315697"/>
-                </a:lnTo>
-                <a:lnTo>
-                  <a:pt x="163" y="254556"/>
-                </a:lnTo>
-                <a:lnTo>
-                  <a:pt x="0" y="212336"/>
-                </a:lnTo>
-                <a:lnTo>
-                  <a:pt x="163" y="170115"/>
-                </a:lnTo>
-                <a:lnTo>
-                  <a:pt x="4392" y="108975"/>
-                </a:lnTo>
-                <a:lnTo>
-                  <a:pt x="22957" y="62344"/>
-                </a:lnTo>
-                <a:lnTo>
-                  <a:pt x="62344" y="22957"/>
-                </a:lnTo>
-                <a:lnTo>
-                  <a:pt x="108986" y="4390"/>
-                </a:lnTo>
-                <a:lnTo>
-                  <a:pt x="170150" y="162"/>
-                </a:lnTo>
-                <a:lnTo>
-                  <a:pt x="212419" y="0"/>
-                </a:lnTo>
-                <a:close/>
-              </a:path>
-            </a:pathLst>
-          </a:custGeom>
-          <a:ln w="25400">
-            <a:solidFill>
-              <a:srgbClr val="0365C0"/>
-            </a:solidFill>
-          </a:ln>
-        </p:spPr>
-        <p:txBody>
-          <a:bodyPr wrap="square" lIns="0" tIns="0" rIns="0" bIns="0" rtlCol="0"/>
           <a:lstStyle/>
           <a:p>
             <a:pPr marL="0" marR="0" lvl="0" indent="0" defTabSz="914400" eaLnBrk="1" fontAlgn="auto" latinLnBrk="0" hangingPunct="1">
@@ -38499,2451 +36374,36 @@
               <a:tabLst/>
               <a:defRPr/>
             </a:pPr>
-            <a:endParaRPr kumimoji="0" sz="1800" b="0" i="0" u="none" strike="noStrike" kern="0" cap="none" spc="0" normalizeH="0" baseline="0" noProof="0">
+            <a:r>
+              <a:rPr kumimoji="0" lang="en-US" altLang="zh-CN" sz="2800" b="0" i="0" u="none" strike="noStrike" kern="0" cap="none" spc="0" normalizeH="0" baseline="0" noProof="0" dirty="0">
+                <a:ln>
+                  <a:noFill/>
+                </a:ln>
+                <a:solidFill>
+                  <a:prstClr val="white"/>
+                </a:solidFill>
+                <a:effectLst/>
+                <a:uLnTx/>
+                <a:uFillTx/>
+                <a:latin typeface="Calibri" panose="020F0502020204030204"/>
+                <a:ea typeface="+mn-ea"/>
+                <a:cs typeface="+mn-cs"/>
+              </a:rPr>
+              <a:t>OPTIONAL</a:t>
+            </a:r>
+            <a:endParaRPr kumimoji="0" lang="en-SE" sz="2800" b="0" i="0" u="none" strike="noStrike" kern="0" cap="none" spc="0" normalizeH="0" baseline="0" noProof="0" dirty="0">
               <a:ln>
                 <a:noFill/>
               </a:ln>
               <a:solidFill>
-                <a:sysClr val="windowText" lastClr="000000"/>
+                <a:prstClr val="white"/>
               </a:solidFill>
               <a:effectLst/>
               <a:uLnTx/>
               <a:uFillTx/>
-            </a:endParaRPr>
-          </a:p>
-        </p:txBody>
-      </p:sp>
-      <p:sp>
-        <p:nvSpPr>
-          <p:cNvPr id="27" name="object 26">
-            <a:extLst>
-              <a:ext uri="{FF2B5EF4-FFF2-40B4-BE49-F238E27FC236}">
-                <a16:creationId xmlns:a16="http://schemas.microsoft.com/office/drawing/2014/main" id="{744537D7-F180-8334-6BA5-596C837D91D4}"/>
-              </a:ext>
-            </a:extLst>
-          </p:cNvPr>
-          <p:cNvSpPr txBox="1"/>
-          <p:nvPr/>
-        </p:nvSpPr>
-        <p:spPr>
-          <a:xfrm>
-            <a:off x="-387620" y="4300187"/>
-            <a:ext cx="1285240" cy="299720"/>
-          </a:xfrm>
-          <a:prstGeom prst="rect">
-            <a:avLst/>
-          </a:prstGeom>
-        </p:spPr>
-        <p:txBody>
-          <a:bodyPr vert="horz" wrap="square" lIns="0" tIns="12700" rIns="0" bIns="0" rtlCol="0">
-            <a:spAutoFit/>
-          </a:bodyPr>
-          <a:lstStyle/>
-          <a:p>
-            <a:pPr marL="12700" eaLnBrk="1" fontAlgn="auto" hangingPunct="1">
-              <a:spcBef>
-                <a:spcPts val="100"/>
-              </a:spcBef>
-              <a:spcAft>
-                <a:spcPts val="0"/>
-              </a:spcAft>
-              <a:tabLst>
-                <a:tab pos="636270" algn="l"/>
-              </a:tabLst>
-            </a:pPr>
-            <a:r>
-              <a:rPr lang="en-GB" b="0" kern="0" dirty="0">
-                <a:solidFill>
-                  <a:sysClr val="windowText" lastClr="000000"/>
-                </a:solidFill>
-                <a:latin typeface="Arial MT"/>
-                <a:cs typeface="Arial MT"/>
-              </a:rPr>
-              <a:t>	</a:t>
-            </a:r>
-            <a:r>
-              <a:rPr lang="en-GB" sz="2700" b="0" kern="0" spc="-15" baseline="1543" dirty="0">
-                <a:solidFill>
-                  <a:sysClr val="windowText" lastClr="000000"/>
-                </a:solidFill>
-                <a:latin typeface="Arial MT"/>
-                <a:cs typeface="Arial MT"/>
-              </a:rPr>
-              <a:t>59101</a:t>
-            </a:r>
-            <a:endParaRPr sz="2700" b="0" kern="0" baseline="1543" dirty="0">
-              <a:solidFill>
-                <a:sysClr val="windowText" lastClr="000000"/>
-              </a:solidFill>
-              <a:latin typeface="Arial MT"/>
-              <a:cs typeface="Arial MT"/>
-            </a:endParaRPr>
-          </a:p>
-        </p:txBody>
-      </p:sp>
-      <p:sp>
-        <p:nvSpPr>
-          <p:cNvPr id="28" name="object 27">
-            <a:extLst>
-              <a:ext uri="{FF2B5EF4-FFF2-40B4-BE49-F238E27FC236}">
-                <a16:creationId xmlns:a16="http://schemas.microsoft.com/office/drawing/2014/main" id="{AFEBA6DA-026F-6F0B-6373-735B1A61CDFB}"/>
-              </a:ext>
-            </a:extLst>
-          </p:cNvPr>
-          <p:cNvSpPr/>
-          <p:nvPr/>
-        </p:nvSpPr>
-        <p:spPr>
-          <a:xfrm>
-            <a:off x="2272126" y="4295919"/>
-            <a:ext cx="926465" cy="424815"/>
-          </a:xfrm>
-          <a:custGeom>
-            <a:avLst/>
-            <a:gdLst/>
-            <a:ahLst/>
-            <a:cxnLst/>
-            <a:rect l="l" t="t" r="r" b="b"/>
-            <a:pathLst>
-              <a:path w="926464" h="424814">
-                <a:moveTo>
-                  <a:pt x="212419" y="0"/>
-                </a:moveTo>
-                <a:lnTo>
-                  <a:pt x="713963" y="0"/>
-                </a:lnTo>
-                <a:lnTo>
-                  <a:pt x="756232" y="162"/>
-                </a:lnTo>
-                <a:lnTo>
-                  <a:pt x="817395" y="4390"/>
-                </a:lnTo>
-                <a:lnTo>
-                  <a:pt x="864038" y="22957"/>
-                </a:lnTo>
-                <a:lnTo>
-                  <a:pt x="903425" y="62344"/>
-                </a:lnTo>
-                <a:lnTo>
-                  <a:pt x="921989" y="108975"/>
-                </a:lnTo>
-                <a:lnTo>
-                  <a:pt x="926219" y="170115"/>
-                </a:lnTo>
-                <a:lnTo>
-                  <a:pt x="926382" y="212336"/>
-                </a:lnTo>
-                <a:lnTo>
-                  <a:pt x="926219" y="254556"/>
-                </a:lnTo>
-                <a:lnTo>
-                  <a:pt x="921989" y="315697"/>
-                </a:lnTo>
-                <a:lnTo>
-                  <a:pt x="903425" y="362328"/>
-                </a:lnTo>
-                <a:lnTo>
-                  <a:pt x="864038" y="401715"/>
-                </a:lnTo>
-                <a:lnTo>
-                  <a:pt x="817395" y="420281"/>
-                </a:lnTo>
-                <a:lnTo>
-                  <a:pt x="756232" y="424509"/>
-                </a:lnTo>
-                <a:lnTo>
-                  <a:pt x="713963" y="424672"/>
-                </a:lnTo>
-                <a:lnTo>
-                  <a:pt x="212419" y="424672"/>
-                </a:lnTo>
-                <a:lnTo>
-                  <a:pt x="170150" y="424509"/>
-                </a:lnTo>
-                <a:lnTo>
-                  <a:pt x="108986" y="420281"/>
-                </a:lnTo>
-                <a:lnTo>
-                  <a:pt x="62344" y="401715"/>
-                </a:lnTo>
-                <a:lnTo>
-                  <a:pt x="22957" y="362328"/>
-                </a:lnTo>
-                <a:lnTo>
-                  <a:pt x="4392" y="315697"/>
-                </a:lnTo>
-                <a:lnTo>
-                  <a:pt x="163" y="254556"/>
-                </a:lnTo>
-                <a:lnTo>
-                  <a:pt x="0" y="212336"/>
-                </a:lnTo>
-                <a:lnTo>
-                  <a:pt x="163" y="170115"/>
-                </a:lnTo>
-                <a:lnTo>
-                  <a:pt x="4392" y="108975"/>
-                </a:lnTo>
-                <a:lnTo>
-                  <a:pt x="22957" y="62344"/>
-                </a:lnTo>
-                <a:lnTo>
-                  <a:pt x="62344" y="22957"/>
-                </a:lnTo>
-                <a:lnTo>
-                  <a:pt x="108986" y="4390"/>
-                </a:lnTo>
-                <a:lnTo>
-                  <a:pt x="170150" y="162"/>
-                </a:lnTo>
-                <a:lnTo>
-                  <a:pt x="212419" y="0"/>
-                </a:lnTo>
-                <a:close/>
-              </a:path>
-            </a:pathLst>
-          </a:custGeom>
-          <a:ln w="25400">
-            <a:solidFill>
-              <a:srgbClr val="0365C0"/>
-            </a:solidFill>
-          </a:ln>
-        </p:spPr>
-        <p:txBody>
-          <a:bodyPr wrap="square" lIns="0" tIns="0" rIns="0" bIns="0" rtlCol="0"/>
-          <a:lstStyle/>
-          <a:p>
-            <a:pPr eaLnBrk="1" fontAlgn="auto" hangingPunct="1">
-              <a:spcBef>
-                <a:spcPts val="0"/>
-              </a:spcBef>
-              <a:spcAft>
-                <a:spcPts val="0"/>
-              </a:spcAft>
-            </a:pPr>
-            <a:endParaRPr b="0" kern="0">
-              <a:solidFill>
-                <a:sysClr val="windowText" lastClr="000000"/>
-              </a:solidFill>
-            </a:endParaRPr>
-          </a:p>
-        </p:txBody>
-      </p:sp>
-      <p:sp>
-        <p:nvSpPr>
-          <p:cNvPr id="29" name="object 28">
-            <a:extLst>
-              <a:ext uri="{FF2B5EF4-FFF2-40B4-BE49-F238E27FC236}">
-                <a16:creationId xmlns:a16="http://schemas.microsoft.com/office/drawing/2014/main" id="{4AD200EF-0540-C376-5FDC-3F495651F661}"/>
-              </a:ext>
-            </a:extLst>
-          </p:cNvPr>
-          <p:cNvSpPr txBox="1"/>
-          <p:nvPr/>
-        </p:nvSpPr>
-        <p:spPr>
-          <a:xfrm>
-            <a:off x="2402905" y="4341596"/>
-            <a:ext cx="661670" cy="299720"/>
-          </a:xfrm>
-          <a:prstGeom prst="rect">
-            <a:avLst/>
-          </a:prstGeom>
-        </p:spPr>
-        <p:txBody>
-          <a:bodyPr vert="horz" wrap="square" lIns="0" tIns="12700" rIns="0" bIns="0" rtlCol="0">
-            <a:spAutoFit/>
-          </a:bodyPr>
-          <a:lstStyle/>
-          <a:p>
-            <a:pPr marL="12700" eaLnBrk="1" fontAlgn="auto" hangingPunct="1">
-              <a:spcBef>
-                <a:spcPts val="100"/>
-              </a:spcBef>
-              <a:spcAft>
-                <a:spcPts val="0"/>
-              </a:spcAft>
-            </a:pPr>
-            <a:r>
-              <a:rPr b="0" kern="0" spc="-10" dirty="0">
-                <a:solidFill>
-                  <a:sysClr val="windowText" lastClr="000000"/>
-                </a:solidFill>
-                <a:latin typeface="Arial MT"/>
-                <a:cs typeface="Arial MT"/>
-              </a:rPr>
-              <a:t>59103</a:t>
-            </a:r>
-            <a:endParaRPr b="0" kern="0" dirty="0">
-              <a:solidFill>
-                <a:sysClr val="windowText" lastClr="000000"/>
-              </a:solidFill>
-              <a:latin typeface="Arial MT"/>
-              <a:cs typeface="Arial MT"/>
-            </a:endParaRPr>
-          </a:p>
-        </p:txBody>
-      </p:sp>
-      <p:sp>
-        <p:nvSpPr>
-          <p:cNvPr id="30" name="object 34">
-            <a:extLst>
-              <a:ext uri="{FF2B5EF4-FFF2-40B4-BE49-F238E27FC236}">
-                <a16:creationId xmlns:a16="http://schemas.microsoft.com/office/drawing/2014/main" id="{CDFA2AD0-4382-37CF-9AAA-BE17643BA3FD}"/>
-              </a:ext>
-            </a:extLst>
-          </p:cNvPr>
-          <p:cNvSpPr/>
-          <p:nvPr/>
-        </p:nvSpPr>
-        <p:spPr>
-          <a:xfrm>
-            <a:off x="6298328" y="4268267"/>
-            <a:ext cx="926465" cy="424815"/>
-          </a:xfrm>
-          <a:custGeom>
-            <a:avLst/>
-            <a:gdLst/>
-            <a:ahLst/>
-            <a:cxnLst/>
-            <a:rect l="l" t="t" r="r" b="b"/>
-            <a:pathLst>
-              <a:path w="926465" h="424814">
-                <a:moveTo>
-                  <a:pt x="212419" y="0"/>
-                </a:moveTo>
-                <a:lnTo>
-                  <a:pt x="713963" y="0"/>
-                </a:lnTo>
-                <a:lnTo>
-                  <a:pt x="756232" y="162"/>
-                </a:lnTo>
-                <a:lnTo>
-                  <a:pt x="817395" y="4390"/>
-                </a:lnTo>
-                <a:lnTo>
-                  <a:pt x="864038" y="22957"/>
-                </a:lnTo>
-                <a:lnTo>
-                  <a:pt x="903425" y="62344"/>
-                </a:lnTo>
-                <a:lnTo>
-                  <a:pt x="921989" y="108975"/>
-                </a:lnTo>
-                <a:lnTo>
-                  <a:pt x="926219" y="170115"/>
-                </a:lnTo>
-                <a:lnTo>
-                  <a:pt x="926382" y="212336"/>
-                </a:lnTo>
-                <a:lnTo>
-                  <a:pt x="926219" y="254556"/>
-                </a:lnTo>
-                <a:lnTo>
-                  <a:pt x="921989" y="315697"/>
-                </a:lnTo>
-                <a:lnTo>
-                  <a:pt x="903425" y="362328"/>
-                </a:lnTo>
-                <a:lnTo>
-                  <a:pt x="864038" y="401715"/>
-                </a:lnTo>
-                <a:lnTo>
-                  <a:pt x="817395" y="420281"/>
-                </a:lnTo>
-                <a:lnTo>
-                  <a:pt x="756232" y="424509"/>
-                </a:lnTo>
-                <a:lnTo>
-                  <a:pt x="713963" y="424672"/>
-                </a:lnTo>
-                <a:lnTo>
-                  <a:pt x="212419" y="424672"/>
-                </a:lnTo>
-                <a:lnTo>
-                  <a:pt x="170150" y="424509"/>
-                </a:lnTo>
-                <a:lnTo>
-                  <a:pt x="108986" y="420281"/>
-                </a:lnTo>
-                <a:lnTo>
-                  <a:pt x="62344" y="401715"/>
-                </a:lnTo>
-                <a:lnTo>
-                  <a:pt x="22957" y="362328"/>
-                </a:lnTo>
-                <a:lnTo>
-                  <a:pt x="4392" y="315697"/>
-                </a:lnTo>
-                <a:lnTo>
-                  <a:pt x="163" y="254556"/>
-                </a:lnTo>
-                <a:lnTo>
-                  <a:pt x="0" y="212336"/>
-                </a:lnTo>
-                <a:lnTo>
-                  <a:pt x="163" y="170115"/>
-                </a:lnTo>
-                <a:lnTo>
-                  <a:pt x="4392" y="108975"/>
-                </a:lnTo>
-                <a:lnTo>
-                  <a:pt x="22957" y="62344"/>
-                </a:lnTo>
-                <a:lnTo>
-                  <a:pt x="62344" y="22957"/>
-                </a:lnTo>
-                <a:lnTo>
-                  <a:pt x="108986" y="4390"/>
-                </a:lnTo>
-                <a:lnTo>
-                  <a:pt x="170150" y="162"/>
-                </a:lnTo>
-                <a:lnTo>
-                  <a:pt x="212419" y="0"/>
-                </a:lnTo>
-                <a:close/>
-              </a:path>
-            </a:pathLst>
-          </a:custGeom>
-          <a:ln w="25400">
-            <a:solidFill>
-              <a:srgbClr val="0365C0"/>
-            </a:solidFill>
-          </a:ln>
-        </p:spPr>
-        <p:txBody>
-          <a:bodyPr wrap="square" lIns="0" tIns="0" rIns="0" bIns="0" rtlCol="0"/>
-          <a:lstStyle/>
-          <a:p>
-            <a:pPr marL="0" marR="0" lvl="0" indent="0" defTabSz="914400" eaLnBrk="1" fontAlgn="auto" latinLnBrk="0" hangingPunct="1">
-              <a:lnSpc>
-                <a:spcPct val="100000"/>
-              </a:lnSpc>
-              <a:spcBef>
-                <a:spcPts val="0"/>
-              </a:spcBef>
-              <a:spcAft>
-                <a:spcPts val="0"/>
-              </a:spcAft>
-              <a:buClrTx/>
-              <a:buSzTx/>
-              <a:buFontTx/>
-              <a:buNone/>
-              <a:tabLst/>
-              <a:defRPr/>
-            </a:pPr>
-            <a:endParaRPr kumimoji="0" sz="1800" b="0" i="0" u="none" strike="noStrike" kern="0" cap="none" spc="0" normalizeH="0" baseline="0" noProof="0">
-              <a:ln>
-                <a:noFill/>
-              </a:ln>
-              <a:solidFill>
-                <a:sysClr val="windowText" lastClr="000000"/>
-              </a:solidFill>
-              <a:effectLst/>
-              <a:uLnTx/>
-              <a:uFillTx/>
-            </a:endParaRPr>
-          </a:p>
-        </p:txBody>
-      </p:sp>
-      <p:sp>
-        <p:nvSpPr>
-          <p:cNvPr id="31" name="object 35">
-            <a:extLst>
-              <a:ext uri="{FF2B5EF4-FFF2-40B4-BE49-F238E27FC236}">
-                <a16:creationId xmlns:a16="http://schemas.microsoft.com/office/drawing/2014/main" id="{CB2B715C-3CFE-D3FB-AE28-4D83DD8A22CF}"/>
-              </a:ext>
-            </a:extLst>
-          </p:cNvPr>
-          <p:cNvSpPr txBox="1"/>
-          <p:nvPr/>
-        </p:nvSpPr>
-        <p:spPr>
-          <a:xfrm>
-            <a:off x="6429107" y="4313944"/>
-            <a:ext cx="661670" cy="299720"/>
-          </a:xfrm>
-          <a:prstGeom prst="rect">
-            <a:avLst/>
-          </a:prstGeom>
-        </p:spPr>
-        <p:txBody>
-          <a:bodyPr vert="horz" wrap="square" lIns="0" tIns="12700" rIns="0" bIns="0" rtlCol="0">
-            <a:spAutoFit/>
-          </a:bodyPr>
-          <a:lstStyle/>
-          <a:p>
-            <a:pPr marL="12700" eaLnBrk="1" fontAlgn="auto" hangingPunct="1">
-              <a:spcBef>
-                <a:spcPts val="100"/>
-              </a:spcBef>
-              <a:spcAft>
-                <a:spcPts val="0"/>
-              </a:spcAft>
-            </a:pPr>
-            <a:r>
-              <a:rPr b="0" kern="0" spc="-10" dirty="0">
-                <a:solidFill>
-                  <a:sysClr val="windowText" lastClr="000000"/>
-                </a:solidFill>
-                <a:latin typeface="Arial MT"/>
-                <a:cs typeface="Arial MT"/>
-              </a:rPr>
-              <a:t>5910</a:t>
-            </a:r>
-            <a:r>
-              <a:rPr lang="en-GB" b="0" kern="0" spc="-10" dirty="0">
-                <a:solidFill>
-                  <a:sysClr val="windowText" lastClr="000000"/>
-                </a:solidFill>
-                <a:latin typeface="Arial MT"/>
-                <a:cs typeface="Arial MT"/>
-              </a:rPr>
-              <a:t>4</a:t>
-            </a:r>
-            <a:endParaRPr b="0" kern="0" dirty="0">
-              <a:solidFill>
-                <a:sysClr val="windowText" lastClr="000000"/>
-              </a:solidFill>
-              <a:latin typeface="Arial MT"/>
-              <a:cs typeface="Arial MT"/>
-            </a:endParaRPr>
-          </a:p>
-        </p:txBody>
-      </p:sp>
-      <p:sp>
-        <p:nvSpPr>
-          <p:cNvPr id="32" name="object 36">
-            <a:extLst>
-              <a:ext uri="{FF2B5EF4-FFF2-40B4-BE49-F238E27FC236}">
-                <a16:creationId xmlns:a16="http://schemas.microsoft.com/office/drawing/2014/main" id="{C89232DD-3184-AF43-75CC-0906D179523C}"/>
-              </a:ext>
-            </a:extLst>
-          </p:cNvPr>
-          <p:cNvSpPr/>
-          <p:nvPr/>
-        </p:nvSpPr>
-        <p:spPr>
-          <a:xfrm>
-            <a:off x="4439023" y="4295919"/>
-            <a:ext cx="926465" cy="424815"/>
-          </a:xfrm>
-          <a:custGeom>
-            <a:avLst/>
-            <a:gdLst/>
-            <a:ahLst/>
-            <a:cxnLst/>
-            <a:rect l="l" t="t" r="r" b="b"/>
-            <a:pathLst>
-              <a:path w="926464" h="424814">
-                <a:moveTo>
-                  <a:pt x="212419" y="0"/>
-                </a:moveTo>
-                <a:lnTo>
-                  <a:pt x="713963" y="0"/>
-                </a:lnTo>
-                <a:lnTo>
-                  <a:pt x="756232" y="162"/>
-                </a:lnTo>
-                <a:lnTo>
-                  <a:pt x="817395" y="4390"/>
-                </a:lnTo>
-                <a:lnTo>
-                  <a:pt x="864038" y="22957"/>
-                </a:lnTo>
-                <a:lnTo>
-                  <a:pt x="903425" y="62344"/>
-                </a:lnTo>
-                <a:lnTo>
-                  <a:pt x="921989" y="108975"/>
-                </a:lnTo>
-                <a:lnTo>
-                  <a:pt x="926219" y="170115"/>
-                </a:lnTo>
-                <a:lnTo>
-                  <a:pt x="926382" y="212336"/>
-                </a:lnTo>
-                <a:lnTo>
-                  <a:pt x="926219" y="254556"/>
-                </a:lnTo>
-                <a:lnTo>
-                  <a:pt x="921989" y="315697"/>
-                </a:lnTo>
-                <a:lnTo>
-                  <a:pt x="903425" y="362328"/>
-                </a:lnTo>
-                <a:lnTo>
-                  <a:pt x="864038" y="401715"/>
-                </a:lnTo>
-                <a:lnTo>
-                  <a:pt x="817395" y="420281"/>
-                </a:lnTo>
-                <a:lnTo>
-                  <a:pt x="756232" y="424509"/>
-                </a:lnTo>
-                <a:lnTo>
-                  <a:pt x="713963" y="424672"/>
-                </a:lnTo>
-                <a:lnTo>
-                  <a:pt x="212419" y="424672"/>
-                </a:lnTo>
-                <a:lnTo>
-                  <a:pt x="170150" y="424509"/>
-                </a:lnTo>
-                <a:lnTo>
-                  <a:pt x="108986" y="420281"/>
-                </a:lnTo>
-                <a:lnTo>
-                  <a:pt x="62344" y="401715"/>
-                </a:lnTo>
-                <a:lnTo>
-                  <a:pt x="22957" y="362328"/>
-                </a:lnTo>
-                <a:lnTo>
-                  <a:pt x="4392" y="315697"/>
-                </a:lnTo>
-                <a:lnTo>
-                  <a:pt x="163" y="254556"/>
-                </a:lnTo>
-                <a:lnTo>
-                  <a:pt x="0" y="212336"/>
-                </a:lnTo>
-                <a:lnTo>
-                  <a:pt x="163" y="170115"/>
-                </a:lnTo>
-                <a:lnTo>
-                  <a:pt x="4392" y="108975"/>
-                </a:lnTo>
-                <a:lnTo>
-                  <a:pt x="22957" y="62344"/>
-                </a:lnTo>
-                <a:lnTo>
-                  <a:pt x="62344" y="22957"/>
-                </a:lnTo>
-                <a:lnTo>
-                  <a:pt x="108986" y="4390"/>
-                </a:lnTo>
-                <a:lnTo>
-                  <a:pt x="170150" y="162"/>
-                </a:lnTo>
-                <a:lnTo>
-                  <a:pt x="212419" y="0"/>
-                </a:lnTo>
-                <a:close/>
-              </a:path>
-            </a:pathLst>
-          </a:custGeom>
-          <a:ln w="25400">
-            <a:solidFill>
-              <a:srgbClr val="0365C0"/>
-            </a:solidFill>
-          </a:ln>
-        </p:spPr>
-        <p:txBody>
-          <a:bodyPr wrap="square" lIns="0" tIns="0" rIns="0" bIns="0" rtlCol="0"/>
-          <a:lstStyle/>
-          <a:p>
-            <a:pPr marL="0" marR="0" lvl="0" indent="0" defTabSz="914400" eaLnBrk="1" fontAlgn="auto" latinLnBrk="0" hangingPunct="1">
-              <a:lnSpc>
-                <a:spcPct val="100000"/>
-              </a:lnSpc>
-              <a:spcBef>
-                <a:spcPts val="0"/>
-              </a:spcBef>
-              <a:spcAft>
-                <a:spcPts val="0"/>
-              </a:spcAft>
-              <a:buClrTx/>
-              <a:buSzTx/>
-              <a:buFontTx/>
-              <a:buNone/>
-              <a:tabLst/>
-              <a:defRPr/>
-            </a:pPr>
-            <a:endParaRPr kumimoji="0" sz="1800" b="0" i="0" u="none" strike="noStrike" kern="0" cap="none" spc="0" normalizeH="0" baseline="0" noProof="0">
-              <a:ln>
-                <a:noFill/>
-              </a:ln>
-              <a:solidFill>
-                <a:sysClr val="windowText" lastClr="000000"/>
-              </a:solidFill>
-              <a:effectLst/>
-              <a:uLnTx/>
-              <a:uFillTx/>
-            </a:endParaRPr>
-          </a:p>
-        </p:txBody>
-      </p:sp>
-      <p:sp>
-        <p:nvSpPr>
-          <p:cNvPr id="33" name="object 37">
-            <a:extLst>
-              <a:ext uri="{FF2B5EF4-FFF2-40B4-BE49-F238E27FC236}">
-                <a16:creationId xmlns:a16="http://schemas.microsoft.com/office/drawing/2014/main" id="{5E50D22E-AEFB-3D14-FD62-54C508D983CD}"/>
-              </a:ext>
-            </a:extLst>
-          </p:cNvPr>
-          <p:cNvSpPr txBox="1"/>
-          <p:nvPr/>
-        </p:nvSpPr>
-        <p:spPr>
-          <a:xfrm>
-            <a:off x="4569802" y="4341596"/>
-            <a:ext cx="661670" cy="299720"/>
-          </a:xfrm>
-          <a:prstGeom prst="rect">
-            <a:avLst/>
-          </a:prstGeom>
-        </p:spPr>
-        <p:txBody>
-          <a:bodyPr vert="horz" wrap="square" lIns="0" tIns="12700" rIns="0" bIns="0" rtlCol="0">
-            <a:spAutoFit/>
-          </a:bodyPr>
-          <a:lstStyle/>
-          <a:p>
-            <a:pPr marL="12700" eaLnBrk="1" fontAlgn="auto" hangingPunct="1">
-              <a:spcBef>
-                <a:spcPts val="100"/>
-              </a:spcBef>
-              <a:spcAft>
-                <a:spcPts val="0"/>
-              </a:spcAft>
-            </a:pPr>
-            <a:r>
-              <a:rPr b="0" kern="0" spc="-10" dirty="0">
-                <a:solidFill>
-                  <a:sysClr val="windowText" lastClr="000000"/>
-                </a:solidFill>
-                <a:latin typeface="Arial MT"/>
-                <a:cs typeface="Arial MT"/>
-              </a:rPr>
-              <a:t>59102</a:t>
-            </a:r>
-            <a:endParaRPr b="0" kern="0">
-              <a:solidFill>
-                <a:sysClr val="windowText" lastClr="000000"/>
-              </a:solidFill>
-              <a:latin typeface="Arial MT"/>
-              <a:cs typeface="Arial MT"/>
-            </a:endParaRPr>
-          </a:p>
-        </p:txBody>
-      </p:sp>
-      <p:sp>
-        <p:nvSpPr>
-          <p:cNvPr id="34" name="object 67">
-            <a:extLst>
-              <a:ext uri="{FF2B5EF4-FFF2-40B4-BE49-F238E27FC236}">
-                <a16:creationId xmlns:a16="http://schemas.microsoft.com/office/drawing/2014/main" id="{BA66CAE0-037D-A220-5C4E-645A4ACDCF2D}"/>
-              </a:ext>
-            </a:extLst>
-          </p:cNvPr>
-          <p:cNvSpPr txBox="1"/>
-          <p:nvPr/>
-        </p:nvSpPr>
-        <p:spPr>
-          <a:xfrm>
-            <a:off x="236009" y="2370297"/>
-            <a:ext cx="1209040" cy="1315085"/>
-          </a:xfrm>
-          <a:prstGeom prst="rect">
-            <a:avLst/>
-          </a:prstGeom>
-        </p:spPr>
-        <p:txBody>
-          <a:bodyPr vert="horz" wrap="square" lIns="0" tIns="118745" rIns="0" bIns="0" rtlCol="0">
-            <a:spAutoFit/>
-          </a:bodyPr>
-          <a:lstStyle/>
-          <a:p>
-            <a:pPr marL="12700" eaLnBrk="1" fontAlgn="auto" hangingPunct="1">
-              <a:spcBef>
-                <a:spcPts val="935"/>
-              </a:spcBef>
-              <a:spcAft>
-                <a:spcPts val="0"/>
-              </a:spcAft>
-            </a:pPr>
-            <a:r>
-              <a:rPr b="0" kern="0" spc="-10" dirty="0">
-                <a:solidFill>
-                  <a:sysClr val="windowText" lastClr="000000"/>
-                </a:solidFill>
-                <a:latin typeface="Arial MT"/>
-                <a:cs typeface="Arial MT"/>
-              </a:rPr>
-              <a:t>59101</a:t>
-            </a:r>
-            <a:endParaRPr b="0" kern="0" dirty="0">
-              <a:solidFill>
-                <a:sysClr val="windowText" lastClr="000000"/>
-              </a:solidFill>
-              <a:latin typeface="Arial MT"/>
-              <a:cs typeface="Arial MT"/>
-            </a:endParaRPr>
-          </a:p>
-          <a:p>
-            <a:pPr marL="434975" marR="5080" eaLnBrk="1" fontAlgn="auto" hangingPunct="1">
-              <a:lnSpc>
-                <a:spcPts val="1600"/>
-              </a:lnSpc>
-              <a:spcBef>
-                <a:spcPts val="775"/>
-              </a:spcBef>
-              <a:spcAft>
-                <a:spcPts val="0"/>
-              </a:spcAft>
-            </a:pPr>
-            <a:r>
-              <a:rPr sz="1400" b="0" kern="0" spc="-10" dirty="0">
-                <a:solidFill>
-                  <a:srgbClr val="0365C0"/>
-                </a:solidFill>
-                <a:latin typeface="Arial MT"/>
-                <a:cs typeface="Arial MT"/>
-              </a:rPr>
-              <a:t>parent continues</a:t>
-            </a:r>
-            <a:endParaRPr sz="1400" b="0" kern="0" dirty="0">
-              <a:solidFill>
-                <a:sysClr val="windowText" lastClr="000000"/>
-              </a:solidFill>
-              <a:latin typeface="Arial MT"/>
-              <a:cs typeface="Arial MT"/>
-            </a:endParaRPr>
-          </a:p>
-          <a:p>
-            <a:pPr marL="12700" eaLnBrk="1" fontAlgn="auto" hangingPunct="1">
-              <a:spcBef>
-                <a:spcPts val="1019"/>
-              </a:spcBef>
-              <a:spcAft>
-                <a:spcPts val="0"/>
-              </a:spcAft>
-            </a:pPr>
-            <a:r>
-              <a:rPr b="0" kern="0" spc="-10" dirty="0">
-                <a:solidFill>
-                  <a:sysClr val="windowText" lastClr="000000"/>
-                </a:solidFill>
-                <a:latin typeface="Arial MT"/>
-                <a:cs typeface="Arial MT"/>
-              </a:rPr>
-              <a:t>59101</a:t>
-            </a:r>
-            <a:endParaRPr b="0" kern="0" dirty="0">
-              <a:solidFill>
-                <a:sysClr val="windowText" lastClr="000000"/>
-              </a:solidFill>
-              <a:latin typeface="Arial MT"/>
-              <a:cs typeface="Arial MT"/>
-            </a:endParaRPr>
-          </a:p>
-        </p:txBody>
-      </p:sp>
-      <p:sp>
-        <p:nvSpPr>
-          <p:cNvPr id="35" name="object 93">
-            <a:extLst>
-              <a:ext uri="{FF2B5EF4-FFF2-40B4-BE49-F238E27FC236}">
-                <a16:creationId xmlns:a16="http://schemas.microsoft.com/office/drawing/2014/main" id="{872CC27E-D9A1-B33B-9B43-50E6CFDAFA20}"/>
-              </a:ext>
-            </a:extLst>
-          </p:cNvPr>
-          <p:cNvSpPr txBox="1"/>
-          <p:nvPr/>
-        </p:nvSpPr>
-        <p:spPr>
-          <a:xfrm>
-            <a:off x="2225568" y="3016230"/>
-            <a:ext cx="1290955" cy="441959"/>
-          </a:xfrm>
-          <a:prstGeom prst="rect">
-            <a:avLst/>
-          </a:prstGeom>
-        </p:spPr>
-        <p:txBody>
-          <a:bodyPr vert="horz" wrap="square" lIns="0" tIns="12700" rIns="0" bIns="0" rtlCol="0">
-            <a:spAutoFit/>
-          </a:bodyPr>
-          <a:lstStyle/>
-          <a:p>
-            <a:pPr marL="12700" eaLnBrk="1" fontAlgn="auto" hangingPunct="1">
-              <a:lnSpc>
-                <a:spcPts val="1639"/>
-              </a:lnSpc>
-              <a:spcBef>
-                <a:spcPts val="100"/>
-              </a:spcBef>
-              <a:spcAft>
-                <a:spcPts val="0"/>
-              </a:spcAft>
-            </a:pPr>
-            <a:r>
-              <a:rPr sz="1400" b="0" kern="0" spc="-10" dirty="0">
-                <a:solidFill>
-                  <a:srgbClr val="0365C0"/>
-                </a:solidFill>
-                <a:latin typeface="Arial MT"/>
-                <a:cs typeface="Arial MT"/>
-              </a:rPr>
-              <a:t>child</a:t>
-            </a:r>
-            <a:endParaRPr sz="1400" b="0" kern="0" dirty="0">
-              <a:solidFill>
-                <a:sysClr val="windowText" lastClr="000000"/>
-              </a:solidFill>
-              <a:latin typeface="Arial MT"/>
-              <a:cs typeface="Arial MT"/>
-            </a:endParaRPr>
-          </a:p>
-          <a:p>
-            <a:pPr marL="12700" eaLnBrk="1" fontAlgn="auto" hangingPunct="1">
-              <a:lnSpc>
-                <a:spcPts val="1639"/>
-              </a:lnSpc>
-              <a:spcBef>
-                <a:spcPts val="0"/>
-              </a:spcBef>
-              <a:spcAft>
-                <a:spcPts val="0"/>
-              </a:spcAft>
-            </a:pPr>
-            <a:r>
-              <a:rPr sz="1400" b="0" kern="0" dirty="0">
-                <a:solidFill>
-                  <a:srgbClr val="0365C0"/>
-                </a:solidFill>
-                <a:latin typeface="Arial MT"/>
-                <a:cs typeface="Arial MT"/>
-              </a:rPr>
-              <a:t>process</a:t>
-            </a:r>
-            <a:r>
-              <a:rPr sz="1400" b="0" kern="0" spc="-10" dirty="0">
-                <a:solidFill>
-                  <a:srgbClr val="0365C0"/>
-                </a:solidFill>
-                <a:latin typeface="Arial MT"/>
-                <a:cs typeface="Arial MT"/>
-              </a:rPr>
-              <a:t> created</a:t>
-            </a:r>
-            <a:endParaRPr sz="1400" b="0" kern="0" dirty="0">
-              <a:solidFill>
-                <a:sysClr val="windowText" lastClr="000000"/>
-              </a:solidFill>
-              <a:latin typeface="Arial MT"/>
-              <a:cs typeface="Arial MT"/>
-            </a:endParaRPr>
-          </a:p>
-        </p:txBody>
-      </p:sp>
-      <p:sp>
-        <p:nvSpPr>
-          <p:cNvPr id="36" name="object 66">
-            <a:extLst>
-              <a:ext uri="{FF2B5EF4-FFF2-40B4-BE49-F238E27FC236}">
-                <a16:creationId xmlns:a16="http://schemas.microsoft.com/office/drawing/2014/main" id="{1A95F95C-91E4-433D-72C1-E15708E5AC02}"/>
-              </a:ext>
-            </a:extLst>
-          </p:cNvPr>
-          <p:cNvSpPr txBox="1"/>
-          <p:nvPr/>
-        </p:nvSpPr>
-        <p:spPr>
-          <a:xfrm>
-            <a:off x="1120593" y="2370280"/>
-            <a:ext cx="372666" cy="299720"/>
-          </a:xfrm>
-          <a:prstGeom prst="rect">
-            <a:avLst/>
-          </a:prstGeom>
-        </p:spPr>
-        <p:txBody>
-          <a:bodyPr vert="horz" wrap="square" lIns="0" tIns="12700" rIns="0" bIns="0" rtlCol="0">
-            <a:spAutoFit/>
-          </a:bodyPr>
-          <a:lstStyle/>
-          <a:p>
-            <a:pPr marL="12700" eaLnBrk="1" fontAlgn="auto" hangingPunct="1">
-              <a:spcBef>
-                <a:spcPts val="100"/>
-              </a:spcBef>
-              <a:spcAft>
-                <a:spcPts val="0"/>
-              </a:spcAft>
-            </a:pPr>
-            <a:r>
-              <a:rPr lang="en-GB" b="0" kern="0" dirty="0">
-                <a:latin typeface="Arial MT"/>
-                <a:cs typeface="Arial MT"/>
-              </a:rPr>
-              <a:t>P0</a:t>
-            </a:r>
-            <a:endParaRPr b="0" kern="0" dirty="0">
-              <a:latin typeface="Arial MT"/>
-              <a:cs typeface="Arial MT"/>
-            </a:endParaRPr>
-          </a:p>
-        </p:txBody>
-      </p:sp>
-      <p:sp>
-        <p:nvSpPr>
-          <p:cNvPr id="37" name="object 66">
-            <a:extLst>
-              <a:ext uri="{FF2B5EF4-FFF2-40B4-BE49-F238E27FC236}">
-                <a16:creationId xmlns:a16="http://schemas.microsoft.com/office/drawing/2014/main" id="{65418C7B-482D-7C40-5746-ADDF14A99DAB}"/>
-              </a:ext>
-            </a:extLst>
-          </p:cNvPr>
-          <p:cNvSpPr txBox="1"/>
-          <p:nvPr/>
-        </p:nvSpPr>
-        <p:spPr>
-          <a:xfrm>
-            <a:off x="786410" y="3738810"/>
-            <a:ext cx="401908" cy="299720"/>
-          </a:xfrm>
-          <a:prstGeom prst="rect">
-            <a:avLst/>
-          </a:prstGeom>
-        </p:spPr>
-        <p:txBody>
-          <a:bodyPr vert="horz" wrap="square" lIns="0" tIns="12700" rIns="0" bIns="0" rtlCol="0">
-            <a:spAutoFit/>
-          </a:bodyPr>
-          <a:lstStyle/>
-          <a:p>
-            <a:pPr marL="12700" eaLnBrk="1" fontAlgn="auto" hangingPunct="1">
-              <a:spcBef>
-                <a:spcPts val="100"/>
-              </a:spcBef>
-              <a:spcAft>
-                <a:spcPts val="0"/>
-              </a:spcAft>
-            </a:pPr>
-            <a:r>
-              <a:rPr lang="en-GB" b="0" kern="0" dirty="0">
-                <a:latin typeface="Arial MT"/>
-                <a:cs typeface="Arial MT"/>
-              </a:rPr>
-              <a:t>P0</a:t>
-            </a:r>
-            <a:endParaRPr b="0" kern="0" dirty="0">
-              <a:latin typeface="Arial MT"/>
-              <a:cs typeface="Arial MT"/>
-            </a:endParaRPr>
-          </a:p>
-        </p:txBody>
-      </p:sp>
-      <p:sp>
-        <p:nvSpPr>
-          <p:cNvPr id="38" name="object 66">
-            <a:extLst>
-              <a:ext uri="{FF2B5EF4-FFF2-40B4-BE49-F238E27FC236}">
-                <a16:creationId xmlns:a16="http://schemas.microsoft.com/office/drawing/2014/main" id="{7322F63B-B2A7-C696-FFC6-778D59BB8B8A}"/>
-              </a:ext>
-            </a:extLst>
-          </p:cNvPr>
-          <p:cNvSpPr txBox="1"/>
-          <p:nvPr/>
-        </p:nvSpPr>
-        <p:spPr>
-          <a:xfrm>
-            <a:off x="5071254" y="3738810"/>
-            <a:ext cx="372666" cy="299720"/>
-          </a:xfrm>
-          <a:prstGeom prst="rect">
-            <a:avLst/>
-          </a:prstGeom>
-        </p:spPr>
-        <p:txBody>
-          <a:bodyPr vert="horz" wrap="square" lIns="0" tIns="12700" rIns="0" bIns="0" rtlCol="0">
-            <a:spAutoFit/>
-          </a:bodyPr>
-          <a:lstStyle/>
-          <a:p>
-            <a:pPr marL="12700" eaLnBrk="1" fontAlgn="auto" hangingPunct="1">
-              <a:spcBef>
-                <a:spcPts val="100"/>
-              </a:spcBef>
-              <a:spcAft>
-                <a:spcPts val="0"/>
-              </a:spcAft>
-            </a:pPr>
-            <a:r>
-              <a:rPr lang="en-GB" b="0" kern="0" dirty="0">
-                <a:latin typeface="Arial MT"/>
-                <a:cs typeface="Arial MT"/>
-              </a:rPr>
-              <a:t>P1</a:t>
-            </a:r>
-            <a:endParaRPr b="0" kern="0" dirty="0">
-              <a:latin typeface="Arial MT"/>
-              <a:cs typeface="Arial MT"/>
-            </a:endParaRPr>
-          </a:p>
-        </p:txBody>
-      </p:sp>
-      <p:sp>
-        <p:nvSpPr>
-          <p:cNvPr id="39" name="object 66">
-            <a:extLst>
-              <a:ext uri="{FF2B5EF4-FFF2-40B4-BE49-F238E27FC236}">
-                <a16:creationId xmlns:a16="http://schemas.microsoft.com/office/drawing/2014/main" id="{AD445DAE-1510-D73F-9980-53668E50CD96}"/>
-              </a:ext>
-            </a:extLst>
-          </p:cNvPr>
-          <p:cNvSpPr txBox="1"/>
-          <p:nvPr/>
-        </p:nvSpPr>
-        <p:spPr>
-          <a:xfrm>
-            <a:off x="7233892" y="4613176"/>
-            <a:ext cx="372666" cy="299720"/>
-          </a:xfrm>
-          <a:prstGeom prst="rect">
-            <a:avLst/>
-          </a:prstGeom>
-        </p:spPr>
-        <p:txBody>
-          <a:bodyPr vert="horz" wrap="square" lIns="0" tIns="12700" rIns="0" bIns="0" rtlCol="0">
-            <a:spAutoFit/>
-          </a:bodyPr>
-          <a:lstStyle/>
-          <a:p>
-            <a:pPr marL="12700" eaLnBrk="1" fontAlgn="auto" hangingPunct="1">
-              <a:spcBef>
-                <a:spcPts val="100"/>
-              </a:spcBef>
-              <a:spcAft>
-                <a:spcPts val="0"/>
-              </a:spcAft>
-            </a:pPr>
-            <a:r>
-              <a:rPr lang="en-GB" b="0" kern="0" dirty="0">
-                <a:latin typeface="Arial MT"/>
-                <a:cs typeface="Arial MT"/>
-              </a:rPr>
-              <a:t>P3</a:t>
-            </a:r>
-            <a:endParaRPr b="0" kern="0" dirty="0">
-              <a:latin typeface="Arial MT"/>
-              <a:cs typeface="Arial MT"/>
-            </a:endParaRPr>
-          </a:p>
-        </p:txBody>
-      </p:sp>
-      <p:sp>
-        <p:nvSpPr>
-          <p:cNvPr id="41" name="object 66">
-            <a:extLst>
-              <a:ext uri="{FF2B5EF4-FFF2-40B4-BE49-F238E27FC236}">
-                <a16:creationId xmlns:a16="http://schemas.microsoft.com/office/drawing/2014/main" id="{9EB29B4C-884C-E932-3A08-950A5BE67ABF}"/>
-              </a:ext>
-            </a:extLst>
-          </p:cNvPr>
-          <p:cNvSpPr txBox="1"/>
-          <p:nvPr/>
-        </p:nvSpPr>
-        <p:spPr>
-          <a:xfrm>
-            <a:off x="685181" y="4663424"/>
-            <a:ext cx="372666" cy="299720"/>
-          </a:xfrm>
-          <a:prstGeom prst="rect">
-            <a:avLst/>
-          </a:prstGeom>
-        </p:spPr>
-        <p:txBody>
-          <a:bodyPr vert="horz" wrap="square" lIns="0" tIns="12700" rIns="0" bIns="0" rtlCol="0">
-            <a:spAutoFit/>
-          </a:bodyPr>
-          <a:lstStyle/>
-          <a:p>
-            <a:pPr marL="12700" eaLnBrk="1" fontAlgn="auto" hangingPunct="1">
-              <a:spcBef>
-                <a:spcPts val="100"/>
-              </a:spcBef>
-              <a:spcAft>
-                <a:spcPts val="0"/>
-              </a:spcAft>
-            </a:pPr>
-            <a:r>
-              <a:rPr lang="en-GB" b="0" kern="0" dirty="0">
-                <a:latin typeface="Arial MT"/>
-                <a:cs typeface="Arial MT"/>
-              </a:rPr>
-              <a:t>P0</a:t>
-            </a:r>
-            <a:endParaRPr b="0" kern="0" dirty="0">
-              <a:latin typeface="Arial MT"/>
-              <a:cs typeface="Arial MT"/>
-            </a:endParaRPr>
-          </a:p>
-        </p:txBody>
-      </p:sp>
-      <p:sp>
-        <p:nvSpPr>
-          <p:cNvPr id="43" name="object 66">
-            <a:extLst>
-              <a:ext uri="{FF2B5EF4-FFF2-40B4-BE49-F238E27FC236}">
-                <a16:creationId xmlns:a16="http://schemas.microsoft.com/office/drawing/2014/main" id="{017E87E4-CB38-DF18-C6E8-768A5E6C7815}"/>
-              </a:ext>
-            </a:extLst>
-          </p:cNvPr>
-          <p:cNvSpPr txBox="1"/>
-          <p:nvPr/>
-        </p:nvSpPr>
-        <p:spPr>
-          <a:xfrm>
-            <a:off x="5133444" y="4681043"/>
-            <a:ext cx="372666" cy="299720"/>
-          </a:xfrm>
-          <a:prstGeom prst="rect">
-            <a:avLst/>
-          </a:prstGeom>
-        </p:spPr>
-        <p:txBody>
-          <a:bodyPr vert="horz" wrap="square" lIns="0" tIns="12700" rIns="0" bIns="0" rtlCol="0">
-            <a:spAutoFit/>
-          </a:bodyPr>
-          <a:lstStyle/>
-          <a:p>
-            <a:pPr marL="12700" eaLnBrk="1" fontAlgn="auto" hangingPunct="1">
-              <a:spcBef>
-                <a:spcPts val="100"/>
-              </a:spcBef>
-              <a:spcAft>
-                <a:spcPts val="0"/>
-              </a:spcAft>
-            </a:pPr>
-            <a:r>
-              <a:rPr lang="en-GB" b="0" kern="0" dirty="0">
-                <a:latin typeface="Arial MT"/>
-                <a:cs typeface="Arial MT"/>
-              </a:rPr>
-              <a:t>P1</a:t>
-            </a:r>
-            <a:endParaRPr b="0" kern="0" dirty="0">
-              <a:latin typeface="Arial MT"/>
-              <a:cs typeface="Arial MT"/>
-            </a:endParaRPr>
-          </a:p>
-        </p:txBody>
-      </p:sp>
-      <p:sp>
-        <p:nvSpPr>
-          <p:cNvPr id="44" name="object 30">
-            <a:extLst>
-              <a:ext uri="{FF2B5EF4-FFF2-40B4-BE49-F238E27FC236}">
-                <a16:creationId xmlns:a16="http://schemas.microsoft.com/office/drawing/2014/main" id="{DDB04F6E-1D98-A585-178A-D4F1786C150C}"/>
-              </a:ext>
-            </a:extLst>
-          </p:cNvPr>
-          <p:cNvSpPr/>
-          <p:nvPr/>
-        </p:nvSpPr>
-        <p:spPr>
-          <a:xfrm>
-            <a:off x="4474820" y="5205774"/>
-            <a:ext cx="926465" cy="424815"/>
-          </a:xfrm>
-          <a:custGeom>
-            <a:avLst/>
-            <a:gdLst/>
-            <a:ahLst/>
-            <a:cxnLst/>
-            <a:rect l="l" t="t" r="r" b="b"/>
-            <a:pathLst>
-              <a:path w="926465" h="424814">
-                <a:moveTo>
-                  <a:pt x="212419" y="0"/>
-                </a:moveTo>
-                <a:lnTo>
-                  <a:pt x="713963" y="0"/>
-                </a:lnTo>
-                <a:lnTo>
-                  <a:pt x="756232" y="162"/>
-                </a:lnTo>
-                <a:lnTo>
-                  <a:pt x="817395" y="4390"/>
-                </a:lnTo>
-                <a:lnTo>
-                  <a:pt x="864038" y="22957"/>
-                </a:lnTo>
-                <a:lnTo>
-                  <a:pt x="903425" y="62344"/>
-                </a:lnTo>
-                <a:lnTo>
-                  <a:pt x="921989" y="108975"/>
-                </a:lnTo>
-                <a:lnTo>
-                  <a:pt x="926219" y="170115"/>
-                </a:lnTo>
-                <a:lnTo>
-                  <a:pt x="926382" y="212336"/>
-                </a:lnTo>
-                <a:lnTo>
-                  <a:pt x="926219" y="254556"/>
-                </a:lnTo>
-                <a:lnTo>
-                  <a:pt x="921989" y="315697"/>
-                </a:lnTo>
-                <a:lnTo>
-                  <a:pt x="903425" y="362328"/>
-                </a:lnTo>
-                <a:lnTo>
-                  <a:pt x="864038" y="401715"/>
-                </a:lnTo>
-                <a:lnTo>
-                  <a:pt x="817395" y="420281"/>
-                </a:lnTo>
-                <a:lnTo>
-                  <a:pt x="756232" y="424509"/>
-                </a:lnTo>
-                <a:lnTo>
-                  <a:pt x="713963" y="424672"/>
-                </a:lnTo>
-                <a:lnTo>
-                  <a:pt x="212419" y="424672"/>
-                </a:lnTo>
-                <a:lnTo>
-                  <a:pt x="170150" y="424509"/>
-                </a:lnTo>
-                <a:lnTo>
-                  <a:pt x="108986" y="420281"/>
-                </a:lnTo>
-                <a:lnTo>
-                  <a:pt x="62344" y="401715"/>
-                </a:lnTo>
-                <a:lnTo>
-                  <a:pt x="22957" y="362328"/>
-                </a:lnTo>
-                <a:lnTo>
-                  <a:pt x="4392" y="315697"/>
-                </a:lnTo>
-                <a:lnTo>
-                  <a:pt x="163" y="254556"/>
-                </a:lnTo>
-                <a:lnTo>
-                  <a:pt x="0" y="212336"/>
-                </a:lnTo>
-                <a:lnTo>
-                  <a:pt x="163" y="170115"/>
-                </a:lnTo>
-                <a:lnTo>
-                  <a:pt x="4392" y="108975"/>
-                </a:lnTo>
-                <a:lnTo>
-                  <a:pt x="22957" y="62344"/>
-                </a:lnTo>
-                <a:lnTo>
-                  <a:pt x="62344" y="22957"/>
-                </a:lnTo>
-                <a:lnTo>
-                  <a:pt x="108986" y="4390"/>
-                </a:lnTo>
-                <a:lnTo>
-                  <a:pt x="170150" y="162"/>
-                </a:lnTo>
-                <a:lnTo>
-                  <a:pt x="212419" y="0"/>
-                </a:lnTo>
-                <a:close/>
-              </a:path>
-            </a:pathLst>
-          </a:custGeom>
-          <a:ln w="25400">
-            <a:solidFill>
-              <a:srgbClr val="0365C0"/>
-            </a:solidFill>
-          </a:ln>
-        </p:spPr>
-        <p:txBody>
-          <a:bodyPr wrap="square" lIns="0" tIns="0" rIns="0" bIns="0" rtlCol="0"/>
-          <a:lstStyle/>
-          <a:p>
-            <a:pPr eaLnBrk="1" fontAlgn="auto" hangingPunct="1">
-              <a:spcBef>
-                <a:spcPts val="0"/>
-              </a:spcBef>
-              <a:spcAft>
-                <a:spcPts val="0"/>
-              </a:spcAft>
-            </a:pPr>
-            <a:endParaRPr b="0" kern="0">
-              <a:solidFill>
-                <a:sysClr val="windowText" lastClr="000000"/>
-              </a:solidFill>
-            </a:endParaRPr>
-          </a:p>
-        </p:txBody>
-      </p:sp>
-      <p:grpSp>
-        <p:nvGrpSpPr>
-          <p:cNvPr id="45" name="object 31">
-            <a:extLst>
-              <a:ext uri="{FF2B5EF4-FFF2-40B4-BE49-F238E27FC236}">
-                <a16:creationId xmlns:a16="http://schemas.microsoft.com/office/drawing/2014/main" id="{A54CB3BD-A273-A3C0-67DF-6240B73BEC38}"/>
-              </a:ext>
-            </a:extLst>
-          </p:cNvPr>
-          <p:cNvGrpSpPr/>
-          <p:nvPr/>
-        </p:nvGrpSpPr>
-        <p:grpSpPr>
-          <a:xfrm>
-            <a:off x="4877051" y="4738828"/>
-            <a:ext cx="121920" cy="351155"/>
-            <a:chOff x="977901" y="3750317"/>
-            <a:chExt cx="121920" cy="351155"/>
-          </a:xfrm>
-        </p:grpSpPr>
-        <p:sp>
-          <p:nvSpPr>
-            <p:cNvPr id="46" name="object 32">
-              <a:extLst>
-                <a:ext uri="{FF2B5EF4-FFF2-40B4-BE49-F238E27FC236}">
-                  <a16:creationId xmlns:a16="http://schemas.microsoft.com/office/drawing/2014/main" id="{B9C63E05-425C-F16A-F96A-B21532D6749B}"/>
-                </a:ext>
-              </a:extLst>
-            </p:cNvPr>
-            <p:cNvSpPr/>
-            <p:nvPr/>
-          </p:nvSpPr>
-          <p:spPr>
-            <a:xfrm>
-              <a:off x="1038861" y="3750317"/>
-              <a:ext cx="0" cy="241935"/>
-            </a:xfrm>
-            <a:custGeom>
-              <a:avLst/>
-              <a:gdLst/>
-              <a:ahLst/>
-              <a:cxnLst/>
-              <a:rect l="l" t="t" r="r" b="b"/>
-              <a:pathLst>
-                <a:path h="241935">
-                  <a:moveTo>
-                    <a:pt x="0" y="0"/>
-                  </a:moveTo>
-                  <a:lnTo>
-                    <a:pt x="0" y="228741"/>
-                  </a:lnTo>
-                  <a:lnTo>
-                    <a:pt x="0" y="241441"/>
-                  </a:lnTo>
-                </a:path>
-              </a:pathLst>
-            </a:custGeom>
-            <a:ln w="25400">
-              <a:solidFill>
-                <a:srgbClr val="0365C0"/>
-              </a:solidFill>
-            </a:ln>
-          </p:spPr>
-          <p:txBody>
-            <a:bodyPr wrap="square" lIns="0" tIns="0" rIns="0" bIns="0" rtlCol="0"/>
-            <a:lstStyle/>
-            <a:p>
-              <a:pPr marL="0" marR="0" lvl="0" indent="0" defTabSz="914400" eaLnBrk="1" fontAlgn="auto" latinLnBrk="0" hangingPunct="1">
-                <a:lnSpc>
-                  <a:spcPct val="100000"/>
-                </a:lnSpc>
-                <a:spcBef>
-                  <a:spcPts val="0"/>
-                </a:spcBef>
-                <a:spcAft>
-                  <a:spcPts val="0"/>
-                </a:spcAft>
-                <a:buClrTx/>
-                <a:buSzTx/>
-                <a:buFontTx/>
-                <a:buNone/>
-                <a:tabLst/>
-                <a:defRPr/>
-              </a:pPr>
-              <a:endParaRPr kumimoji="0" sz="1800" b="0" i="0" u="none" strike="noStrike" kern="0" cap="none" spc="0" normalizeH="0" baseline="0" noProof="0">
-                <a:ln>
-                  <a:noFill/>
-                </a:ln>
-                <a:solidFill>
-                  <a:sysClr val="windowText" lastClr="000000"/>
-                </a:solidFill>
-                <a:effectLst/>
-                <a:uLnTx/>
-                <a:uFillTx/>
-              </a:endParaRPr>
-            </a:p>
-          </p:txBody>
-        </p:sp>
-        <p:sp>
-          <p:nvSpPr>
-            <p:cNvPr id="47" name="object 33">
-              <a:extLst>
-                <a:ext uri="{FF2B5EF4-FFF2-40B4-BE49-F238E27FC236}">
-                  <a16:creationId xmlns:a16="http://schemas.microsoft.com/office/drawing/2014/main" id="{8A5FD992-F779-0168-4FB2-E74FFB295023}"/>
-                </a:ext>
-              </a:extLst>
-            </p:cNvPr>
-            <p:cNvSpPr/>
-            <p:nvPr/>
-          </p:nvSpPr>
-          <p:spPr>
-            <a:xfrm>
-              <a:off x="977901" y="3979059"/>
-              <a:ext cx="121920" cy="121920"/>
-            </a:xfrm>
-            <a:custGeom>
-              <a:avLst/>
-              <a:gdLst/>
-              <a:ahLst/>
-              <a:cxnLst/>
-              <a:rect l="l" t="t" r="r" b="b"/>
-              <a:pathLst>
-                <a:path w="121919" h="121920">
-                  <a:moveTo>
-                    <a:pt x="121920" y="0"/>
-                  </a:moveTo>
-                  <a:lnTo>
-                    <a:pt x="0" y="0"/>
-                  </a:lnTo>
-                  <a:lnTo>
-                    <a:pt x="60960" y="121919"/>
-                  </a:lnTo>
-                  <a:lnTo>
-                    <a:pt x="121920" y="0"/>
-                  </a:lnTo>
-                  <a:close/>
-                </a:path>
-              </a:pathLst>
-            </a:custGeom>
-            <a:solidFill>
-              <a:srgbClr val="0365C0"/>
-            </a:solidFill>
-          </p:spPr>
-          <p:txBody>
-            <a:bodyPr wrap="square" lIns="0" tIns="0" rIns="0" bIns="0" rtlCol="0"/>
-            <a:lstStyle/>
-            <a:p>
-              <a:pPr marL="0" marR="0" lvl="0" indent="0" defTabSz="914400" eaLnBrk="1" fontAlgn="auto" latinLnBrk="0" hangingPunct="1">
-                <a:lnSpc>
-                  <a:spcPct val="100000"/>
-                </a:lnSpc>
-                <a:spcBef>
-                  <a:spcPts val="0"/>
-                </a:spcBef>
-                <a:spcAft>
-                  <a:spcPts val="0"/>
-                </a:spcAft>
-                <a:buClrTx/>
-                <a:buSzTx/>
-                <a:buFontTx/>
-                <a:buNone/>
-                <a:tabLst/>
-                <a:defRPr/>
-              </a:pPr>
-              <a:endParaRPr kumimoji="0" sz="1800" b="0" i="0" u="none" strike="noStrike" kern="0" cap="none" spc="0" normalizeH="0" baseline="0" noProof="0">
-                <a:ln>
-                  <a:noFill/>
-                </a:ln>
-                <a:solidFill>
-                  <a:sysClr val="windowText" lastClr="000000"/>
-                </a:solidFill>
-                <a:effectLst/>
-                <a:uLnTx/>
-                <a:uFillTx/>
-              </a:endParaRPr>
-            </a:p>
-          </p:txBody>
-        </p:sp>
-      </p:grpSp>
-      <p:grpSp>
-        <p:nvGrpSpPr>
-          <p:cNvPr id="48" name="object 38">
-            <a:extLst>
-              <a:ext uri="{FF2B5EF4-FFF2-40B4-BE49-F238E27FC236}">
-                <a16:creationId xmlns:a16="http://schemas.microsoft.com/office/drawing/2014/main" id="{DD67A738-996E-2612-818D-F6C8F7EE64C8}"/>
-              </a:ext>
-            </a:extLst>
-          </p:cNvPr>
-          <p:cNvGrpSpPr/>
-          <p:nvPr/>
-        </p:nvGrpSpPr>
-        <p:grpSpPr>
-          <a:xfrm>
-            <a:off x="5380065" y="4689676"/>
-            <a:ext cx="445770" cy="445770"/>
-            <a:chOff x="1480915" y="3701165"/>
-            <a:chExt cx="445770" cy="445770"/>
-          </a:xfrm>
-        </p:grpSpPr>
-        <p:sp>
-          <p:nvSpPr>
-            <p:cNvPr id="49" name="object 39">
-              <a:extLst>
-                <a:ext uri="{FF2B5EF4-FFF2-40B4-BE49-F238E27FC236}">
-                  <a16:creationId xmlns:a16="http://schemas.microsoft.com/office/drawing/2014/main" id="{A4A5489A-A89D-2A1F-8073-B0A85924D868}"/>
-                </a:ext>
-              </a:extLst>
-            </p:cNvPr>
-            <p:cNvSpPr/>
-            <p:nvPr/>
-          </p:nvSpPr>
-          <p:spPr>
-            <a:xfrm>
-              <a:off x="1493615" y="3713865"/>
-              <a:ext cx="355600" cy="355600"/>
-            </a:xfrm>
-            <a:custGeom>
-              <a:avLst/>
-              <a:gdLst/>
-              <a:ahLst/>
-              <a:cxnLst/>
-              <a:rect l="l" t="t" r="r" b="b"/>
-              <a:pathLst>
-                <a:path w="355600" h="355600">
-                  <a:moveTo>
-                    <a:pt x="0" y="0"/>
-                  </a:moveTo>
-                  <a:lnTo>
-                    <a:pt x="346335" y="346335"/>
-                  </a:lnTo>
-                  <a:lnTo>
-                    <a:pt x="355316" y="355316"/>
-                  </a:lnTo>
-                </a:path>
-              </a:pathLst>
-            </a:custGeom>
-            <a:ln w="25400">
-              <a:solidFill>
-                <a:srgbClr val="0365C0"/>
-              </a:solidFill>
-            </a:ln>
-          </p:spPr>
-          <p:txBody>
-            <a:bodyPr wrap="square" lIns="0" tIns="0" rIns="0" bIns="0" rtlCol="0"/>
-            <a:lstStyle/>
-            <a:p>
-              <a:pPr marL="0" marR="0" lvl="0" indent="0" defTabSz="914400" eaLnBrk="1" fontAlgn="auto" latinLnBrk="0" hangingPunct="1">
-                <a:lnSpc>
-                  <a:spcPct val="100000"/>
-                </a:lnSpc>
-                <a:spcBef>
-                  <a:spcPts val="0"/>
-                </a:spcBef>
-                <a:spcAft>
-                  <a:spcPts val="0"/>
-                </a:spcAft>
-                <a:buClrTx/>
-                <a:buSzTx/>
-                <a:buFontTx/>
-                <a:buNone/>
-                <a:tabLst/>
-                <a:defRPr/>
-              </a:pPr>
-              <a:endParaRPr kumimoji="0" sz="1800" b="0" i="0" u="none" strike="noStrike" kern="0" cap="none" spc="0" normalizeH="0" baseline="0" noProof="0">
-                <a:ln>
-                  <a:noFill/>
-                </a:ln>
-                <a:solidFill>
-                  <a:sysClr val="windowText" lastClr="000000"/>
-                </a:solidFill>
-                <a:effectLst/>
-                <a:uLnTx/>
-                <a:uFillTx/>
-              </a:endParaRPr>
-            </a:p>
-          </p:txBody>
-        </p:sp>
-        <p:sp>
-          <p:nvSpPr>
-            <p:cNvPr id="50" name="object 40">
-              <a:extLst>
-                <a:ext uri="{FF2B5EF4-FFF2-40B4-BE49-F238E27FC236}">
-                  <a16:creationId xmlns:a16="http://schemas.microsoft.com/office/drawing/2014/main" id="{CD346A5F-C5BA-143F-BB56-15D2D9592F2B}"/>
-                </a:ext>
-              </a:extLst>
-            </p:cNvPr>
-            <p:cNvSpPr/>
-            <p:nvPr/>
-          </p:nvSpPr>
-          <p:spPr>
-            <a:xfrm>
-              <a:off x="1796845" y="4017096"/>
-              <a:ext cx="129539" cy="129539"/>
-            </a:xfrm>
-            <a:custGeom>
-              <a:avLst/>
-              <a:gdLst/>
-              <a:ahLst/>
-              <a:cxnLst/>
-              <a:rect l="l" t="t" r="r" b="b"/>
-              <a:pathLst>
-                <a:path w="129539" h="129539">
-                  <a:moveTo>
-                    <a:pt x="86210" y="0"/>
-                  </a:moveTo>
-                  <a:lnTo>
-                    <a:pt x="0" y="86211"/>
-                  </a:lnTo>
-                  <a:lnTo>
-                    <a:pt x="129315" y="129316"/>
-                  </a:lnTo>
-                  <a:lnTo>
-                    <a:pt x="86210" y="0"/>
-                  </a:lnTo>
-                  <a:close/>
-                </a:path>
-              </a:pathLst>
-            </a:custGeom>
-            <a:solidFill>
-              <a:srgbClr val="0365C0"/>
-            </a:solidFill>
-          </p:spPr>
-          <p:txBody>
-            <a:bodyPr wrap="square" lIns="0" tIns="0" rIns="0" bIns="0" rtlCol="0"/>
-            <a:lstStyle/>
-            <a:p>
-              <a:pPr marL="0" marR="0" lvl="0" indent="0" defTabSz="914400" eaLnBrk="1" fontAlgn="auto" latinLnBrk="0" hangingPunct="1">
-                <a:lnSpc>
-                  <a:spcPct val="100000"/>
-                </a:lnSpc>
-                <a:spcBef>
-                  <a:spcPts val="0"/>
-                </a:spcBef>
-                <a:spcAft>
-                  <a:spcPts val="0"/>
-                </a:spcAft>
-                <a:buClrTx/>
-                <a:buSzTx/>
-                <a:buFontTx/>
-                <a:buNone/>
-                <a:tabLst/>
-                <a:defRPr/>
-              </a:pPr>
-              <a:endParaRPr kumimoji="0" sz="1800" b="0" i="0" u="none" strike="noStrike" kern="0" cap="none" spc="0" normalizeH="0" baseline="0" noProof="0">
-                <a:ln>
-                  <a:noFill/>
-                </a:ln>
-                <a:solidFill>
-                  <a:sysClr val="windowText" lastClr="000000"/>
-                </a:solidFill>
-                <a:effectLst/>
-                <a:uLnTx/>
-                <a:uFillTx/>
-              </a:endParaRPr>
-            </a:p>
-          </p:txBody>
-        </p:sp>
-      </p:grpSp>
-      <p:sp>
-        <p:nvSpPr>
-          <p:cNvPr id="51" name="object 41">
-            <a:extLst>
-              <a:ext uri="{FF2B5EF4-FFF2-40B4-BE49-F238E27FC236}">
-                <a16:creationId xmlns:a16="http://schemas.microsoft.com/office/drawing/2014/main" id="{752F5485-2607-B8BE-5F90-DC67E7CB2E5A}"/>
-              </a:ext>
-            </a:extLst>
-          </p:cNvPr>
-          <p:cNvSpPr/>
-          <p:nvPr/>
-        </p:nvSpPr>
-        <p:spPr>
-          <a:xfrm>
-            <a:off x="5557908" y="5205774"/>
-            <a:ext cx="926465" cy="424815"/>
-          </a:xfrm>
-          <a:custGeom>
-            <a:avLst/>
-            <a:gdLst/>
-            <a:ahLst/>
-            <a:cxnLst/>
-            <a:rect l="l" t="t" r="r" b="b"/>
-            <a:pathLst>
-              <a:path w="926464" h="424814">
-                <a:moveTo>
-                  <a:pt x="212419" y="0"/>
-                </a:moveTo>
-                <a:lnTo>
-                  <a:pt x="713963" y="0"/>
-                </a:lnTo>
-                <a:lnTo>
-                  <a:pt x="756232" y="162"/>
-                </a:lnTo>
-                <a:lnTo>
-                  <a:pt x="817395" y="4390"/>
-                </a:lnTo>
-                <a:lnTo>
-                  <a:pt x="864038" y="22957"/>
-                </a:lnTo>
-                <a:lnTo>
-                  <a:pt x="903425" y="62344"/>
-                </a:lnTo>
-                <a:lnTo>
-                  <a:pt x="921989" y="108975"/>
-                </a:lnTo>
-                <a:lnTo>
-                  <a:pt x="926219" y="170115"/>
-                </a:lnTo>
-                <a:lnTo>
-                  <a:pt x="926382" y="212336"/>
-                </a:lnTo>
-                <a:lnTo>
-                  <a:pt x="926219" y="254556"/>
-                </a:lnTo>
-                <a:lnTo>
-                  <a:pt x="921989" y="315697"/>
-                </a:lnTo>
-                <a:lnTo>
-                  <a:pt x="903425" y="362328"/>
-                </a:lnTo>
-                <a:lnTo>
-                  <a:pt x="864038" y="401715"/>
-                </a:lnTo>
-                <a:lnTo>
-                  <a:pt x="817395" y="420281"/>
-                </a:lnTo>
-                <a:lnTo>
-                  <a:pt x="756232" y="424509"/>
-                </a:lnTo>
-                <a:lnTo>
-                  <a:pt x="713963" y="424672"/>
-                </a:lnTo>
-                <a:lnTo>
-                  <a:pt x="212419" y="424672"/>
-                </a:lnTo>
-                <a:lnTo>
-                  <a:pt x="170150" y="424509"/>
-                </a:lnTo>
-                <a:lnTo>
-                  <a:pt x="108986" y="420281"/>
-                </a:lnTo>
-                <a:lnTo>
-                  <a:pt x="62344" y="401715"/>
-                </a:lnTo>
-                <a:lnTo>
-                  <a:pt x="22957" y="362328"/>
-                </a:lnTo>
-                <a:lnTo>
-                  <a:pt x="4392" y="315697"/>
-                </a:lnTo>
-                <a:lnTo>
-                  <a:pt x="163" y="254556"/>
-                </a:lnTo>
-                <a:lnTo>
-                  <a:pt x="0" y="212336"/>
-                </a:lnTo>
-                <a:lnTo>
-                  <a:pt x="163" y="170115"/>
-                </a:lnTo>
-                <a:lnTo>
-                  <a:pt x="4392" y="108975"/>
-                </a:lnTo>
-                <a:lnTo>
-                  <a:pt x="22957" y="62344"/>
-                </a:lnTo>
-                <a:lnTo>
-                  <a:pt x="62344" y="22957"/>
-                </a:lnTo>
-                <a:lnTo>
-                  <a:pt x="108986" y="4390"/>
-                </a:lnTo>
-                <a:lnTo>
-                  <a:pt x="170150" y="162"/>
-                </a:lnTo>
-                <a:lnTo>
-                  <a:pt x="212419" y="0"/>
-                </a:lnTo>
-                <a:close/>
-              </a:path>
-            </a:pathLst>
-          </a:custGeom>
-          <a:ln w="25400">
-            <a:solidFill>
-              <a:srgbClr val="0365C0"/>
-            </a:solidFill>
-          </a:ln>
-        </p:spPr>
-        <p:txBody>
-          <a:bodyPr wrap="square" lIns="0" tIns="0" rIns="0" bIns="0" rtlCol="0"/>
-          <a:lstStyle/>
-          <a:p>
-            <a:pPr marL="0" marR="0" lvl="0" indent="0" defTabSz="914400" eaLnBrk="1" fontAlgn="auto" latinLnBrk="0" hangingPunct="1">
-              <a:lnSpc>
-                <a:spcPct val="100000"/>
-              </a:lnSpc>
-              <a:spcBef>
-                <a:spcPts val="0"/>
-              </a:spcBef>
-              <a:spcAft>
-                <a:spcPts val="0"/>
-              </a:spcAft>
-              <a:buClrTx/>
-              <a:buSzTx/>
-              <a:buFontTx/>
-              <a:buNone/>
-              <a:tabLst/>
-              <a:defRPr/>
-            </a:pPr>
-            <a:endParaRPr kumimoji="0" sz="1800" b="0" i="0" u="none" strike="noStrike" kern="0" cap="none" spc="0" normalizeH="0" baseline="0" noProof="0">
-              <a:ln>
-                <a:noFill/>
-              </a:ln>
-              <a:solidFill>
-                <a:sysClr val="windowText" lastClr="000000"/>
-              </a:solidFill>
-              <a:effectLst/>
-              <a:uLnTx/>
-              <a:uFillTx/>
-            </a:endParaRPr>
-          </a:p>
-        </p:txBody>
-      </p:sp>
-      <p:sp>
-        <p:nvSpPr>
-          <p:cNvPr id="52" name="object 42">
-            <a:extLst>
-              <a:ext uri="{FF2B5EF4-FFF2-40B4-BE49-F238E27FC236}">
-                <a16:creationId xmlns:a16="http://schemas.microsoft.com/office/drawing/2014/main" id="{A1CC3C0A-F507-B38C-C8AD-241921343937}"/>
-              </a:ext>
-            </a:extLst>
-          </p:cNvPr>
-          <p:cNvSpPr txBox="1"/>
-          <p:nvPr/>
-        </p:nvSpPr>
-        <p:spPr>
-          <a:xfrm>
-            <a:off x="4605599" y="5251451"/>
-            <a:ext cx="1744345" cy="299720"/>
-          </a:xfrm>
-          <a:prstGeom prst="rect">
-            <a:avLst/>
-          </a:prstGeom>
-        </p:spPr>
-        <p:txBody>
-          <a:bodyPr vert="horz" wrap="square" lIns="0" tIns="12700" rIns="0" bIns="0" rtlCol="0">
-            <a:spAutoFit/>
-          </a:bodyPr>
-          <a:lstStyle/>
-          <a:p>
-            <a:pPr marL="12700" eaLnBrk="1" fontAlgn="auto" hangingPunct="1">
-              <a:spcBef>
-                <a:spcPts val="100"/>
-              </a:spcBef>
-              <a:spcAft>
-                <a:spcPts val="0"/>
-              </a:spcAft>
-              <a:tabLst>
-                <a:tab pos="1095375" algn="l"/>
-              </a:tabLst>
-            </a:pPr>
-            <a:r>
-              <a:rPr lang="en-SE" b="0" kern="0" spc="-10" dirty="0">
-                <a:solidFill>
-                  <a:sysClr val="windowText" lastClr="000000"/>
-                </a:solidFill>
-                <a:latin typeface="Arial MT"/>
-                <a:cs typeface="Arial MT"/>
-              </a:rPr>
-              <a:t>5910</a:t>
-            </a:r>
-            <a:r>
-              <a:rPr lang="en-GB" b="0" kern="0" spc="-10" dirty="0">
-                <a:solidFill>
-                  <a:sysClr val="windowText" lastClr="000000"/>
-                </a:solidFill>
-                <a:latin typeface="Arial MT"/>
-                <a:cs typeface="Arial MT"/>
-              </a:rPr>
-              <a:t>2</a:t>
-            </a:r>
-            <a:r>
-              <a:rPr lang="en-SE" b="0" kern="0" dirty="0">
-                <a:solidFill>
-                  <a:sysClr val="windowText" lastClr="000000"/>
-                </a:solidFill>
-                <a:latin typeface="Arial MT"/>
-                <a:cs typeface="Arial MT"/>
-              </a:rPr>
-              <a:t>	</a:t>
-            </a:r>
-            <a:r>
-              <a:rPr lang="en-SE" b="0" kern="0" spc="-10" dirty="0">
-                <a:solidFill>
-                  <a:sysClr val="windowText" lastClr="000000"/>
-                </a:solidFill>
-                <a:latin typeface="Arial MT"/>
-                <a:cs typeface="Arial MT"/>
-              </a:rPr>
-              <a:t>5910</a:t>
-            </a:r>
-            <a:r>
-              <a:rPr lang="en-GB" b="0" kern="0" spc="-10" dirty="0">
-                <a:solidFill>
-                  <a:sysClr val="windowText" lastClr="000000"/>
-                </a:solidFill>
-                <a:latin typeface="Arial MT"/>
-                <a:cs typeface="Arial MT"/>
-              </a:rPr>
-              <a:t>5</a:t>
-            </a:r>
-            <a:endParaRPr b="0" kern="0" dirty="0">
-              <a:solidFill>
-                <a:sysClr val="windowText" lastClr="000000"/>
-              </a:solidFill>
-              <a:latin typeface="Arial MT"/>
-              <a:cs typeface="Arial MT"/>
-            </a:endParaRPr>
-          </a:p>
-        </p:txBody>
-      </p:sp>
-      <p:sp>
-        <p:nvSpPr>
-          <p:cNvPr id="53" name="object 66">
-            <a:extLst>
-              <a:ext uri="{FF2B5EF4-FFF2-40B4-BE49-F238E27FC236}">
-                <a16:creationId xmlns:a16="http://schemas.microsoft.com/office/drawing/2014/main" id="{2D68F280-54DA-A4FA-9B28-DCEE4718B88C}"/>
-              </a:ext>
-            </a:extLst>
-          </p:cNvPr>
-          <p:cNvSpPr txBox="1"/>
-          <p:nvPr/>
-        </p:nvSpPr>
-        <p:spPr>
-          <a:xfrm>
-            <a:off x="5079778" y="5629338"/>
-            <a:ext cx="372666" cy="299720"/>
-          </a:xfrm>
-          <a:prstGeom prst="rect">
-            <a:avLst/>
-          </a:prstGeom>
-        </p:spPr>
-        <p:txBody>
-          <a:bodyPr vert="horz" wrap="square" lIns="0" tIns="12700" rIns="0" bIns="0" rtlCol="0">
-            <a:spAutoFit/>
-          </a:bodyPr>
-          <a:lstStyle/>
-          <a:p>
-            <a:pPr marL="12700" eaLnBrk="1" fontAlgn="auto" hangingPunct="1">
-              <a:spcBef>
-                <a:spcPts val="100"/>
-              </a:spcBef>
-              <a:spcAft>
-                <a:spcPts val="0"/>
-              </a:spcAft>
-            </a:pPr>
-            <a:r>
-              <a:rPr lang="en-GB" b="0" kern="0" dirty="0">
-                <a:latin typeface="Arial MT"/>
-                <a:cs typeface="Arial MT"/>
-              </a:rPr>
-              <a:t>P1</a:t>
-            </a:r>
-            <a:endParaRPr b="0" kern="0" dirty="0">
-              <a:latin typeface="Arial MT"/>
-              <a:cs typeface="Arial MT"/>
-            </a:endParaRPr>
-          </a:p>
-        </p:txBody>
-      </p:sp>
-      <p:sp>
-        <p:nvSpPr>
-          <p:cNvPr id="65" name="object 66">
-            <a:extLst>
-              <a:ext uri="{FF2B5EF4-FFF2-40B4-BE49-F238E27FC236}">
-                <a16:creationId xmlns:a16="http://schemas.microsoft.com/office/drawing/2014/main" id="{F095CD7D-3EC1-FA76-A606-700A4B27CB0B}"/>
-              </a:ext>
-            </a:extLst>
-          </p:cNvPr>
-          <p:cNvSpPr txBox="1"/>
-          <p:nvPr/>
-        </p:nvSpPr>
-        <p:spPr>
-          <a:xfrm>
-            <a:off x="6153295" y="5640689"/>
-            <a:ext cx="372666" cy="299720"/>
-          </a:xfrm>
-          <a:prstGeom prst="rect">
-            <a:avLst/>
-          </a:prstGeom>
-        </p:spPr>
-        <p:txBody>
-          <a:bodyPr vert="horz" wrap="square" lIns="0" tIns="12700" rIns="0" bIns="0" rtlCol="0">
-            <a:spAutoFit/>
-          </a:bodyPr>
-          <a:lstStyle/>
-          <a:p>
-            <a:pPr marL="12700" eaLnBrk="1" fontAlgn="auto" hangingPunct="1">
-              <a:spcBef>
-                <a:spcPts val="100"/>
-              </a:spcBef>
-              <a:spcAft>
-                <a:spcPts val="0"/>
-              </a:spcAft>
-            </a:pPr>
-            <a:r>
-              <a:rPr lang="en-GB" b="0" kern="0" dirty="0">
-                <a:latin typeface="Arial MT"/>
-                <a:cs typeface="Arial MT"/>
-              </a:rPr>
-              <a:t>P4</a:t>
-            </a:r>
-            <a:endParaRPr b="0" kern="0" dirty="0">
-              <a:latin typeface="Arial MT"/>
-              <a:cs typeface="Arial MT"/>
-            </a:endParaRPr>
-          </a:p>
-        </p:txBody>
-      </p:sp>
-      <p:sp>
-        <p:nvSpPr>
-          <p:cNvPr id="72" name="object 66">
-            <a:extLst>
-              <a:ext uri="{FF2B5EF4-FFF2-40B4-BE49-F238E27FC236}">
-                <a16:creationId xmlns:a16="http://schemas.microsoft.com/office/drawing/2014/main" id="{C6A17094-1D66-EDCA-29E2-77F3B0039FF5}"/>
-              </a:ext>
-            </a:extLst>
-          </p:cNvPr>
-          <p:cNvSpPr txBox="1"/>
-          <p:nvPr/>
-        </p:nvSpPr>
-        <p:spPr>
-          <a:xfrm>
-            <a:off x="5741634" y="4644341"/>
-            <a:ext cx="1669854" cy="505267"/>
-          </a:xfrm>
-          <a:prstGeom prst="rect">
-            <a:avLst/>
-          </a:prstGeom>
-        </p:spPr>
-        <p:txBody>
-          <a:bodyPr vert="horz" wrap="square" lIns="0" tIns="12700" rIns="0" bIns="0" rtlCol="0">
-            <a:spAutoFit/>
-          </a:bodyPr>
-          <a:lstStyle/>
-          <a:p>
-            <a:pPr marL="12700" eaLnBrk="1" fontAlgn="auto" hangingPunct="1">
-              <a:spcBef>
-                <a:spcPts val="100"/>
-              </a:spcBef>
-              <a:spcAft>
-                <a:spcPts val="0"/>
-              </a:spcAft>
-            </a:pPr>
-            <a:r>
-              <a:rPr lang="en-GB" sz="1600" b="0" kern="0" dirty="0">
-                <a:solidFill>
-                  <a:sysClr val="windowText" lastClr="000000"/>
-                </a:solidFill>
-                <a:latin typeface="Courier New"/>
-                <a:cs typeface="Courier New"/>
-              </a:rPr>
-              <a:t>pid1==0, pid2==0,stop</a:t>
-            </a:r>
-            <a:endParaRPr sz="1600" b="0" kern="0" dirty="0">
-              <a:latin typeface="Arial MT"/>
-              <a:cs typeface="Arial MT"/>
-            </a:endParaRPr>
-          </a:p>
-        </p:txBody>
-      </p:sp>
-      <p:sp>
-        <p:nvSpPr>
-          <p:cNvPr id="74" name="object 66">
-            <a:extLst>
-              <a:ext uri="{FF2B5EF4-FFF2-40B4-BE49-F238E27FC236}">
-                <a16:creationId xmlns:a16="http://schemas.microsoft.com/office/drawing/2014/main" id="{512EDEC8-C585-B36B-67F4-F77FB084F50A}"/>
-              </a:ext>
-            </a:extLst>
-          </p:cNvPr>
-          <p:cNvSpPr txBox="1"/>
-          <p:nvPr/>
-        </p:nvSpPr>
-        <p:spPr>
-          <a:xfrm>
-            <a:off x="5471777" y="3283770"/>
-            <a:ext cx="2044403" cy="518091"/>
-          </a:xfrm>
-          <a:prstGeom prst="rect">
-            <a:avLst/>
-          </a:prstGeom>
-        </p:spPr>
-        <p:txBody>
-          <a:bodyPr vert="horz" wrap="square" lIns="0" tIns="12700" rIns="0" bIns="0" rtlCol="0">
-            <a:spAutoFit/>
-          </a:bodyPr>
-          <a:lstStyle/>
-          <a:p>
-            <a:pPr marL="12700" eaLnBrk="1" fontAlgn="auto" hangingPunct="1">
-              <a:spcBef>
-                <a:spcPts val="100"/>
-              </a:spcBef>
-              <a:spcAft>
-                <a:spcPts val="0"/>
-              </a:spcAft>
-            </a:pPr>
-            <a:r>
-              <a:rPr lang="en-GB" sz="1600" b="0" kern="0" dirty="0">
-                <a:solidFill>
-                  <a:sysClr val="windowText" lastClr="000000"/>
-                </a:solidFill>
-                <a:latin typeface="Courier New"/>
-                <a:cs typeface="Courier New"/>
-              </a:rPr>
-              <a:t>pid1==0,</a:t>
-            </a:r>
-          </a:p>
-          <a:p>
-            <a:pPr marL="12700" eaLnBrk="1" fontAlgn="auto" hangingPunct="1">
-              <a:spcBef>
-                <a:spcPts val="100"/>
-              </a:spcBef>
-              <a:spcAft>
-                <a:spcPts val="0"/>
-              </a:spcAft>
-            </a:pPr>
-            <a:r>
-              <a:rPr lang="en-GB" sz="1600" b="0" kern="0" dirty="0">
-                <a:solidFill>
-                  <a:sysClr val="windowText" lastClr="000000"/>
-                </a:solidFill>
-                <a:latin typeface="Courier New"/>
-                <a:cs typeface="Courier New"/>
-              </a:rPr>
-              <a:t>call pid2=fork()</a:t>
-            </a:r>
-            <a:endParaRPr sz="1600" b="0" kern="0" dirty="0">
-              <a:latin typeface="Arial MT"/>
-              <a:cs typeface="Arial MT"/>
-            </a:endParaRPr>
-          </a:p>
-        </p:txBody>
-      </p:sp>
-      <p:sp>
-        <p:nvSpPr>
-          <p:cNvPr id="75" name="object 66">
-            <a:extLst>
-              <a:ext uri="{FF2B5EF4-FFF2-40B4-BE49-F238E27FC236}">
-                <a16:creationId xmlns:a16="http://schemas.microsoft.com/office/drawing/2014/main" id="{C1687126-83C2-7411-1E55-893094C7A7F9}"/>
-              </a:ext>
-            </a:extLst>
-          </p:cNvPr>
-          <p:cNvSpPr txBox="1"/>
-          <p:nvPr/>
-        </p:nvSpPr>
-        <p:spPr>
-          <a:xfrm>
-            <a:off x="1626557" y="3396060"/>
-            <a:ext cx="1526816" cy="518091"/>
-          </a:xfrm>
-          <a:prstGeom prst="rect">
-            <a:avLst/>
-          </a:prstGeom>
-        </p:spPr>
-        <p:txBody>
-          <a:bodyPr vert="horz" wrap="square" lIns="0" tIns="12700" rIns="0" bIns="0" rtlCol="0">
-            <a:spAutoFit/>
-          </a:bodyPr>
-          <a:lstStyle/>
-          <a:p>
-            <a:pPr marL="12700" eaLnBrk="1" fontAlgn="auto" hangingPunct="1">
-              <a:spcBef>
-                <a:spcPts val="100"/>
-              </a:spcBef>
-              <a:spcAft>
-                <a:spcPts val="0"/>
-              </a:spcAft>
-            </a:pPr>
-            <a:r>
-              <a:rPr lang="en-GB" sz="1600" b="0" kern="0" dirty="0">
-                <a:solidFill>
-                  <a:sysClr val="windowText" lastClr="000000"/>
-                </a:solidFill>
-                <a:latin typeface="Courier New"/>
-                <a:cs typeface="Courier New"/>
-              </a:rPr>
-              <a:t>pid1&gt;0, call  pid3=fork()</a:t>
-            </a:r>
-            <a:endParaRPr sz="1600" b="0" kern="0" dirty="0">
-              <a:latin typeface="Arial MT"/>
-              <a:cs typeface="Arial MT"/>
-            </a:endParaRPr>
-          </a:p>
-        </p:txBody>
-      </p:sp>
-      <p:sp>
-        <p:nvSpPr>
-          <p:cNvPr id="82" name="object 66">
-            <a:extLst>
-              <a:ext uri="{FF2B5EF4-FFF2-40B4-BE49-F238E27FC236}">
-                <a16:creationId xmlns:a16="http://schemas.microsoft.com/office/drawing/2014/main" id="{EF898FE7-A1B8-F979-9AA6-04AF8D073750}"/>
-              </a:ext>
-            </a:extLst>
-          </p:cNvPr>
-          <p:cNvSpPr txBox="1"/>
-          <p:nvPr/>
-        </p:nvSpPr>
-        <p:spPr>
-          <a:xfrm>
-            <a:off x="2874874" y="4705887"/>
-            <a:ext cx="372666" cy="299720"/>
-          </a:xfrm>
-          <a:prstGeom prst="rect">
-            <a:avLst/>
-          </a:prstGeom>
-        </p:spPr>
-        <p:txBody>
-          <a:bodyPr vert="horz" wrap="square" lIns="0" tIns="12700" rIns="0" bIns="0" rtlCol="0">
-            <a:spAutoFit/>
-          </a:bodyPr>
-          <a:lstStyle/>
-          <a:p>
-            <a:pPr marL="12700" eaLnBrk="1" fontAlgn="auto" hangingPunct="1">
-              <a:spcBef>
-                <a:spcPts val="100"/>
-              </a:spcBef>
-              <a:spcAft>
-                <a:spcPts val="0"/>
-              </a:spcAft>
-            </a:pPr>
-            <a:r>
-              <a:rPr lang="en-GB" b="0" kern="0" dirty="0">
-                <a:latin typeface="Arial MT"/>
-                <a:cs typeface="Arial MT"/>
-              </a:rPr>
-              <a:t>P2</a:t>
-            </a:r>
-            <a:endParaRPr b="0" kern="0" dirty="0">
-              <a:latin typeface="Arial MT"/>
-              <a:cs typeface="Arial MT"/>
-            </a:endParaRPr>
-          </a:p>
-        </p:txBody>
-      </p:sp>
-      <p:sp>
-        <p:nvSpPr>
-          <p:cNvPr id="83" name="object 66">
-            <a:extLst>
-              <a:ext uri="{FF2B5EF4-FFF2-40B4-BE49-F238E27FC236}">
-                <a16:creationId xmlns:a16="http://schemas.microsoft.com/office/drawing/2014/main" id="{C3B14305-7277-CAE5-E03B-521D42F4EF74}"/>
-              </a:ext>
-            </a:extLst>
-          </p:cNvPr>
-          <p:cNvSpPr txBox="1"/>
-          <p:nvPr/>
-        </p:nvSpPr>
-        <p:spPr>
-          <a:xfrm>
-            <a:off x="3307680" y="4498020"/>
-            <a:ext cx="1637257" cy="764312"/>
-          </a:xfrm>
-          <a:prstGeom prst="rect">
-            <a:avLst/>
-          </a:prstGeom>
-        </p:spPr>
-        <p:txBody>
-          <a:bodyPr vert="horz" wrap="square" lIns="0" tIns="12700" rIns="0" bIns="0" rtlCol="0">
-            <a:spAutoFit/>
-          </a:bodyPr>
-          <a:lstStyle/>
-          <a:p>
-            <a:pPr marL="12700" eaLnBrk="1" fontAlgn="auto" hangingPunct="1">
-              <a:spcBef>
-                <a:spcPts val="100"/>
-              </a:spcBef>
-              <a:spcAft>
-                <a:spcPts val="0"/>
-              </a:spcAft>
-            </a:pPr>
-            <a:r>
-              <a:rPr lang="en-GB" sz="1600" b="0" kern="0" dirty="0">
-                <a:solidFill>
-                  <a:sysClr val="windowText" lastClr="000000"/>
-                </a:solidFill>
-                <a:latin typeface="Courier New"/>
-                <a:cs typeface="Courier New"/>
-              </a:rPr>
-              <a:t>pid1==0, pid2&gt;0, call </a:t>
-            </a:r>
-          </a:p>
-          <a:p>
-            <a:pPr marL="12700" eaLnBrk="1" fontAlgn="auto" hangingPunct="1">
-              <a:spcBef>
-                <a:spcPts val="100"/>
-              </a:spcBef>
-              <a:spcAft>
-                <a:spcPts val="0"/>
-              </a:spcAft>
-            </a:pPr>
-            <a:r>
-              <a:rPr lang="en-GB" sz="1600" b="0" kern="0" dirty="0">
-                <a:solidFill>
-                  <a:sysClr val="windowText" lastClr="000000"/>
-                </a:solidFill>
-                <a:latin typeface="Courier New"/>
-                <a:cs typeface="Courier New"/>
-              </a:rPr>
-              <a:t>pid3=fork()</a:t>
-            </a:r>
-            <a:endParaRPr lang="en-GB" sz="1600" b="0" kern="0" dirty="0">
-              <a:latin typeface="Arial MT"/>
-              <a:cs typeface="Arial MT"/>
-            </a:endParaRPr>
-          </a:p>
-        </p:txBody>
-      </p:sp>
-      <p:sp>
-        <p:nvSpPr>
-          <p:cNvPr id="3" name="object 66">
-            <a:extLst>
-              <a:ext uri="{FF2B5EF4-FFF2-40B4-BE49-F238E27FC236}">
-                <a16:creationId xmlns:a16="http://schemas.microsoft.com/office/drawing/2014/main" id="{DAAEF5EB-9757-901A-B9E6-3D9091547874}"/>
-              </a:ext>
-            </a:extLst>
-          </p:cNvPr>
-          <p:cNvSpPr txBox="1"/>
-          <p:nvPr/>
-        </p:nvSpPr>
-        <p:spPr>
-          <a:xfrm>
-            <a:off x="1553459" y="2503237"/>
-            <a:ext cx="1975743" cy="259045"/>
-          </a:xfrm>
-          <a:prstGeom prst="rect">
-            <a:avLst/>
-          </a:prstGeom>
-        </p:spPr>
-        <p:txBody>
-          <a:bodyPr vert="horz" wrap="square" lIns="0" tIns="12700" rIns="0" bIns="0" rtlCol="0">
-            <a:spAutoFit/>
-          </a:bodyPr>
-          <a:lstStyle/>
-          <a:p>
-            <a:pPr marL="12700" eaLnBrk="1" fontAlgn="auto" hangingPunct="1">
-              <a:spcBef>
-                <a:spcPts val="100"/>
-              </a:spcBef>
-              <a:spcAft>
-                <a:spcPts val="0"/>
-              </a:spcAft>
-            </a:pPr>
-            <a:r>
-              <a:rPr lang="en-GB" sz="1600" b="0" kern="0" dirty="0">
-                <a:solidFill>
-                  <a:sysClr val="windowText" lastClr="000000"/>
-                </a:solidFill>
-                <a:latin typeface="Courier New"/>
-                <a:cs typeface="Courier New"/>
-              </a:rPr>
-              <a:t>Call pid1=fork()</a:t>
-            </a:r>
-            <a:endParaRPr sz="1600" b="0" kern="0" dirty="0">
-              <a:latin typeface="Arial MT"/>
-              <a:cs typeface="Arial MT"/>
+              <a:latin typeface="Calibri" panose="020F0502020204030204"/>
+              <a:ea typeface="+mn-ea"/>
+              <a:cs typeface="+mn-cs"/>
             </a:endParaRPr>
           </a:p>
         </p:txBody>
@@ -40951,7 +36411,7 @@
     </p:spTree>
     <p:extLst>
       <p:ext uri="{BB962C8B-B14F-4D97-AF65-F5344CB8AC3E}">
-        <p14:creationId xmlns:p14="http://schemas.microsoft.com/office/powerpoint/2010/main" val="49214421"/>
+        <p14:creationId xmlns:p14="http://schemas.microsoft.com/office/powerpoint/2010/main" val="1438700461"/>
       </p:ext>
     </p:extLst>
   </p:cSld>
@@ -42880,7 +38340,7 @@
           </a:ln>
           <a:extLst>
             <a:ext uri="{AF507438-7753-43e0-B8FC-AC1667EBCBE1}">
-              <a14:hiddenEffects xmlns:a14="http://schemas.microsoft.com/office/drawing/2010/main" xmlns="">
+              <a14:hiddenEffects xmlns="" xmlns:a14="http://schemas.microsoft.com/office/drawing/2010/main">
                 <a:effectLst>
                   <a:outerShdw dist="35921" dir="2700000" algn="ctr" rotWithShape="0">
                     <a:schemeClr val="bg2"/>
@@ -43575,7 +39035,7 @@
           </a:ln>
           <a:extLst>
             <a:ext uri="{AF507438-7753-43e0-B8FC-AC1667EBCBE1}">
-              <a14:hiddenEffects xmlns:a14="http://schemas.microsoft.com/office/drawing/2010/main" xmlns="">
+              <a14:hiddenEffects xmlns="" xmlns:a14="http://schemas.microsoft.com/office/drawing/2010/main">
                 <a:effectLst>
                   <a:outerShdw dist="35921" dir="2700000" algn="ctr" rotWithShape="0">
                     <a:schemeClr val="bg2"/>
@@ -43617,7 +39077,7 @@
           </a:ln>
           <a:extLst>
             <a:ext uri="{AF507438-7753-43e0-B8FC-AC1667EBCBE1}">
-              <a14:hiddenEffects xmlns:a14="http://schemas.microsoft.com/office/drawing/2010/main" xmlns="">
+              <a14:hiddenEffects xmlns="" xmlns:a14="http://schemas.microsoft.com/office/drawing/2010/main">
                 <a:effectLst>
                   <a:outerShdw dist="35921" dir="2700000" algn="ctr" rotWithShape="0">
                     <a:schemeClr val="bg2"/>
@@ -43851,7 +39311,7 @@
           </a:ln>
           <a:extLst>
             <a:ext uri="{AF507438-7753-43e0-B8FC-AC1667EBCBE1}">
-              <a14:hiddenEffects xmlns:a14="http://schemas.microsoft.com/office/drawing/2010/main" xmlns="">
+              <a14:hiddenEffects xmlns="" xmlns:a14="http://schemas.microsoft.com/office/drawing/2010/main">
                 <a:effectLst>
                   <a:outerShdw dist="35921" dir="2700000" algn="ctr" rotWithShape="0">
                     <a:schemeClr val="bg2"/>
@@ -45851,7 +41311,7 @@
           </a:ln>
           <a:extLst>
             <a:ext uri="{AF507438-7753-43e0-B8FC-AC1667EBCBE1}">
-              <a14:hiddenEffects xmlns:a14="http://schemas.microsoft.com/office/drawing/2010/main" xmlns="">
+              <a14:hiddenEffects xmlns="" xmlns:a14="http://schemas.microsoft.com/office/drawing/2010/main">
                 <a:effectLst>
                   <a:outerShdw dist="35921" dir="2700000" algn="ctr" rotWithShape="0">
                     <a:schemeClr val="bg2"/>
@@ -46546,7 +42006,7 @@
           </a:ln>
           <a:extLst>
             <a:ext uri="{AF507438-7753-43e0-B8FC-AC1667EBCBE1}">
-              <a14:hiddenEffects xmlns:a14="http://schemas.microsoft.com/office/drawing/2010/main" xmlns="">
+              <a14:hiddenEffects xmlns="" xmlns:a14="http://schemas.microsoft.com/office/drawing/2010/main">
                 <a:effectLst>
                   <a:outerShdw dist="35921" dir="2700000" algn="ctr" rotWithShape="0">
                     <a:schemeClr val="bg2"/>
@@ -46588,7 +42048,7 @@
           </a:ln>
           <a:extLst>
             <a:ext uri="{AF507438-7753-43e0-B8FC-AC1667EBCBE1}">
-              <a14:hiddenEffects xmlns:a14="http://schemas.microsoft.com/office/drawing/2010/main" xmlns="">
+              <a14:hiddenEffects xmlns="" xmlns:a14="http://schemas.microsoft.com/office/drawing/2010/main">
                 <a:effectLst>
                   <a:outerShdw dist="35921" dir="2700000" algn="ctr" rotWithShape="0">
                     <a:schemeClr val="bg2"/>
@@ -46822,7 +42282,7 @@
           </a:ln>
           <a:extLst>
             <a:ext uri="{AF507438-7753-43e0-B8FC-AC1667EBCBE1}">
-              <a14:hiddenEffects xmlns:a14="http://schemas.microsoft.com/office/drawing/2010/main" xmlns="">
+              <a14:hiddenEffects xmlns="" xmlns:a14="http://schemas.microsoft.com/office/drawing/2010/main">
                 <a:effectLst>
                   <a:outerShdw dist="35921" dir="2700000" algn="ctr" rotWithShape="0">
                     <a:schemeClr val="bg2"/>
@@ -48865,7 +44325,7 @@
           </a:ln>
           <a:extLst>
             <a:ext uri="{AF507438-7753-43e0-B8FC-AC1667EBCBE1}">
-              <a14:hiddenEffects xmlns:a14="http://schemas.microsoft.com/office/drawing/2010/main" xmlns="">
+              <a14:hiddenEffects xmlns="" xmlns:a14="http://schemas.microsoft.com/office/drawing/2010/main">
                 <a:effectLst>
                   <a:outerShdw dist="35921" dir="2700000" algn="ctr" rotWithShape="0">
                     <a:schemeClr val="bg2"/>
@@ -49518,7 +44978,7 @@
           </a:ln>
           <a:extLst>
             <a:ext uri="{AF507438-7753-43e0-B8FC-AC1667EBCBE1}">
-              <a14:hiddenEffects xmlns:a14="http://schemas.microsoft.com/office/drawing/2010/main" xmlns="">
+              <a14:hiddenEffects xmlns="" xmlns:a14="http://schemas.microsoft.com/office/drawing/2010/main">
                 <a:effectLst>
                   <a:outerShdw dist="35921" dir="2700000" algn="ctr" rotWithShape="0">
                     <a:schemeClr val="bg2"/>
@@ -49561,7 +45021,7 @@
           </a:ln>
           <a:extLst>
             <a:ext uri="{AF507438-7753-43e0-B8FC-AC1667EBCBE1}">
-              <a14:hiddenEffects xmlns:a14="http://schemas.microsoft.com/office/drawing/2010/main" xmlns="">
+              <a14:hiddenEffects xmlns="" xmlns:a14="http://schemas.microsoft.com/office/drawing/2010/main">
                 <a:effectLst>
                   <a:outerShdw dist="35921" dir="2700000" algn="ctr" rotWithShape="0">
                     <a:schemeClr val="bg2"/>
@@ -49819,7 +45279,7 @@
           </a:ln>
           <a:extLst>
             <a:ext uri="{AF507438-7753-43e0-B8FC-AC1667EBCBE1}">
-              <a14:hiddenEffects xmlns:a14="http://schemas.microsoft.com/office/drawing/2010/main" xmlns="">
+              <a14:hiddenEffects xmlns="" xmlns:a14="http://schemas.microsoft.com/office/drawing/2010/main">
                 <a:effectLst>
                   <a:outerShdw dist="35921" dir="2700000" algn="ctr" rotWithShape="0">
                     <a:schemeClr val="bg2"/>
@@ -49917,7 +45377,7 @@
           </a:ln>
           <a:extLst>
             <a:ext uri="{AF507438-7753-43e0-B8FC-AC1667EBCBE1}">
-              <a14:hiddenEffects xmlns:a14="http://schemas.microsoft.com/office/drawing/2010/main" xmlns="">
+              <a14:hiddenEffects xmlns="" xmlns:a14="http://schemas.microsoft.com/office/drawing/2010/main">
                 <a:effectLst>
                   <a:outerShdw dist="35921" dir="2700000" algn="ctr" rotWithShape="0">
                     <a:schemeClr val="bg2"/>
@@ -50125,17 +45585,17 @@
           <a:effectLst/>
           <a:extLst>
             <a:ext uri="{FAA26D3D-D897-4be2-8F04-BA451C77F1D7}">
-              <ma14:placeholderFlag xmlns="" xmlns:ma14="http://schemas.microsoft.com/office/mac/drawingml/2011/main" val="1"/>
+              <ma14:placeholderFlag xmlns:ma14="http://schemas.microsoft.com/office/mac/drawingml/2011/main" xmlns="" val="1"/>
             </a:ext>
             <a:ext uri="{909E8E84-426E-40dd-AFC4-6F175D3DCCD1}">
-              <a14:hiddenFill xmlns="" xmlns:a14="http://schemas.microsoft.com/office/drawing/2010/main">
+              <a14:hiddenFill xmlns:a14="http://schemas.microsoft.com/office/drawing/2010/main" xmlns="">
                 <a:solidFill>
                   <a:schemeClr val="bg1"/>
                 </a:solidFill>
               </a14:hiddenFill>
             </a:ext>
             <a:ext uri="{91240B29-F687-4f45-9708-019B960494DF}">
-              <a14:hiddenLine xmlns="" xmlns:a14="http://schemas.microsoft.com/office/drawing/2010/main" w="12700">
+              <a14:hiddenLine xmlns:a14="http://schemas.microsoft.com/office/drawing/2010/main" xmlns="" w="12700">
                 <a:pattFill prst="narHorz">
                   <a:fgClr>
                     <a:schemeClr val="tx1"/>
@@ -50150,7 +45610,7 @@
               </a14:hiddenLine>
             </a:ext>
             <a:ext uri="{AF507438-7753-43e0-B8FC-AC1667EBCBE1}">
-              <a14:hiddenEffects xmlns="" xmlns:a14="http://schemas.microsoft.com/office/drawing/2010/main">
+              <a14:hiddenEffects xmlns:a14="http://schemas.microsoft.com/office/drawing/2010/main" xmlns="">
                 <a:effectLst>
                   <a:outerShdw blurRad="63500" dist="38099" dir="2700000" algn="ctr" rotWithShape="0">
                     <a:schemeClr val="bg2">
@@ -51767,17 +47227,17 @@
           <a:effectLst/>
           <a:extLst>
             <a:ext uri="{FAA26D3D-D897-4be2-8F04-BA451C77F1D7}">
-              <ma14:placeholderFlag xmlns="" xmlns:ma14="http://schemas.microsoft.com/office/mac/drawingml/2011/main" val="1"/>
+              <ma14:placeholderFlag xmlns:ma14="http://schemas.microsoft.com/office/mac/drawingml/2011/main" xmlns="" val="1"/>
             </a:ext>
             <a:ext uri="{909E8E84-426E-40dd-AFC4-6F175D3DCCD1}">
-              <a14:hiddenFill xmlns="" xmlns:a14="http://schemas.microsoft.com/office/drawing/2010/main">
+              <a14:hiddenFill xmlns:a14="http://schemas.microsoft.com/office/drawing/2010/main" xmlns="">
                 <a:solidFill>
                   <a:schemeClr val="bg1"/>
                 </a:solidFill>
               </a14:hiddenFill>
             </a:ext>
             <a:ext uri="{91240B29-F687-4f45-9708-019B960494DF}">
-              <a14:hiddenLine xmlns="" xmlns:a14="http://schemas.microsoft.com/office/drawing/2010/main" w="12700">
+              <a14:hiddenLine xmlns:a14="http://schemas.microsoft.com/office/drawing/2010/main" xmlns="" w="12700">
                 <a:pattFill prst="narHorz">
                   <a:fgClr>
                     <a:schemeClr val="tx1"/>
@@ -51792,7 +47252,7 @@
               </a14:hiddenLine>
             </a:ext>
             <a:ext uri="{AF507438-7753-43e0-B8FC-AC1667EBCBE1}">
-              <a14:hiddenEffects xmlns="" xmlns:a14="http://schemas.microsoft.com/office/drawing/2010/main">
+              <a14:hiddenEffects xmlns:a14="http://schemas.microsoft.com/office/drawing/2010/main" xmlns="">
                 <a:effectLst>
                   <a:outerShdw blurRad="63500" dist="38099" dir="2700000" algn="ctr" rotWithShape="0">
                     <a:schemeClr val="bg2">
@@ -52036,17 +47496,17 @@
           <a:effectLst/>
           <a:extLst>
             <a:ext uri="{FAA26D3D-D897-4be2-8F04-BA451C77F1D7}">
-              <ma14:placeholderFlag xmlns="" xmlns:ma14="http://schemas.microsoft.com/office/mac/drawingml/2011/main" val="1"/>
+              <ma14:placeholderFlag xmlns:ma14="http://schemas.microsoft.com/office/mac/drawingml/2011/main" xmlns="" val="1"/>
             </a:ext>
             <a:ext uri="{909E8E84-426E-40dd-AFC4-6F175D3DCCD1}">
-              <a14:hiddenFill xmlns="" xmlns:a14="http://schemas.microsoft.com/office/drawing/2010/main">
+              <a14:hiddenFill xmlns:a14="http://schemas.microsoft.com/office/drawing/2010/main" xmlns="">
                 <a:solidFill>
                   <a:schemeClr val="bg1"/>
                 </a:solidFill>
               </a14:hiddenFill>
             </a:ext>
             <a:ext uri="{91240B29-F687-4f45-9708-019B960494DF}">
-              <a14:hiddenLine xmlns="" xmlns:a14="http://schemas.microsoft.com/office/drawing/2010/main" w="12700">
+              <a14:hiddenLine xmlns:a14="http://schemas.microsoft.com/office/drawing/2010/main" xmlns="" w="12700">
                 <a:pattFill prst="narHorz">
                   <a:fgClr>
                     <a:schemeClr val="tx1"/>
@@ -52061,7 +47521,7 @@
               </a14:hiddenLine>
             </a:ext>
             <a:ext uri="{AF507438-7753-43e0-B8FC-AC1667EBCBE1}">
-              <a14:hiddenEffects xmlns="" xmlns:a14="http://schemas.microsoft.com/office/drawing/2010/main">
+              <a14:hiddenEffects xmlns:a14="http://schemas.microsoft.com/office/drawing/2010/main" xmlns="">
                 <a:effectLst>
                   <a:outerShdw blurRad="63500" dist="38099" dir="2700000" algn="ctr" rotWithShape="0">
                     <a:schemeClr val="bg2">
@@ -52770,7 +48230,7 @@
         <a:effectLst/>
         <a:extLst>
           <a:ext uri="{AF507438-7753-43e0-B8FC-AC1667EBCBE1}">
-            <a14:hiddenEffects xmlns="" xmlns:a14="http://schemas.microsoft.com/office/drawing/2010/main">
+            <a14:hiddenEffects xmlns:a14="http://schemas.microsoft.com/office/drawing/2010/main" xmlns="">
               <a:effectLst>
                 <a:outerShdw dist="35921" dir="2700000" algn="ctr" rotWithShape="0">
                   <a:schemeClr val="bg2"/>
@@ -52843,7 +48303,7 @@
         <a:effectLst/>
         <a:extLst>
           <a:ext uri="{AF507438-7753-43e0-B8FC-AC1667EBCBE1}">
-            <a14:hiddenEffects xmlns="" xmlns:a14="http://schemas.microsoft.com/office/drawing/2010/main">
+            <a14:hiddenEffects xmlns:a14="http://schemas.microsoft.com/office/drawing/2010/main" xmlns="">
               <a:effectLst>
                 <a:outerShdw dist="35921" dir="2700000" algn="ctr" rotWithShape="0">
                   <a:schemeClr val="bg2"/>
